--- a/lec/lec9.pptx
+++ b/lec/lec9.pptx
@@ -2058,6 +2058,681 @@
           <a:chExt cx="0" cy="0"/>
         </a:xfrm>
       </p:grpSpPr>
+      <p:grpSp>
+        <p:nvGrpSpPr>
+          <p:cNvPr id="21" name="Group 20">
+            <a:extLst>
+              <a:ext uri="{FF2B5EF4-FFF2-40B4-BE49-F238E27FC236}">
+                <a16:creationId xmlns:a16="http://schemas.microsoft.com/office/drawing/2014/main" id="{7A6ABD5D-5C43-3B8B-4A47-61649E3D115D}"/>
+              </a:ext>
+            </a:extLst>
+          </p:cNvPr>
+          <p:cNvGrpSpPr/>
+          <p:nvPr userDrawn="1"/>
+        </p:nvGrpSpPr>
+        <p:grpSpPr>
+          <a:xfrm>
+            <a:off x="-37202" y="-17808"/>
+            <a:ext cx="9251052" cy="6875808"/>
+            <a:chOff x="-37202" y="-17808"/>
+            <a:chExt cx="9251052" cy="6875808"/>
+          </a:xfrm>
+        </p:grpSpPr>
+        <p:grpSp>
+          <p:nvGrpSpPr>
+            <p:cNvPr id="2" name="Group 1">
+              <a:extLst>
+                <a:ext uri="{FF2B5EF4-FFF2-40B4-BE49-F238E27FC236}">
+                  <a16:creationId xmlns:a16="http://schemas.microsoft.com/office/drawing/2014/main" id="{32FDF3C8-2579-FE76-C255-8D388A2880AF}"/>
+                </a:ext>
+              </a:extLst>
+            </p:cNvPr>
+            <p:cNvGrpSpPr/>
+            <p:nvPr userDrawn="1"/>
+          </p:nvGrpSpPr>
+          <p:grpSpPr>
+            <a:xfrm>
+              <a:off x="-37202" y="-17808"/>
+              <a:ext cx="9244426" cy="1548158"/>
+              <a:chOff x="-37202" y="-17808"/>
+              <a:chExt cx="9244426" cy="1548158"/>
+            </a:xfrm>
+          </p:grpSpPr>
+          <p:pic>
+            <p:nvPicPr>
+              <p:cNvPr id="3" name="Picture 2">
+                <a:extLst>
+                  <a:ext uri="{FF2B5EF4-FFF2-40B4-BE49-F238E27FC236}">
+                    <a16:creationId xmlns:a16="http://schemas.microsoft.com/office/drawing/2014/main" id="{6D509864-1F3D-8C50-E36A-3487881676F4}"/>
+                  </a:ext>
+                </a:extLst>
+              </p:cNvPr>
+              <p:cNvPicPr>
+                <a:picLocks noChangeAspect="1"/>
+              </p:cNvPicPr>
+              <p:nvPr userDrawn="1"/>
+            </p:nvPicPr>
+            <p:blipFill>
+              <a:blip r:embed="rId2">
+                <a:extLst>
+                  <a:ext uri="{28A0092B-C50C-407E-A947-70E740481C1C}">
+                    <a14:useLocalDpi xmlns:a14="http://schemas.microsoft.com/office/drawing/2010/main" val="0"/>
+                  </a:ext>
+                </a:extLst>
+              </a:blip>
+              <a:stretch>
+                <a:fillRect/>
+              </a:stretch>
+            </p:blipFill>
+            <p:spPr>
+              <a:xfrm>
+                <a:off x="3040960" y="-11183"/>
+                <a:ext cx="3098800" cy="1536700"/>
+              </a:xfrm>
+              <a:prstGeom prst="rect">
+                <a:avLst/>
+              </a:prstGeom>
+            </p:spPr>
+          </p:pic>
+          <p:pic>
+            <p:nvPicPr>
+              <p:cNvPr id="4" name="Picture 3">
+                <a:extLst>
+                  <a:ext uri="{FF2B5EF4-FFF2-40B4-BE49-F238E27FC236}">
+                    <a16:creationId xmlns:a16="http://schemas.microsoft.com/office/drawing/2014/main" id="{80E07DA5-2FB8-1986-62D0-9BB0764651AB}"/>
+                  </a:ext>
+                </a:extLst>
+              </p:cNvPr>
+              <p:cNvPicPr>
+                <a:picLocks noChangeAspect="1"/>
+              </p:cNvPicPr>
+              <p:nvPr userDrawn="1"/>
+            </p:nvPicPr>
+            <p:blipFill>
+              <a:blip r:embed="rId2">
+                <a:extLst>
+                  <a:ext uri="{28A0092B-C50C-407E-A947-70E740481C1C}">
+                    <a14:useLocalDpi xmlns:a14="http://schemas.microsoft.com/office/drawing/2010/main" val="0"/>
+                  </a:ext>
+                </a:extLst>
+              </a:blip>
+              <a:stretch>
+                <a:fillRect/>
+              </a:stretch>
+            </p:blipFill>
+            <p:spPr>
+              <a:xfrm>
+                <a:off x="-37202" y="-17808"/>
+                <a:ext cx="3098800" cy="1536700"/>
+              </a:xfrm>
+              <a:prstGeom prst="rect">
+                <a:avLst/>
+              </a:prstGeom>
+            </p:spPr>
+          </p:pic>
+          <p:pic>
+            <p:nvPicPr>
+              <p:cNvPr id="5" name="Picture 4">
+                <a:extLst>
+                  <a:ext uri="{FF2B5EF4-FFF2-40B4-BE49-F238E27FC236}">
+                    <a16:creationId xmlns:a16="http://schemas.microsoft.com/office/drawing/2014/main" id="{766DB696-4315-02EB-D756-79083474CDCA}"/>
+                  </a:ext>
+                </a:extLst>
+              </p:cNvPr>
+              <p:cNvPicPr>
+                <a:picLocks noChangeAspect="1"/>
+              </p:cNvPicPr>
+              <p:nvPr userDrawn="1"/>
+            </p:nvPicPr>
+            <p:blipFill>
+              <a:blip r:embed="rId2">
+                <a:extLst>
+                  <a:ext uri="{28A0092B-C50C-407E-A947-70E740481C1C}">
+                    <a14:useLocalDpi xmlns:a14="http://schemas.microsoft.com/office/drawing/2010/main" val="0"/>
+                  </a:ext>
+                </a:extLst>
+              </a:blip>
+              <a:stretch>
+                <a:fillRect/>
+              </a:stretch>
+            </p:blipFill>
+            <p:spPr>
+              <a:xfrm>
+                <a:off x="6105111" y="-6350"/>
+                <a:ext cx="3098800" cy="1536700"/>
+              </a:xfrm>
+              <a:prstGeom prst="rect">
+                <a:avLst/>
+              </a:prstGeom>
+            </p:spPr>
+          </p:pic>
+          <p:pic>
+            <p:nvPicPr>
+              <p:cNvPr id="6" name="Picture 5" descr="Diagram, schematic&#10;&#10;Description automatically generated">
+                <a:extLst>
+                  <a:ext uri="{FF2B5EF4-FFF2-40B4-BE49-F238E27FC236}">
+                    <a16:creationId xmlns:a16="http://schemas.microsoft.com/office/drawing/2014/main" id="{0A6BFE68-C6E3-7A10-DCB8-5FD39DDBA1E9}"/>
+                  </a:ext>
+                </a:extLst>
+              </p:cNvPr>
+              <p:cNvPicPr>
+                <a:picLocks noChangeAspect="1"/>
+              </p:cNvPicPr>
+              <p:nvPr userDrawn="1"/>
+            </p:nvPicPr>
+            <p:blipFill>
+              <a:blip r:embed="rId3">
+                <a:extLst>
+                  <a:ext uri="{28A0092B-C50C-407E-A947-70E740481C1C}">
+                    <a14:useLocalDpi xmlns:a14="http://schemas.microsoft.com/office/drawing/2010/main" val="0"/>
+                  </a:ext>
+                </a:extLst>
+              </a:blip>
+              <a:stretch>
+                <a:fillRect/>
+              </a:stretch>
+            </p:blipFill>
+            <p:spPr>
+              <a:xfrm>
+                <a:off x="8419824" y="-11183"/>
+                <a:ext cx="787400" cy="952500"/>
+              </a:xfrm>
+              <a:prstGeom prst="rect">
+                <a:avLst/>
+              </a:prstGeom>
+            </p:spPr>
+          </p:pic>
+        </p:grpSp>
+        <p:grpSp>
+          <p:nvGrpSpPr>
+            <p:cNvPr id="7" name="Group 6">
+              <a:extLst>
+                <a:ext uri="{FF2B5EF4-FFF2-40B4-BE49-F238E27FC236}">
+                  <a16:creationId xmlns:a16="http://schemas.microsoft.com/office/drawing/2014/main" id="{4743C08E-B7FB-2D84-E28E-CC3A7E03C06F}"/>
+                </a:ext>
+              </a:extLst>
+            </p:cNvPr>
+            <p:cNvGrpSpPr/>
+            <p:nvPr userDrawn="1"/>
+          </p:nvGrpSpPr>
+          <p:grpSpPr>
+            <a:xfrm>
+              <a:off x="-37202" y="769936"/>
+              <a:ext cx="9251052" cy="6088064"/>
+              <a:chOff x="-37202" y="769936"/>
+              <a:chExt cx="9251052" cy="6088064"/>
+            </a:xfrm>
+          </p:grpSpPr>
+          <p:pic>
+            <p:nvPicPr>
+              <p:cNvPr id="8" name="Picture 7">
+                <a:extLst>
+                  <a:ext uri="{FF2B5EF4-FFF2-40B4-BE49-F238E27FC236}">
+                    <a16:creationId xmlns:a16="http://schemas.microsoft.com/office/drawing/2014/main" id="{3BA3378A-AFC4-1653-B4E5-9C6B3D67661B}"/>
+                  </a:ext>
+                </a:extLst>
+              </p:cNvPr>
+              <p:cNvPicPr>
+                <a:picLocks noChangeAspect="1"/>
+              </p:cNvPicPr>
+              <p:nvPr userDrawn="1"/>
+            </p:nvPicPr>
+            <p:blipFill>
+              <a:blip r:embed="rId2">
+                <a:extLst>
+                  <a:ext uri="{28A0092B-C50C-407E-A947-70E740481C1C}">
+                    <a14:useLocalDpi xmlns:a14="http://schemas.microsoft.com/office/drawing/2010/main" val="0"/>
+                  </a:ext>
+                </a:extLst>
+              </a:blip>
+              <a:stretch>
+                <a:fillRect/>
+              </a:stretch>
+            </p:blipFill>
+            <p:spPr>
+              <a:xfrm>
+                <a:off x="3057525" y="803132"/>
+                <a:ext cx="3098800" cy="1536700"/>
+              </a:xfrm>
+              <a:prstGeom prst="rect">
+                <a:avLst/>
+              </a:prstGeom>
+            </p:spPr>
+          </p:pic>
+          <p:pic>
+            <p:nvPicPr>
+              <p:cNvPr id="9" name="Picture 8">
+                <a:extLst>
+                  <a:ext uri="{FF2B5EF4-FFF2-40B4-BE49-F238E27FC236}">
+                    <a16:creationId xmlns:a16="http://schemas.microsoft.com/office/drawing/2014/main" id="{153205CB-0D4F-3284-FBBF-4BC351A30ACE}"/>
+                  </a:ext>
+                </a:extLst>
+              </p:cNvPr>
+              <p:cNvPicPr>
+                <a:picLocks noChangeAspect="1"/>
+              </p:cNvPicPr>
+              <p:nvPr userDrawn="1"/>
+            </p:nvPicPr>
+            <p:blipFill>
+              <a:blip r:embed="rId2">
+                <a:extLst>
+                  <a:ext uri="{28A0092B-C50C-407E-A947-70E740481C1C}">
+                    <a14:useLocalDpi xmlns:a14="http://schemas.microsoft.com/office/drawing/2010/main" val="0"/>
+                  </a:ext>
+                </a:extLst>
+              </a:blip>
+              <a:stretch>
+                <a:fillRect/>
+              </a:stretch>
+            </p:blipFill>
+            <p:spPr>
+              <a:xfrm>
+                <a:off x="-20637" y="796507"/>
+                <a:ext cx="3098800" cy="1536700"/>
+              </a:xfrm>
+              <a:prstGeom prst="rect">
+                <a:avLst/>
+              </a:prstGeom>
+            </p:spPr>
+          </p:pic>
+          <p:pic>
+            <p:nvPicPr>
+              <p:cNvPr id="10" name="Picture 9">
+                <a:extLst>
+                  <a:ext uri="{FF2B5EF4-FFF2-40B4-BE49-F238E27FC236}">
+                    <a16:creationId xmlns:a16="http://schemas.microsoft.com/office/drawing/2014/main" id="{C72CAB5D-6617-2E21-A6CA-E328F087A639}"/>
+                  </a:ext>
+                </a:extLst>
+              </p:cNvPr>
+              <p:cNvPicPr>
+                <a:picLocks noChangeAspect="1"/>
+              </p:cNvPicPr>
+              <p:nvPr userDrawn="1"/>
+            </p:nvPicPr>
+            <p:blipFill>
+              <a:blip r:embed="rId2">
+                <a:extLst>
+                  <a:ext uri="{28A0092B-C50C-407E-A947-70E740481C1C}">
+                    <a14:useLocalDpi xmlns:a14="http://schemas.microsoft.com/office/drawing/2010/main" val="0"/>
+                  </a:ext>
+                </a:extLst>
+              </a:blip>
+              <a:stretch>
+                <a:fillRect/>
+              </a:stretch>
+            </p:blipFill>
+            <p:spPr>
+              <a:xfrm>
+                <a:off x="3078163" y="2295524"/>
+                <a:ext cx="3098800" cy="1536700"/>
+              </a:xfrm>
+              <a:prstGeom prst="rect">
+                <a:avLst/>
+              </a:prstGeom>
+            </p:spPr>
+          </p:pic>
+          <p:pic>
+            <p:nvPicPr>
+              <p:cNvPr id="11" name="Picture 10">
+                <a:extLst>
+                  <a:ext uri="{FF2B5EF4-FFF2-40B4-BE49-F238E27FC236}">
+                    <a16:creationId xmlns:a16="http://schemas.microsoft.com/office/drawing/2014/main" id="{5AC10B77-A31F-38D5-8382-985CF6E443F1}"/>
+                  </a:ext>
+                </a:extLst>
+              </p:cNvPr>
+              <p:cNvPicPr>
+                <a:picLocks noChangeAspect="1"/>
+              </p:cNvPicPr>
+              <p:nvPr userDrawn="1"/>
+            </p:nvPicPr>
+            <p:blipFill>
+              <a:blip r:embed="rId2">
+                <a:extLst>
+                  <a:ext uri="{28A0092B-C50C-407E-A947-70E740481C1C}">
+                    <a14:useLocalDpi xmlns:a14="http://schemas.microsoft.com/office/drawing/2010/main" val="0"/>
+                  </a:ext>
+                </a:extLst>
+              </a:blip>
+              <a:stretch>
+                <a:fillRect/>
+              </a:stretch>
+            </p:blipFill>
+            <p:spPr>
+              <a:xfrm>
+                <a:off x="1" y="2288899"/>
+                <a:ext cx="3098800" cy="1536700"/>
+              </a:xfrm>
+              <a:prstGeom prst="rect">
+                <a:avLst/>
+              </a:prstGeom>
+            </p:spPr>
+          </p:pic>
+          <p:pic>
+            <p:nvPicPr>
+              <p:cNvPr id="12" name="Picture 11">
+                <a:extLst>
+                  <a:ext uri="{FF2B5EF4-FFF2-40B4-BE49-F238E27FC236}">
+                    <a16:creationId xmlns:a16="http://schemas.microsoft.com/office/drawing/2014/main" id="{A3D89739-FD09-01B4-E7B4-C701FC01DE40}"/>
+                  </a:ext>
+                </a:extLst>
+              </p:cNvPr>
+              <p:cNvPicPr>
+                <a:picLocks noChangeAspect="1"/>
+              </p:cNvPicPr>
+              <p:nvPr userDrawn="1"/>
+            </p:nvPicPr>
+            <p:blipFill>
+              <a:blip r:embed="rId2">
+                <a:extLst>
+                  <a:ext uri="{28A0092B-C50C-407E-A947-70E740481C1C}">
+                    <a14:useLocalDpi xmlns:a14="http://schemas.microsoft.com/office/drawing/2010/main" val="0"/>
+                  </a:ext>
+                </a:extLst>
+              </a:blip>
+              <a:stretch>
+                <a:fillRect/>
+              </a:stretch>
+            </p:blipFill>
+            <p:spPr>
+              <a:xfrm>
+                <a:off x="3057525" y="3832224"/>
+                <a:ext cx="3098800" cy="1536700"/>
+              </a:xfrm>
+              <a:prstGeom prst="rect">
+                <a:avLst/>
+              </a:prstGeom>
+            </p:spPr>
+          </p:pic>
+          <p:pic>
+            <p:nvPicPr>
+              <p:cNvPr id="13" name="Picture 12">
+                <a:extLst>
+                  <a:ext uri="{FF2B5EF4-FFF2-40B4-BE49-F238E27FC236}">
+                    <a16:creationId xmlns:a16="http://schemas.microsoft.com/office/drawing/2014/main" id="{73D27228-5C6E-DC91-30A7-0AFAC1693670}"/>
+                  </a:ext>
+                </a:extLst>
+              </p:cNvPr>
+              <p:cNvPicPr>
+                <a:picLocks noChangeAspect="1"/>
+              </p:cNvPicPr>
+              <p:nvPr userDrawn="1"/>
+            </p:nvPicPr>
+            <p:blipFill>
+              <a:blip r:embed="rId2">
+                <a:extLst>
+                  <a:ext uri="{28A0092B-C50C-407E-A947-70E740481C1C}">
+                    <a14:useLocalDpi xmlns:a14="http://schemas.microsoft.com/office/drawing/2010/main" val="0"/>
+                  </a:ext>
+                </a:extLst>
+              </a:blip>
+              <a:stretch>
+                <a:fillRect/>
+              </a:stretch>
+            </p:blipFill>
+            <p:spPr>
+              <a:xfrm>
+                <a:off x="-20637" y="3825599"/>
+                <a:ext cx="3098800" cy="1536700"/>
+              </a:xfrm>
+              <a:prstGeom prst="rect">
+                <a:avLst/>
+              </a:prstGeom>
+            </p:spPr>
+          </p:pic>
+          <p:pic>
+            <p:nvPicPr>
+              <p:cNvPr id="14" name="Picture 13">
+                <a:extLst>
+                  <a:ext uri="{FF2B5EF4-FFF2-40B4-BE49-F238E27FC236}">
+                    <a16:creationId xmlns:a16="http://schemas.microsoft.com/office/drawing/2014/main" id="{A5C2DA61-3005-968A-BDF3-075B1EEF41F4}"/>
+                  </a:ext>
+                </a:extLst>
+              </p:cNvPr>
+              <p:cNvPicPr>
+                <a:picLocks noChangeAspect="1"/>
+              </p:cNvPicPr>
+              <p:nvPr userDrawn="1"/>
+            </p:nvPicPr>
+            <p:blipFill>
+              <a:blip r:embed="rId2">
+                <a:extLst>
+                  <a:ext uri="{28A0092B-C50C-407E-A947-70E740481C1C}">
+                    <a14:useLocalDpi xmlns:a14="http://schemas.microsoft.com/office/drawing/2010/main" val="0"/>
+                  </a:ext>
+                </a:extLst>
+              </a:blip>
+              <a:stretch>
+                <a:fillRect/>
+              </a:stretch>
+            </p:blipFill>
+            <p:spPr>
+              <a:xfrm>
+                <a:off x="6111737" y="769936"/>
+                <a:ext cx="3098800" cy="1536700"/>
+              </a:xfrm>
+              <a:prstGeom prst="rect">
+                <a:avLst/>
+              </a:prstGeom>
+            </p:spPr>
+          </p:pic>
+          <p:pic>
+            <p:nvPicPr>
+              <p:cNvPr id="15" name="Picture 14">
+                <a:extLst>
+                  <a:ext uri="{FF2B5EF4-FFF2-40B4-BE49-F238E27FC236}">
+                    <a16:creationId xmlns:a16="http://schemas.microsoft.com/office/drawing/2014/main" id="{66484D52-BFEA-C60D-525E-8A2E735CE5F3}"/>
+                  </a:ext>
+                </a:extLst>
+              </p:cNvPr>
+              <p:cNvPicPr>
+                <a:picLocks noChangeAspect="1"/>
+              </p:cNvPicPr>
+              <p:nvPr userDrawn="1"/>
+            </p:nvPicPr>
+            <p:blipFill>
+              <a:blip r:embed="rId2">
+                <a:extLst>
+                  <a:ext uri="{28A0092B-C50C-407E-A947-70E740481C1C}">
+                    <a14:useLocalDpi xmlns:a14="http://schemas.microsoft.com/office/drawing/2010/main" val="0"/>
+                  </a:ext>
+                </a:extLst>
+              </a:blip>
+              <a:stretch>
+                <a:fillRect/>
+              </a:stretch>
+            </p:blipFill>
+            <p:spPr>
+              <a:xfrm>
+                <a:off x="3098800" y="5321300"/>
+                <a:ext cx="3098800" cy="1536700"/>
+              </a:xfrm>
+              <a:prstGeom prst="rect">
+                <a:avLst/>
+              </a:prstGeom>
+            </p:spPr>
+          </p:pic>
+          <p:pic>
+            <p:nvPicPr>
+              <p:cNvPr id="16" name="Picture 15">
+                <a:extLst>
+                  <a:ext uri="{FF2B5EF4-FFF2-40B4-BE49-F238E27FC236}">
+                    <a16:creationId xmlns:a16="http://schemas.microsoft.com/office/drawing/2014/main" id="{0EDF70D3-66A0-0672-CB97-8ED9B35050CD}"/>
+                  </a:ext>
+                </a:extLst>
+              </p:cNvPr>
+              <p:cNvPicPr>
+                <a:picLocks noChangeAspect="1"/>
+              </p:cNvPicPr>
+              <p:nvPr userDrawn="1"/>
+            </p:nvPicPr>
+            <p:blipFill>
+              <a:blip r:embed="rId2">
+                <a:extLst>
+                  <a:ext uri="{28A0092B-C50C-407E-A947-70E740481C1C}">
+                    <a14:useLocalDpi xmlns:a14="http://schemas.microsoft.com/office/drawing/2010/main" val="0"/>
+                  </a:ext>
+                </a:extLst>
+              </a:blip>
+              <a:stretch>
+                <a:fillRect/>
+              </a:stretch>
+            </p:blipFill>
+            <p:spPr>
+              <a:xfrm>
+                <a:off x="6115050" y="5321300"/>
+                <a:ext cx="3098800" cy="1536700"/>
+              </a:xfrm>
+              <a:prstGeom prst="rect">
+                <a:avLst/>
+              </a:prstGeom>
+            </p:spPr>
+          </p:pic>
+          <p:pic>
+            <p:nvPicPr>
+              <p:cNvPr id="17" name="Picture 16">
+                <a:extLst>
+                  <a:ext uri="{FF2B5EF4-FFF2-40B4-BE49-F238E27FC236}">
+                    <a16:creationId xmlns:a16="http://schemas.microsoft.com/office/drawing/2014/main" id="{B6A4AD92-9E85-875E-19B0-E18A6D7FBEDC}"/>
+                  </a:ext>
+                </a:extLst>
+              </p:cNvPr>
+              <p:cNvPicPr>
+                <a:picLocks noChangeAspect="1"/>
+              </p:cNvPicPr>
+              <p:nvPr userDrawn="1"/>
+            </p:nvPicPr>
+            <p:blipFill>
+              <a:blip r:embed="rId2">
+                <a:extLst>
+                  <a:ext uri="{28A0092B-C50C-407E-A947-70E740481C1C}">
+                    <a14:useLocalDpi xmlns:a14="http://schemas.microsoft.com/office/drawing/2010/main" val="0"/>
+                  </a:ext>
+                </a:extLst>
+              </a:blip>
+              <a:stretch>
+                <a:fillRect/>
+              </a:stretch>
+            </p:blipFill>
+            <p:spPr>
+              <a:xfrm>
+                <a:off x="6111737" y="3810000"/>
+                <a:ext cx="3098800" cy="1536700"/>
+              </a:xfrm>
+              <a:prstGeom prst="rect">
+                <a:avLst/>
+              </a:prstGeom>
+            </p:spPr>
+          </p:pic>
+          <p:pic>
+            <p:nvPicPr>
+              <p:cNvPr id="18" name="Picture 17">
+                <a:extLst>
+                  <a:ext uri="{FF2B5EF4-FFF2-40B4-BE49-F238E27FC236}">
+                    <a16:creationId xmlns:a16="http://schemas.microsoft.com/office/drawing/2014/main" id="{60FF33F9-2A42-D7B7-13B2-7D74E6EE8313}"/>
+                  </a:ext>
+                </a:extLst>
+              </p:cNvPr>
+              <p:cNvPicPr>
+                <a:picLocks noChangeAspect="1"/>
+              </p:cNvPicPr>
+              <p:nvPr userDrawn="1"/>
+            </p:nvPicPr>
+            <p:blipFill>
+              <a:blip r:embed="rId2">
+                <a:extLst>
+                  <a:ext uri="{28A0092B-C50C-407E-A947-70E740481C1C}">
+                    <a14:useLocalDpi xmlns:a14="http://schemas.microsoft.com/office/drawing/2010/main" val="0"/>
+                  </a:ext>
+                </a:extLst>
+              </a:blip>
+              <a:stretch>
+                <a:fillRect/>
+              </a:stretch>
+            </p:blipFill>
+            <p:spPr>
+              <a:xfrm>
+                <a:off x="6105111" y="2295524"/>
+                <a:ext cx="3098800" cy="1536700"/>
+              </a:xfrm>
+              <a:prstGeom prst="rect">
+                <a:avLst/>
+              </a:prstGeom>
+            </p:spPr>
+          </p:pic>
+          <p:pic>
+            <p:nvPicPr>
+              <p:cNvPr id="19" name="Picture 18">
+                <a:extLst>
+                  <a:ext uri="{FF2B5EF4-FFF2-40B4-BE49-F238E27FC236}">
+                    <a16:creationId xmlns:a16="http://schemas.microsoft.com/office/drawing/2014/main" id="{FF948A23-E96A-3660-C39C-A546002B613B}"/>
+                  </a:ext>
+                </a:extLst>
+              </p:cNvPr>
+              <p:cNvPicPr>
+                <a:picLocks noChangeAspect="1"/>
+              </p:cNvPicPr>
+              <p:nvPr userDrawn="1"/>
+            </p:nvPicPr>
+            <p:blipFill>
+              <a:blip r:embed="rId2">
+                <a:extLst>
+                  <a:ext uri="{28A0092B-C50C-407E-A947-70E740481C1C}">
+                    <a14:useLocalDpi xmlns:a14="http://schemas.microsoft.com/office/drawing/2010/main" val="0"/>
+                  </a:ext>
+                </a:extLst>
+              </a:blip>
+              <a:stretch>
+                <a:fillRect/>
+              </a:stretch>
+            </p:blipFill>
+            <p:spPr>
+              <a:xfrm>
+                <a:off x="0" y="5321300"/>
+                <a:ext cx="3098800" cy="1536700"/>
+              </a:xfrm>
+              <a:prstGeom prst="rect">
+                <a:avLst/>
+              </a:prstGeom>
+            </p:spPr>
+          </p:pic>
+          <p:pic>
+            <p:nvPicPr>
+              <p:cNvPr id="20" name="Picture 19" descr="Diagram, schematic&#10;&#10;Description automatically generated">
+                <a:extLst>
+                  <a:ext uri="{FF2B5EF4-FFF2-40B4-BE49-F238E27FC236}">
+                    <a16:creationId xmlns:a16="http://schemas.microsoft.com/office/drawing/2014/main" id="{8B622CB2-32C0-5EFC-FFC0-B7C19B9D9385}"/>
+                  </a:ext>
+                </a:extLst>
+              </p:cNvPr>
+              <p:cNvPicPr>
+                <a:picLocks noChangeAspect="1"/>
+              </p:cNvPicPr>
+              <p:nvPr userDrawn="1"/>
+            </p:nvPicPr>
+            <p:blipFill>
+              <a:blip r:embed="rId4">
+                <a:extLst>
+                  <a:ext uri="{28A0092B-C50C-407E-A947-70E740481C1C}">
+                    <a14:useLocalDpi xmlns:a14="http://schemas.microsoft.com/office/drawing/2010/main" val="0"/>
+                  </a:ext>
+                </a:extLst>
+              </a:blip>
+              <a:stretch>
+                <a:fillRect/>
+              </a:stretch>
+            </p:blipFill>
+            <p:spPr>
+              <a:xfrm rot="16200000">
+                <a:off x="898" y="5981700"/>
+                <a:ext cx="825500" cy="901700"/>
+              </a:xfrm>
+              <a:prstGeom prst="rect">
+                <a:avLst/>
+              </a:prstGeom>
+            </p:spPr>
+          </p:pic>
+        </p:grpSp>
+      </p:grpSp>
       <p:sp>
         <p:nvSpPr>
           <p:cNvPr id="18440" name="Rectangle 8"/>
@@ -2515,7 +3190,7 @@
 </file>
 
 <file path=ppt/slideLayouts/slideLayout2.xml><?xml version="1.0" encoding="utf-8"?>
-<p:sldLayout xmlns:a="http://schemas.openxmlformats.org/drawingml/2006/main" xmlns:r="http://schemas.openxmlformats.org/officeDocument/2006/relationships" xmlns:p="http://schemas.openxmlformats.org/presentationml/2006/main" type="obj" preserve="1">
+<p:sldLayout xmlns:a="http://schemas.openxmlformats.org/drawingml/2006/main" xmlns:r="http://schemas.openxmlformats.org/officeDocument/2006/relationships" xmlns:p="http://schemas.openxmlformats.org/presentationml/2006/main" preserve="1" userDrawn="1">
   <p:cSld name="Title and Content">
     <p:spTree>
       <p:nvGrpSpPr>
@@ -3832,6 +4507,660 @@
           <a:chExt cx="0" cy="0"/>
         </a:xfrm>
       </p:grpSpPr>
+      <p:grpSp>
+        <p:nvGrpSpPr>
+          <p:cNvPr id="24" name="Group 23">
+            <a:extLst>
+              <a:ext uri="{FF2B5EF4-FFF2-40B4-BE49-F238E27FC236}">
+                <a16:creationId xmlns:a16="http://schemas.microsoft.com/office/drawing/2014/main" id="{5D9187BA-81F8-B3C4-BE54-802E5CB4AADB}"/>
+              </a:ext>
+            </a:extLst>
+          </p:cNvPr>
+          <p:cNvGrpSpPr/>
+          <p:nvPr userDrawn="1"/>
+        </p:nvGrpSpPr>
+        <p:grpSpPr>
+          <a:xfrm>
+            <a:off x="-37202" y="769936"/>
+            <a:ext cx="9251052" cy="6088064"/>
+            <a:chOff x="-37202" y="769936"/>
+            <a:chExt cx="9251052" cy="6088064"/>
+          </a:xfrm>
+        </p:grpSpPr>
+        <p:pic>
+          <p:nvPicPr>
+            <p:cNvPr id="14" name="Picture 13">
+              <a:extLst>
+                <a:ext uri="{FF2B5EF4-FFF2-40B4-BE49-F238E27FC236}">
+                  <a16:creationId xmlns:a16="http://schemas.microsoft.com/office/drawing/2014/main" id="{EBC71FB7-FA16-2D27-CACE-D02A556CD8AC}"/>
+                </a:ext>
+              </a:extLst>
+            </p:cNvPr>
+            <p:cNvPicPr>
+              <a:picLocks noChangeAspect="1"/>
+            </p:cNvPicPr>
+            <p:nvPr userDrawn="1"/>
+          </p:nvPicPr>
+          <p:blipFill>
+            <a:blip r:embed="rId14">
+              <a:extLst>
+                <a:ext uri="{28A0092B-C50C-407E-A947-70E740481C1C}">
+                  <a14:useLocalDpi xmlns:a14="http://schemas.microsoft.com/office/drawing/2010/main" val="0"/>
+                </a:ext>
+              </a:extLst>
+            </a:blip>
+            <a:stretch>
+              <a:fillRect/>
+            </a:stretch>
+          </p:blipFill>
+          <p:spPr>
+            <a:xfrm>
+              <a:off x="3057525" y="803132"/>
+              <a:ext cx="3098800" cy="1536700"/>
+            </a:xfrm>
+            <a:prstGeom prst="rect">
+              <a:avLst/>
+            </a:prstGeom>
+          </p:spPr>
+        </p:pic>
+        <p:pic>
+          <p:nvPicPr>
+            <p:cNvPr id="15" name="Picture 14">
+              <a:extLst>
+                <a:ext uri="{FF2B5EF4-FFF2-40B4-BE49-F238E27FC236}">
+                  <a16:creationId xmlns:a16="http://schemas.microsoft.com/office/drawing/2014/main" id="{87861273-92E0-492B-CA3C-71BA2BBCFA7D}"/>
+                </a:ext>
+              </a:extLst>
+            </p:cNvPr>
+            <p:cNvPicPr>
+              <a:picLocks noChangeAspect="1"/>
+            </p:cNvPicPr>
+            <p:nvPr userDrawn="1"/>
+          </p:nvPicPr>
+          <p:blipFill>
+            <a:blip r:embed="rId14">
+              <a:extLst>
+                <a:ext uri="{28A0092B-C50C-407E-A947-70E740481C1C}">
+                  <a14:useLocalDpi xmlns:a14="http://schemas.microsoft.com/office/drawing/2010/main" val="0"/>
+                </a:ext>
+              </a:extLst>
+            </a:blip>
+            <a:stretch>
+              <a:fillRect/>
+            </a:stretch>
+          </p:blipFill>
+          <p:spPr>
+            <a:xfrm>
+              <a:off x="-20637" y="796507"/>
+              <a:ext cx="3098800" cy="1536700"/>
+            </a:xfrm>
+            <a:prstGeom prst="rect">
+              <a:avLst/>
+            </a:prstGeom>
+          </p:spPr>
+        </p:pic>
+        <p:pic>
+          <p:nvPicPr>
+            <p:cNvPr id="12" name="Picture 11">
+              <a:extLst>
+                <a:ext uri="{FF2B5EF4-FFF2-40B4-BE49-F238E27FC236}">
+                  <a16:creationId xmlns:a16="http://schemas.microsoft.com/office/drawing/2014/main" id="{46201456-9595-A276-41A8-30205C2FEC87}"/>
+                </a:ext>
+              </a:extLst>
+            </p:cNvPr>
+            <p:cNvPicPr>
+              <a:picLocks noChangeAspect="1"/>
+            </p:cNvPicPr>
+            <p:nvPr userDrawn="1"/>
+          </p:nvPicPr>
+          <p:blipFill>
+            <a:blip r:embed="rId14">
+              <a:extLst>
+                <a:ext uri="{28A0092B-C50C-407E-A947-70E740481C1C}">
+                  <a14:useLocalDpi xmlns:a14="http://schemas.microsoft.com/office/drawing/2010/main" val="0"/>
+                </a:ext>
+              </a:extLst>
+            </a:blip>
+            <a:stretch>
+              <a:fillRect/>
+            </a:stretch>
+          </p:blipFill>
+          <p:spPr>
+            <a:xfrm>
+              <a:off x="3078163" y="2295524"/>
+              <a:ext cx="3098800" cy="1536700"/>
+            </a:xfrm>
+            <a:prstGeom prst="rect">
+              <a:avLst/>
+            </a:prstGeom>
+          </p:spPr>
+        </p:pic>
+        <p:pic>
+          <p:nvPicPr>
+            <p:cNvPr id="13" name="Picture 12">
+              <a:extLst>
+                <a:ext uri="{FF2B5EF4-FFF2-40B4-BE49-F238E27FC236}">
+                  <a16:creationId xmlns:a16="http://schemas.microsoft.com/office/drawing/2014/main" id="{AF482A01-0A49-6750-039E-5DF6F6D8CDA1}"/>
+                </a:ext>
+              </a:extLst>
+            </p:cNvPr>
+            <p:cNvPicPr>
+              <a:picLocks noChangeAspect="1"/>
+            </p:cNvPicPr>
+            <p:nvPr userDrawn="1"/>
+          </p:nvPicPr>
+          <p:blipFill>
+            <a:blip r:embed="rId14">
+              <a:extLst>
+                <a:ext uri="{28A0092B-C50C-407E-A947-70E740481C1C}">
+                  <a14:useLocalDpi xmlns:a14="http://schemas.microsoft.com/office/drawing/2010/main" val="0"/>
+                </a:ext>
+              </a:extLst>
+            </a:blip>
+            <a:stretch>
+              <a:fillRect/>
+            </a:stretch>
+          </p:blipFill>
+          <p:spPr>
+            <a:xfrm>
+              <a:off x="1" y="2288899"/>
+              <a:ext cx="3098800" cy="1536700"/>
+            </a:xfrm>
+            <a:prstGeom prst="rect">
+              <a:avLst/>
+            </a:prstGeom>
+          </p:spPr>
+        </p:pic>
+        <p:pic>
+          <p:nvPicPr>
+            <p:cNvPr id="10" name="Picture 9">
+              <a:extLst>
+                <a:ext uri="{FF2B5EF4-FFF2-40B4-BE49-F238E27FC236}">
+                  <a16:creationId xmlns:a16="http://schemas.microsoft.com/office/drawing/2014/main" id="{51AB3331-87E4-5291-9B07-04FBF9319AD6}"/>
+                </a:ext>
+              </a:extLst>
+            </p:cNvPr>
+            <p:cNvPicPr>
+              <a:picLocks noChangeAspect="1"/>
+            </p:cNvPicPr>
+            <p:nvPr userDrawn="1"/>
+          </p:nvPicPr>
+          <p:blipFill>
+            <a:blip r:embed="rId14">
+              <a:extLst>
+                <a:ext uri="{28A0092B-C50C-407E-A947-70E740481C1C}">
+                  <a14:useLocalDpi xmlns:a14="http://schemas.microsoft.com/office/drawing/2010/main" val="0"/>
+                </a:ext>
+              </a:extLst>
+            </a:blip>
+            <a:stretch>
+              <a:fillRect/>
+            </a:stretch>
+          </p:blipFill>
+          <p:spPr>
+            <a:xfrm>
+              <a:off x="3057525" y="3832224"/>
+              <a:ext cx="3098800" cy="1536700"/>
+            </a:xfrm>
+            <a:prstGeom prst="rect">
+              <a:avLst/>
+            </a:prstGeom>
+          </p:spPr>
+        </p:pic>
+        <p:pic>
+          <p:nvPicPr>
+            <p:cNvPr id="11" name="Picture 10">
+              <a:extLst>
+                <a:ext uri="{FF2B5EF4-FFF2-40B4-BE49-F238E27FC236}">
+                  <a16:creationId xmlns:a16="http://schemas.microsoft.com/office/drawing/2014/main" id="{D4603EAB-DE9B-8605-F5EA-86EE04BB7ABC}"/>
+                </a:ext>
+              </a:extLst>
+            </p:cNvPr>
+            <p:cNvPicPr>
+              <a:picLocks noChangeAspect="1"/>
+            </p:cNvPicPr>
+            <p:nvPr userDrawn="1"/>
+          </p:nvPicPr>
+          <p:blipFill>
+            <a:blip r:embed="rId14">
+              <a:extLst>
+                <a:ext uri="{28A0092B-C50C-407E-A947-70E740481C1C}">
+                  <a14:useLocalDpi xmlns:a14="http://schemas.microsoft.com/office/drawing/2010/main" val="0"/>
+                </a:ext>
+              </a:extLst>
+            </a:blip>
+            <a:stretch>
+              <a:fillRect/>
+            </a:stretch>
+          </p:blipFill>
+          <p:spPr>
+            <a:xfrm>
+              <a:off x="-20637" y="3825599"/>
+              <a:ext cx="3098800" cy="1536700"/>
+            </a:xfrm>
+            <a:prstGeom prst="rect">
+              <a:avLst/>
+            </a:prstGeom>
+          </p:spPr>
+        </p:pic>
+        <p:pic>
+          <p:nvPicPr>
+            <p:cNvPr id="8" name="Picture 7">
+              <a:extLst>
+                <a:ext uri="{FF2B5EF4-FFF2-40B4-BE49-F238E27FC236}">
+                  <a16:creationId xmlns:a16="http://schemas.microsoft.com/office/drawing/2014/main" id="{D8BC458A-594C-2231-0980-29D3BCD49A33}"/>
+                </a:ext>
+              </a:extLst>
+            </p:cNvPr>
+            <p:cNvPicPr>
+              <a:picLocks noChangeAspect="1"/>
+            </p:cNvPicPr>
+            <p:nvPr userDrawn="1"/>
+          </p:nvPicPr>
+          <p:blipFill>
+            <a:blip r:embed="rId14">
+              <a:extLst>
+                <a:ext uri="{28A0092B-C50C-407E-A947-70E740481C1C}">
+                  <a14:useLocalDpi xmlns:a14="http://schemas.microsoft.com/office/drawing/2010/main" val="0"/>
+                </a:ext>
+              </a:extLst>
+            </a:blip>
+            <a:stretch>
+              <a:fillRect/>
+            </a:stretch>
+          </p:blipFill>
+          <p:spPr>
+            <a:xfrm>
+              <a:off x="6111737" y="769936"/>
+              <a:ext cx="3098800" cy="1536700"/>
+            </a:xfrm>
+            <a:prstGeom prst="rect">
+              <a:avLst/>
+            </a:prstGeom>
+          </p:spPr>
+        </p:pic>
+        <p:pic>
+          <p:nvPicPr>
+            <p:cNvPr id="4" name="Picture 3">
+              <a:extLst>
+                <a:ext uri="{FF2B5EF4-FFF2-40B4-BE49-F238E27FC236}">
+                  <a16:creationId xmlns:a16="http://schemas.microsoft.com/office/drawing/2014/main" id="{86605DDB-0D60-730A-9DC4-C473EFEB16DE}"/>
+                </a:ext>
+              </a:extLst>
+            </p:cNvPr>
+            <p:cNvPicPr>
+              <a:picLocks noChangeAspect="1"/>
+            </p:cNvPicPr>
+            <p:nvPr userDrawn="1"/>
+          </p:nvPicPr>
+          <p:blipFill>
+            <a:blip r:embed="rId14">
+              <a:extLst>
+                <a:ext uri="{28A0092B-C50C-407E-A947-70E740481C1C}">
+                  <a14:useLocalDpi xmlns:a14="http://schemas.microsoft.com/office/drawing/2010/main" val="0"/>
+                </a:ext>
+              </a:extLst>
+            </a:blip>
+            <a:stretch>
+              <a:fillRect/>
+            </a:stretch>
+          </p:blipFill>
+          <p:spPr>
+            <a:xfrm>
+              <a:off x="3098800" y="5321300"/>
+              <a:ext cx="3098800" cy="1536700"/>
+            </a:xfrm>
+            <a:prstGeom prst="rect">
+              <a:avLst/>
+            </a:prstGeom>
+          </p:spPr>
+        </p:pic>
+        <p:pic>
+          <p:nvPicPr>
+            <p:cNvPr id="5" name="Picture 4">
+              <a:extLst>
+                <a:ext uri="{FF2B5EF4-FFF2-40B4-BE49-F238E27FC236}">
+                  <a16:creationId xmlns:a16="http://schemas.microsoft.com/office/drawing/2014/main" id="{9E3E6929-9A7F-4C0B-5CAA-0969F1F1AD35}"/>
+                </a:ext>
+              </a:extLst>
+            </p:cNvPr>
+            <p:cNvPicPr>
+              <a:picLocks noChangeAspect="1"/>
+            </p:cNvPicPr>
+            <p:nvPr userDrawn="1"/>
+          </p:nvPicPr>
+          <p:blipFill>
+            <a:blip r:embed="rId14">
+              <a:extLst>
+                <a:ext uri="{28A0092B-C50C-407E-A947-70E740481C1C}">
+                  <a14:useLocalDpi xmlns:a14="http://schemas.microsoft.com/office/drawing/2010/main" val="0"/>
+                </a:ext>
+              </a:extLst>
+            </a:blip>
+            <a:stretch>
+              <a:fillRect/>
+            </a:stretch>
+          </p:blipFill>
+          <p:spPr>
+            <a:xfrm>
+              <a:off x="6115050" y="5321300"/>
+              <a:ext cx="3098800" cy="1536700"/>
+            </a:xfrm>
+            <a:prstGeom prst="rect">
+              <a:avLst/>
+            </a:prstGeom>
+          </p:spPr>
+        </p:pic>
+        <p:pic>
+          <p:nvPicPr>
+            <p:cNvPr id="6" name="Picture 5">
+              <a:extLst>
+                <a:ext uri="{FF2B5EF4-FFF2-40B4-BE49-F238E27FC236}">
+                  <a16:creationId xmlns:a16="http://schemas.microsoft.com/office/drawing/2014/main" id="{E51D58DE-9738-3628-3BB8-CDE6E50154C3}"/>
+                </a:ext>
+              </a:extLst>
+            </p:cNvPr>
+            <p:cNvPicPr>
+              <a:picLocks noChangeAspect="1"/>
+            </p:cNvPicPr>
+            <p:nvPr userDrawn="1"/>
+          </p:nvPicPr>
+          <p:blipFill>
+            <a:blip r:embed="rId14">
+              <a:extLst>
+                <a:ext uri="{28A0092B-C50C-407E-A947-70E740481C1C}">
+                  <a14:useLocalDpi xmlns:a14="http://schemas.microsoft.com/office/drawing/2010/main" val="0"/>
+                </a:ext>
+              </a:extLst>
+            </a:blip>
+            <a:stretch>
+              <a:fillRect/>
+            </a:stretch>
+          </p:blipFill>
+          <p:spPr>
+            <a:xfrm>
+              <a:off x="6111737" y="3810000"/>
+              <a:ext cx="3098800" cy="1536700"/>
+            </a:xfrm>
+            <a:prstGeom prst="rect">
+              <a:avLst/>
+            </a:prstGeom>
+          </p:spPr>
+        </p:pic>
+        <p:pic>
+          <p:nvPicPr>
+            <p:cNvPr id="7" name="Picture 6">
+              <a:extLst>
+                <a:ext uri="{FF2B5EF4-FFF2-40B4-BE49-F238E27FC236}">
+                  <a16:creationId xmlns:a16="http://schemas.microsoft.com/office/drawing/2014/main" id="{1567987B-DB8A-1727-6CAC-CEB7FF1A9C32}"/>
+                </a:ext>
+              </a:extLst>
+            </p:cNvPr>
+            <p:cNvPicPr>
+              <a:picLocks noChangeAspect="1"/>
+            </p:cNvPicPr>
+            <p:nvPr userDrawn="1"/>
+          </p:nvPicPr>
+          <p:blipFill>
+            <a:blip r:embed="rId14">
+              <a:extLst>
+                <a:ext uri="{28A0092B-C50C-407E-A947-70E740481C1C}">
+                  <a14:useLocalDpi xmlns:a14="http://schemas.microsoft.com/office/drawing/2010/main" val="0"/>
+                </a:ext>
+              </a:extLst>
+            </a:blip>
+            <a:stretch>
+              <a:fillRect/>
+            </a:stretch>
+          </p:blipFill>
+          <p:spPr>
+            <a:xfrm>
+              <a:off x="6105111" y="2295524"/>
+              <a:ext cx="3098800" cy="1536700"/>
+            </a:xfrm>
+            <a:prstGeom prst="rect">
+              <a:avLst/>
+            </a:prstGeom>
+          </p:spPr>
+        </p:pic>
+        <p:pic>
+          <p:nvPicPr>
+            <p:cNvPr id="3" name="Picture 2">
+              <a:extLst>
+                <a:ext uri="{FF2B5EF4-FFF2-40B4-BE49-F238E27FC236}">
+                  <a16:creationId xmlns:a16="http://schemas.microsoft.com/office/drawing/2014/main" id="{F0D0A162-213F-2600-105C-FE0FC8A8E873}"/>
+                </a:ext>
+              </a:extLst>
+            </p:cNvPr>
+            <p:cNvPicPr>
+              <a:picLocks noChangeAspect="1"/>
+            </p:cNvPicPr>
+            <p:nvPr userDrawn="1"/>
+          </p:nvPicPr>
+          <p:blipFill>
+            <a:blip r:embed="rId14">
+              <a:extLst>
+                <a:ext uri="{28A0092B-C50C-407E-A947-70E740481C1C}">
+                  <a14:useLocalDpi xmlns:a14="http://schemas.microsoft.com/office/drawing/2010/main" val="0"/>
+                </a:ext>
+              </a:extLst>
+            </a:blip>
+            <a:stretch>
+              <a:fillRect/>
+            </a:stretch>
+          </p:blipFill>
+          <p:spPr>
+            <a:xfrm>
+              <a:off x="0" y="5321300"/>
+              <a:ext cx="3098800" cy="1536700"/>
+            </a:xfrm>
+            <a:prstGeom prst="rect">
+              <a:avLst/>
+            </a:prstGeom>
+          </p:spPr>
+        </p:pic>
+        <p:pic>
+          <p:nvPicPr>
+            <p:cNvPr id="19" name="Picture 18" descr="Diagram, schematic&#10;&#10;Description automatically generated">
+              <a:extLst>
+                <a:ext uri="{FF2B5EF4-FFF2-40B4-BE49-F238E27FC236}">
+                  <a16:creationId xmlns:a16="http://schemas.microsoft.com/office/drawing/2014/main" id="{DB469211-2D9E-AB17-3FC0-B7AEAAB22126}"/>
+                </a:ext>
+              </a:extLst>
+            </p:cNvPr>
+            <p:cNvPicPr>
+              <a:picLocks noChangeAspect="1"/>
+            </p:cNvPicPr>
+            <p:nvPr userDrawn="1"/>
+          </p:nvPicPr>
+          <p:blipFill>
+            <a:blip r:embed="rId15">
+              <a:extLst>
+                <a:ext uri="{28A0092B-C50C-407E-A947-70E740481C1C}">
+                  <a14:useLocalDpi xmlns:a14="http://schemas.microsoft.com/office/drawing/2010/main" val="0"/>
+                </a:ext>
+              </a:extLst>
+            </a:blip>
+            <a:stretch>
+              <a:fillRect/>
+            </a:stretch>
+          </p:blipFill>
+          <p:spPr>
+            <a:xfrm rot="16200000">
+              <a:off x="898" y="5981700"/>
+              <a:ext cx="825500" cy="901700"/>
+            </a:xfrm>
+            <a:prstGeom prst="rect">
+              <a:avLst/>
+            </a:prstGeom>
+          </p:spPr>
+        </p:pic>
+      </p:grpSp>
+      <p:grpSp>
+        <p:nvGrpSpPr>
+          <p:cNvPr id="23" name="Group 22">
+            <a:extLst>
+              <a:ext uri="{FF2B5EF4-FFF2-40B4-BE49-F238E27FC236}">
+                <a16:creationId xmlns:a16="http://schemas.microsoft.com/office/drawing/2014/main" id="{CC3F89B2-E890-6C43-5892-22AD02C50523}"/>
+              </a:ext>
+            </a:extLst>
+          </p:cNvPr>
+          <p:cNvGrpSpPr/>
+          <p:nvPr userDrawn="1"/>
+        </p:nvGrpSpPr>
+        <p:grpSpPr>
+          <a:xfrm>
+            <a:off x="-37202" y="-17808"/>
+            <a:ext cx="9244426" cy="1548158"/>
+            <a:chOff x="-37202" y="-17808"/>
+            <a:chExt cx="9244426" cy="1548158"/>
+          </a:xfrm>
+        </p:grpSpPr>
+        <p:pic>
+          <p:nvPicPr>
+            <p:cNvPr id="16" name="Picture 15">
+              <a:extLst>
+                <a:ext uri="{FF2B5EF4-FFF2-40B4-BE49-F238E27FC236}">
+                  <a16:creationId xmlns:a16="http://schemas.microsoft.com/office/drawing/2014/main" id="{150C326B-E0CE-7E4B-AAB3-6C17E7E24BD1}"/>
+                </a:ext>
+              </a:extLst>
+            </p:cNvPr>
+            <p:cNvPicPr>
+              <a:picLocks noChangeAspect="1"/>
+            </p:cNvPicPr>
+            <p:nvPr userDrawn="1"/>
+          </p:nvPicPr>
+          <p:blipFill>
+            <a:blip r:embed="rId14">
+              <a:extLst>
+                <a:ext uri="{28A0092B-C50C-407E-A947-70E740481C1C}">
+                  <a14:useLocalDpi xmlns:a14="http://schemas.microsoft.com/office/drawing/2010/main" val="0"/>
+                </a:ext>
+              </a:extLst>
+            </a:blip>
+            <a:stretch>
+              <a:fillRect/>
+            </a:stretch>
+          </p:blipFill>
+          <p:spPr>
+            <a:xfrm>
+              <a:off x="3040960" y="-11183"/>
+              <a:ext cx="3098800" cy="1536700"/>
+            </a:xfrm>
+            <a:prstGeom prst="rect">
+              <a:avLst/>
+            </a:prstGeom>
+          </p:spPr>
+        </p:pic>
+        <p:pic>
+          <p:nvPicPr>
+            <p:cNvPr id="17" name="Picture 16">
+              <a:extLst>
+                <a:ext uri="{FF2B5EF4-FFF2-40B4-BE49-F238E27FC236}">
+                  <a16:creationId xmlns:a16="http://schemas.microsoft.com/office/drawing/2014/main" id="{CE40EC80-B3CD-B537-331F-0ADE24D7A140}"/>
+                </a:ext>
+              </a:extLst>
+            </p:cNvPr>
+            <p:cNvPicPr>
+              <a:picLocks noChangeAspect="1"/>
+            </p:cNvPicPr>
+            <p:nvPr userDrawn="1"/>
+          </p:nvPicPr>
+          <p:blipFill>
+            <a:blip r:embed="rId14">
+              <a:extLst>
+                <a:ext uri="{28A0092B-C50C-407E-A947-70E740481C1C}">
+                  <a14:useLocalDpi xmlns:a14="http://schemas.microsoft.com/office/drawing/2010/main" val="0"/>
+                </a:ext>
+              </a:extLst>
+            </a:blip>
+            <a:stretch>
+              <a:fillRect/>
+            </a:stretch>
+          </p:blipFill>
+          <p:spPr>
+            <a:xfrm>
+              <a:off x="-37202" y="-17808"/>
+              <a:ext cx="3098800" cy="1536700"/>
+            </a:xfrm>
+            <a:prstGeom prst="rect">
+              <a:avLst/>
+            </a:prstGeom>
+          </p:spPr>
+        </p:pic>
+        <p:pic>
+          <p:nvPicPr>
+            <p:cNvPr id="9" name="Picture 8">
+              <a:extLst>
+                <a:ext uri="{FF2B5EF4-FFF2-40B4-BE49-F238E27FC236}">
+                  <a16:creationId xmlns:a16="http://schemas.microsoft.com/office/drawing/2014/main" id="{34A493CE-633E-1F89-D9FA-C4320B1A38CF}"/>
+                </a:ext>
+              </a:extLst>
+            </p:cNvPr>
+            <p:cNvPicPr>
+              <a:picLocks noChangeAspect="1"/>
+            </p:cNvPicPr>
+            <p:nvPr userDrawn="1"/>
+          </p:nvPicPr>
+          <p:blipFill>
+            <a:blip r:embed="rId14">
+              <a:extLst>
+                <a:ext uri="{28A0092B-C50C-407E-A947-70E740481C1C}">
+                  <a14:useLocalDpi xmlns:a14="http://schemas.microsoft.com/office/drawing/2010/main" val="0"/>
+                </a:ext>
+              </a:extLst>
+            </a:blip>
+            <a:stretch>
+              <a:fillRect/>
+            </a:stretch>
+          </p:blipFill>
+          <p:spPr>
+            <a:xfrm>
+              <a:off x="6105111" y="-6350"/>
+              <a:ext cx="3098800" cy="1536700"/>
+            </a:xfrm>
+            <a:prstGeom prst="rect">
+              <a:avLst/>
+            </a:prstGeom>
+          </p:spPr>
+        </p:pic>
+        <p:pic>
+          <p:nvPicPr>
+            <p:cNvPr id="22" name="Picture 21" descr="Diagram, schematic&#10;&#10;Description automatically generated">
+              <a:extLst>
+                <a:ext uri="{FF2B5EF4-FFF2-40B4-BE49-F238E27FC236}">
+                  <a16:creationId xmlns:a16="http://schemas.microsoft.com/office/drawing/2014/main" id="{63BA936B-D5C9-23EF-D13E-28E80A17AC37}"/>
+                </a:ext>
+              </a:extLst>
+            </p:cNvPr>
+            <p:cNvPicPr>
+              <a:picLocks noChangeAspect="1"/>
+            </p:cNvPicPr>
+            <p:nvPr userDrawn="1"/>
+          </p:nvPicPr>
+          <p:blipFill>
+            <a:blip r:embed="rId16">
+              <a:extLst>
+                <a:ext uri="{28A0092B-C50C-407E-A947-70E740481C1C}">
+                  <a14:useLocalDpi xmlns:a14="http://schemas.microsoft.com/office/drawing/2010/main" val="0"/>
+                </a:ext>
+              </a:extLst>
+            </a:blip>
+            <a:stretch>
+              <a:fillRect/>
+            </a:stretch>
+          </p:blipFill>
+          <p:spPr>
+            <a:xfrm>
+              <a:off x="8419824" y="-11183"/>
+              <a:ext cx="787400" cy="952500"/>
+            </a:xfrm>
+            <a:prstGeom prst="rect">
+              <a:avLst/>
+            </a:prstGeom>
+          </p:spPr>
+        </p:pic>
+      </p:grpSp>
       <p:sp>
         <p:nvSpPr>
           <p:cNvPr id="1028" name="Rectangle 8"/>
@@ -3887,38 +5216,37 @@
           <a:p>
             <a:pPr lvl="0"/>
             <a:r>
-              <a:rPr lang="en-US"/>
+              <a:rPr lang="en-US" dirty="0"/>
               <a:t>Click to edit Master text styles</a:t>
             </a:r>
           </a:p>
           <a:p>
             <a:pPr lvl="1"/>
             <a:r>
-              <a:rPr lang="en-US"/>
+              <a:rPr lang="en-US" dirty="0"/>
               <a:t>Second level</a:t>
             </a:r>
           </a:p>
           <a:p>
             <a:pPr lvl="2"/>
             <a:r>
-              <a:rPr lang="en-US"/>
+              <a:rPr lang="en-US" dirty="0"/>
               <a:t>Third level</a:t>
             </a:r>
           </a:p>
           <a:p>
             <a:pPr lvl="3"/>
             <a:r>
-              <a:rPr lang="en-US"/>
+              <a:rPr lang="en-US" dirty="0"/>
               <a:t>Fourth level</a:t>
             </a:r>
           </a:p>
           <a:p>
             <a:pPr lvl="4"/>
             <a:r>
-              <a:rPr lang="en-US"/>
+              <a:rPr lang="en-US" dirty="0"/>
               <a:t>Fifth level</a:t>
             </a:r>
-            <a:endParaRPr lang="en-US" dirty="0"/>
           </a:p>
         </p:txBody>
       </p:sp>
@@ -3959,10 +5287,9 @@
           <a:p>
             <a:pPr lvl="0"/>
             <a:r>
-              <a:rPr lang="en-US"/>
+              <a:rPr lang="en-US" dirty="0"/>
               <a:t>Click to edit Master title style</a:t>
             </a:r>
-            <a:endParaRPr lang="en-US" dirty="0"/>
           </a:p>
         </p:txBody>
       </p:sp>
@@ -5110,7 +6437,12 @@
             <p:ph type="title"/>
           </p:nvPr>
         </p:nvSpPr>
-        <p:spPr/>
+        <p:spPr>
+          <a:xfrm>
+            <a:off x="304800" y="152400"/>
+            <a:ext cx="8534400" cy="1143000"/>
+          </a:xfrm>
+        </p:spPr>
         <p:txBody>
           <a:bodyPr/>
           <a:lstStyle/>
@@ -5224,7 +6556,12 @@
             <p:ph type="title"/>
           </p:nvPr>
         </p:nvSpPr>
-        <p:spPr/>
+        <p:spPr>
+          <a:xfrm>
+            <a:off x="304800" y="152400"/>
+            <a:ext cx="8534400" cy="1143000"/>
+          </a:xfrm>
+        </p:spPr>
         <p:txBody>
           <a:bodyPr/>
           <a:lstStyle/>
@@ -5620,7 +6957,12 @@
             <p:ph type="title"/>
           </p:nvPr>
         </p:nvSpPr>
-        <p:spPr/>
+        <p:spPr>
+          <a:xfrm>
+            <a:off x="304800" y="152400"/>
+            <a:ext cx="8534400" cy="1143000"/>
+          </a:xfrm>
+        </p:spPr>
         <p:txBody>
           <a:bodyPr/>
           <a:lstStyle/>
@@ -6617,7 +7959,12 @@
             <p:ph type="title"/>
           </p:nvPr>
         </p:nvSpPr>
-        <p:spPr/>
+        <p:spPr>
+          <a:xfrm>
+            <a:off x="304800" y="152400"/>
+            <a:ext cx="8534400" cy="1143000"/>
+          </a:xfrm>
+        </p:spPr>
         <p:txBody>
           <a:bodyPr/>
           <a:lstStyle/>
@@ -7180,7 +8527,12 @@
             <p:ph type="title"/>
           </p:nvPr>
         </p:nvSpPr>
-        <p:spPr/>
+        <p:spPr>
+          <a:xfrm>
+            <a:off x="304800" y="152400"/>
+            <a:ext cx="8534400" cy="1143000"/>
+          </a:xfrm>
+        </p:spPr>
         <p:txBody>
           <a:bodyPr/>
           <a:lstStyle/>
@@ -7321,7 +8673,12 @@
             <p:ph type="title"/>
           </p:nvPr>
         </p:nvSpPr>
-        <p:spPr/>
+        <p:spPr>
+          <a:xfrm>
+            <a:off x="304800" y="152400"/>
+            <a:ext cx="8534400" cy="1143000"/>
+          </a:xfrm>
+        </p:spPr>
         <p:txBody>
           <a:bodyPr/>
           <a:lstStyle/>
@@ -14732,7 +16089,12 @@
             <p:ph type="title"/>
           </p:nvPr>
         </p:nvSpPr>
-        <p:spPr/>
+        <p:spPr>
+          <a:xfrm>
+            <a:off x="304800" y="152400"/>
+            <a:ext cx="8534400" cy="1143000"/>
+          </a:xfrm>
+        </p:spPr>
         <p:txBody>
           <a:bodyPr/>
           <a:lstStyle/>
@@ -16426,7 +17788,12 @@
             <p:ph type="title"/>
           </p:nvPr>
         </p:nvSpPr>
-        <p:spPr/>
+        <p:spPr>
+          <a:xfrm>
+            <a:off x="304800" y="152400"/>
+            <a:ext cx="8534400" cy="1143000"/>
+          </a:xfrm>
+        </p:spPr>
         <p:txBody>
           <a:bodyPr/>
           <a:lstStyle/>
@@ -17195,7 +18562,12 @@
             <p:ph type="title"/>
           </p:nvPr>
         </p:nvSpPr>
-        <p:spPr/>
+        <p:spPr>
+          <a:xfrm>
+            <a:off x="304800" y="152400"/>
+            <a:ext cx="8534400" cy="1143000"/>
+          </a:xfrm>
+        </p:spPr>
         <p:txBody>
           <a:bodyPr/>
           <a:lstStyle/>
@@ -20430,6 +21802,42 @@
           </p:txBody>
         </p:sp>
       </p:grpSp>
+      <p:pic>
+        <p:nvPicPr>
+          <p:cNvPr id="8" name="Picture 7">
+            <a:extLst>
+              <a:ext uri="{FF2B5EF4-FFF2-40B4-BE49-F238E27FC236}">
+                <a16:creationId xmlns:a16="http://schemas.microsoft.com/office/drawing/2014/main" id="{9E60B009-79EF-AB83-E946-2EEFF3EC4D54}"/>
+              </a:ext>
+            </a:extLst>
+          </p:cNvPr>
+          <p:cNvPicPr>
+            <a:picLocks noChangeAspect="1"/>
+          </p:cNvPicPr>
+          <p:nvPr/>
+        </p:nvPicPr>
+        <p:blipFill>
+          <a:blip r:embed="rId6">
+            <a:extLst>
+              <a:ext uri="{28A0092B-C50C-407E-A947-70E740481C1C}">
+                <a14:useLocalDpi xmlns:a14="http://schemas.microsoft.com/office/drawing/2010/main" val="0"/>
+              </a:ext>
+            </a:extLst>
+          </a:blip>
+          <a:stretch>
+            <a:fillRect/>
+          </a:stretch>
+        </p:blipFill>
+        <p:spPr>
+          <a:xfrm>
+            <a:off x="0" y="5321300"/>
+            <a:ext cx="3098800" cy="1536700"/>
+          </a:xfrm>
+          <a:prstGeom prst="rect">
+            <a:avLst/>
+          </a:prstGeom>
+        </p:spPr>
+      </p:pic>
     </p:spTree>
     <p:extLst>
       <p:ext uri="{BB962C8B-B14F-4D97-AF65-F5344CB8AC3E}">
@@ -22388,136 +23796,6 @@
           </a:graphicData>
         </a:graphic>
       </p:graphicFrame>
-      <p:sp>
-        <p:nvSpPr>
-          <p:cNvPr id="2" name="Rectangle 1"/>
-          <p:cNvSpPr/>
-          <p:nvPr/>
-        </p:nvSpPr>
-        <p:spPr bwMode="auto">
-          <a:xfrm>
-            <a:off x="2743200" y="5486400"/>
-            <a:ext cx="4800600" cy="551038"/>
-          </a:xfrm>
-          <a:prstGeom prst="rect">
-            <a:avLst/>
-          </a:prstGeom>
-          <a:solidFill>
-            <a:srgbClr val="FFFFFF"/>
-          </a:solidFill>
-          <a:ln w="9525" cap="flat" cmpd="sng" algn="ctr">
-            <a:solidFill>
-              <a:srgbClr val="FFFFFF"/>
-            </a:solidFill>
-            <a:prstDash val="solid"/>
-            <a:round/>
-            <a:headEnd type="none" w="med" len="med"/>
-            <a:tailEnd type="none" w="med" len="med"/>
-          </a:ln>
-          <a:effectLst/>
-        </p:spPr>
-        <p:txBody>
-          <a:bodyPr vert="horz" wrap="none" lIns="91440" tIns="45720" rIns="91440" bIns="45720" numCol="1" rtlCol="0" anchor="ctr" anchorCtr="0" compatLnSpc="1">
-            <a:prstTxWarp prst="textNoShape">
-              <a:avLst/>
-            </a:prstTxWarp>
-          </a:bodyPr>
-          <a:lstStyle/>
-          <a:p>
-            <a:pPr marL="0" marR="0" indent="0" algn="r" defTabSz="914400" rtl="0" eaLnBrk="1" fontAlgn="base" latinLnBrk="0" hangingPunct="1">
-              <a:lnSpc>
-                <a:spcPct val="100000"/>
-              </a:lnSpc>
-              <a:spcBef>
-                <a:spcPct val="0"/>
-              </a:spcBef>
-              <a:spcAft>
-                <a:spcPct val="0"/>
-              </a:spcAft>
-              <a:buClrTx/>
-              <a:buSzTx/>
-              <a:buFontTx/>
-              <a:buNone/>
-              <a:tabLst/>
-            </a:pPr>
-            <a:endParaRPr kumimoji="0" lang="en-US" sz="2000" b="1" i="0" u="none" strike="noStrike" cap="none" normalizeH="0" baseline="0">
-              <a:ln>
-                <a:noFill/>
-              </a:ln>
-              <a:solidFill>
-                <a:schemeClr val="tx1"/>
-              </a:solidFill>
-              <a:effectLst/>
-              <a:latin typeface="Courier New" charset="0"/>
-            </a:endParaRPr>
-          </a:p>
-        </p:txBody>
-      </p:sp>
-      <p:sp>
-        <p:nvSpPr>
-          <p:cNvPr id="24" name="Rectangle 23"/>
-          <p:cNvSpPr/>
-          <p:nvPr/>
-        </p:nvSpPr>
-        <p:spPr bwMode="auto">
-          <a:xfrm>
-            <a:off x="2743200" y="5867400"/>
-            <a:ext cx="5257800" cy="990600"/>
-          </a:xfrm>
-          <a:prstGeom prst="rect">
-            <a:avLst/>
-          </a:prstGeom>
-          <a:solidFill>
-            <a:srgbClr val="FFFFFF"/>
-          </a:solidFill>
-          <a:ln w="9525" cap="flat" cmpd="sng" algn="ctr">
-            <a:solidFill>
-              <a:srgbClr val="FFFFFF"/>
-            </a:solidFill>
-            <a:prstDash val="solid"/>
-            <a:round/>
-            <a:headEnd type="none" w="med" len="med"/>
-            <a:tailEnd type="none" w="med" len="med"/>
-          </a:ln>
-          <a:effectLst/>
-        </p:spPr>
-        <p:txBody>
-          <a:bodyPr vert="horz" wrap="none" lIns="91440" tIns="45720" rIns="91440" bIns="45720" numCol="1" rtlCol="0" anchor="ctr" anchorCtr="0" compatLnSpc="1">
-            <a:prstTxWarp prst="textNoShape">
-              <a:avLst/>
-            </a:prstTxWarp>
-          </a:bodyPr>
-          <a:lstStyle/>
-          <a:p>
-            <a:pPr marL="0" marR="0" indent="0" algn="r" defTabSz="914400" rtl="0" eaLnBrk="1" fontAlgn="base" latinLnBrk="0" hangingPunct="1">
-              <a:lnSpc>
-                <a:spcPct val="100000"/>
-              </a:lnSpc>
-              <a:spcBef>
-                <a:spcPct val="0"/>
-              </a:spcBef>
-              <a:spcAft>
-                <a:spcPct val="0"/>
-              </a:spcAft>
-              <a:buClrTx/>
-              <a:buSzTx/>
-              <a:buFontTx/>
-              <a:buNone/>
-              <a:tabLst/>
-            </a:pPr>
-            <a:endParaRPr kumimoji="0" lang="en-US" sz="2000" b="1" i="0" u="none" strike="noStrike" cap="none" normalizeH="0" baseline="0">
-              <a:ln>
-                <a:noFill/>
-              </a:ln>
-              <a:solidFill>
-                <a:schemeClr val="tx1"/>
-              </a:solidFill>
-              <a:effectLst/>
-              <a:latin typeface="Courier New" charset="0"/>
-            </a:endParaRPr>
-          </a:p>
-        </p:txBody>
-      </p:sp>
       <p:grpSp>
         <p:nvGrpSpPr>
           <p:cNvPr id="25" name="Group 24"/>
@@ -22877,7 +24155,7 @@
                             </p:stCondLst>
                             <p:childTnLst>
                               <p:par>
-                                <p:cTn id="5" presetID="1" presetClass="exit" presetSubtype="0" fill="hold" grpId="0" nodeType="clickEffect">
+                                <p:cTn id="5" presetID="1" presetClass="entr" presetSubtype="0" fill="hold" grpId="0" nodeType="clickEffect">
                                   <p:stCondLst>
                                     <p:cond delay="0"/>
                                   </p:stCondLst>
@@ -22885,96 +24163,6 @@
                                     <p:set>
                                       <p:cBhvr>
                                         <p:cTn id="6" dur="1" fill="hold">
-                                          <p:stCondLst>
-                                            <p:cond delay="0"/>
-                                          </p:stCondLst>
-                                        </p:cTn>
-                                        <p:tgtEl>
-                                          <p:spTgt spid="2"/>
-                                        </p:tgtEl>
-                                        <p:attrNameLst>
-                                          <p:attrName>style.visibility</p:attrName>
-                                        </p:attrNameLst>
-                                      </p:cBhvr>
-                                      <p:to>
-                                        <p:strVal val="hidden"/>
-                                      </p:to>
-                                    </p:set>
-                                  </p:childTnLst>
-                                </p:cTn>
-                              </p:par>
-                            </p:childTnLst>
-                          </p:cTn>
-                        </p:par>
-                      </p:childTnLst>
-                    </p:cTn>
-                  </p:par>
-                  <p:par>
-                    <p:cTn id="7" fill="hold">
-                      <p:stCondLst>
-                        <p:cond delay="indefinite"/>
-                      </p:stCondLst>
-                      <p:childTnLst>
-                        <p:par>
-                          <p:cTn id="8" fill="hold">
-                            <p:stCondLst>
-                              <p:cond delay="0"/>
-                            </p:stCondLst>
-                            <p:childTnLst>
-                              <p:par>
-                                <p:cTn id="9" presetID="1" presetClass="exit" presetSubtype="0" fill="hold" grpId="0" nodeType="clickEffect">
-                                  <p:stCondLst>
-                                    <p:cond delay="0"/>
-                                  </p:stCondLst>
-                                  <p:childTnLst>
-                                    <p:set>
-                                      <p:cBhvr>
-                                        <p:cTn id="10" dur="1" fill="hold">
-                                          <p:stCondLst>
-                                            <p:cond delay="0"/>
-                                          </p:stCondLst>
-                                        </p:cTn>
-                                        <p:tgtEl>
-                                          <p:spTgt spid="24"/>
-                                        </p:tgtEl>
-                                        <p:attrNameLst>
-                                          <p:attrName>style.visibility</p:attrName>
-                                        </p:attrNameLst>
-                                      </p:cBhvr>
-                                      <p:to>
-                                        <p:strVal val="hidden"/>
-                                      </p:to>
-                                    </p:set>
-                                  </p:childTnLst>
-                                </p:cTn>
-                              </p:par>
-                            </p:childTnLst>
-                          </p:cTn>
-                        </p:par>
-                      </p:childTnLst>
-                    </p:cTn>
-                  </p:par>
-                  <p:par>
-                    <p:cTn id="11" fill="hold">
-                      <p:stCondLst>
-                        <p:cond delay="indefinite"/>
-                      </p:stCondLst>
-                      <p:childTnLst>
-                        <p:par>
-                          <p:cTn id="12" fill="hold">
-                            <p:stCondLst>
-                              <p:cond delay="0"/>
-                            </p:stCondLst>
-                            <p:childTnLst>
-                              <p:par>
-                                <p:cTn id="13" presetID="1" presetClass="entr" presetSubtype="0" fill="hold" grpId="0" nodeType="clickEffect">
-                                  <p:stCondLst>
-                                    <p:cond delay="0"/>
-                                  </p:stCondLst>
-                                  <p:childTnLst>
-                                    <p:set>
-                                      <p:cBhvr>
-                                        <p:cTn id="14" dur="1" fill="hold">
                                           <p:stCondLst>
                                             <p:cond delay="0"/>
                                           </p:stCondLst>
@@ -23022,8 +24210,6 @@
     </p:tnLst>
     <p:bldLst>
       <p:bldP spid="4" grpId="0"/>
-      <p:bldP spid="2" grpId="0" animBg="1"/>
-      <p:bldP spid="24" grpId="0" animBg="1"/>
     </p:bldLst>
   </p:timing>
 </p:sld>
@@ -24244,7 +25430,12 @@
             <p:ph type="title"/>
           </p:nvPr>
         </p:nvSpPr>
-        <p:spPr/>
+        <p:spPr>
+          <a:xfrm>
+            <a:off x="304800" y="152400"/>
+            <a:ext cx="8534400" cy="1143000"/>
+          </a:xfrm>
+        </p:spPr>
         <p:txBody>
           <a:bodyPr/>
           <a:lstStyle/>
@@ -24375,13 +25566,13 @@
           <p:nvPr>
             <p:extLst>
               <p:ext uri="{D42A27DB-BD31-4B8C-83A1-F6EECF244321}">
-                <p14:modId xmlns:p14="http://schemas.microsoft.com/office/powerpoint/2010/main" val="1816838130"/>
+                <p14:modId xmlns:p14="http://schemas.microsoft.com/office/powerpoint/2010/main" val="2931693804"/>
               </p:ext>
             </p:extLst>
           </p:nvPr>
         </p:nvGraphicFramePr>
         <p:xfrm>
-          <a:off x="5715000" y="261937"/>
+          <a:off x="4953000" y="261937"/>
           <a:ext cx="3268663" cy="923925"/>
         </p:xfrm>
         <a:graphic>
@@ -24412,7 +25603,7 @@
                     </p:blipFill>
                     <p:spPr bwMode="auto">
                       <a:xfrm>
-                        <a:off x="5715000" y="261937"/>
+                        <a:off x="4953000" y="261937"/>
                         <a:ext cx="3268663" cy="923925"/>
                       </a:xfrm>
                       <a:prstGeom prst="rect">
@@ -24846,7 +26037,12 @@
             <p:ph type="title"/>
           </p:nvPr>
         </p:nvSpPr>
-        <p:spPr/>
+        <p:spPr>
+          <a:xfrm>
+            <a:off x="304800" y="152400"/>
+            <a:ext cx="8534400" cy="1143000"/>
+          </a:xfrm>
+        </p:spPr>
         <p:txBody>
           <a:bodyPr/>
           <a:lstStyle/>
@@ -25158,7 +26354,12 @@
             <p:ph type="title"/>
           </p:nvPr>
         </p:nvSpPr>
-        <p:spPr/>
+        <p:spPr>
+          <a:xfrm>
+            <a:off x="304800" y="152400"/>
+            <a:ext cx="8534400" cy="1143000"/>
+          </a:xfrm>
+        </p:spPr>
         <p:txBody>
           <a:bodyPr/>
           <a:lstStyle/>
@@ -25302,13 +26503,13 @@
           <p:nvPr>
             <p:extLst>
               <p:ext uri="{D42A27DB-BD31-4B8C-83A1-F6EECF244321}">
-                <p14:modId xmlns:p14="http://schemas.microsoft.com/office/powerpoint/2010/main" val="33304567"/>
+                <p14:modId xmlns:p14="http://schemas.microsoft.com/office/powerpoint/2010/main" val="365812285"/>
               </p:ext>
             </p:extLst>
           </p:nvPr>
         </p:nvGraphicFramePr>
         <p:xfrm>
-          <a:off x="5715000" y="261937"/>
+          <a:off x="4953000" y="261937"/>
           <a:ext cx="3268663" cy="923925"/>
         </p:xfrm>
         <a:graphic>
@@ -25339,7 +26540,7 @@
                     </p:blipFill>
                     <p:spPr bwMode="auto">
                       <a:xfrm>
-                        <a:off x="5715000" y="261937"/>
+                        <a:off x="4953000" y="261937"/>
                         <a:ext cx="3268663" cy="923925"/>
                       </a:xfrm>
                       <a:prstGeom prst="rect">
@@ -25719,7 +26920,12 @@
             <p:ph type="title"/>
           </p:nvPr>
         </p:nvSpPr>
-        <p:spPr/>
+        <p:spPr>
+          <a:xfrm>
+            <a:off x="304800" y="152400"/>
+            <a:ext cx="8534400" cy="1143000"/>
+          </a:xfrm>
+        </p:spPr>
         <p:txBody>
           <a:bodyPr/>
           <a:lstStyle/>
@@ -26140,7 +27346,12 @@
             <p:ph type="title"/>
           </p:nvPr>
         </p:nvSpPr>
-        <p:spPr/>
+        <p:spPr>
+          <a:xfrm>
+            <a:off x="304800" y="152400"/>
+            <a:ext cx="8534400" cy="1143000"/>
+          </a:xfrm>
+        </p:spPr>
         <p:txBody>
           <a:bodyPr/>
           <a:lstStyle/>
@@ -26477,7 +27688,12 @@
             <p:ph type="title"/>
           </p:nvPr>
         </p:nvSpPr>
-        <p:spPr/>
+        <p:spPr>
+          <a:xfrm>
+            <a:off x="304800" y="152400"/>
+            <a:ext cx="8534400" cy="1143000"/>
+          </a:xfrm>
+        </p:spPr>
         <p:txBody>
           <a:bodyPr/>
           <a:lstStyle/>
@@ -26941,7 +28157,12 @@
             <p:ph type="title"/>
           </p:nvPr>
         </p:nvSpPr>
-        <p:spPr/>
+        <p:spPr>
+          <a:xfrm>
+            <a:off x="304800" y="152400"/>
+            <a:ext cx="8534400" cy="1143000"/>
+          </a:xfrm>
+        </p:spPr>
         <p:txBody>
           <a:bodyPr/>
           <a:lstStyle/>
@@ -27285,7 +28506,12 @@
             <p:ph type="title"/>
           </p:nvPr>
         </p:nvSpPr>
-        <p:spPr/>
+        <p:spPr>
+          <a:xfrm>
+            <a:off x="304800" y="152400"/>
+            <a:ext cx="8534400" cy="1143000"/>
+          </a:xfrm>
+        </p:spPr>
         <p:txBody>
           <a:bodyPr/>
           <a:lstStyle/>
@@ -27409,7 +28635,12 @@
             <p:ph type="title"/>
           </p:nvPr>
         </p:nvSpPr>
-        <p:spPr/>
+        <p:spPr>
+          <a:xfrm>
+            <a:off x="304800" y="152400"/>
+            <a:ext cx="8534400" cy="1143000"/>
+          </a:xfrm>
+        </p:spPr>
         <p:txBody>
           <a:bodyPr/>
           <a:lstStyle/>
@@ -27623,7 +28854,12 @@
             <p:ph type="title"/>
           </p:nvPr>
         </p:nvSpPr>
-        <p:spPr/>
+        <p:spPr>
+          <a:xfrm>
+            <a:off x="304800" y="152400"/>
+            <a:ext cx="8534400" cy="1143000"/>
+          </a:xfrm>
+        </p:spPr>
         <p:txBody>
           <a:bodyPr/>
           <a:lstStyle/>
@@ -27768,7 +29004,12 @@
             <p:ph type="title"/>
           </p:nvPr>
         </p:nvSpPr>
-        <p:spPr/>
+        <p:spPr>
+          <a:xfrm>
+            <a:off x="304800" y="152400"/>
+            <a:ext cx="8534400" cy="1143000"/>
+          </a:xfrm>
+        </p:spPr>
         <p:txBody>
           <a:bodyPr/>
           <a:lstStyle/>
@@ -29205,7 +30446,12 @@
             <p:ph type="title"/>
           </p:nvPr>
         </p:nvSpPr>
-        <p:spPr/>
+        <p:spPr>
+          <a:xfrm>
+            <a:off x="304800" y="152400"/>
+            <a:ext cx="8534400" cy="1143000"/>
+          </a:xfrm>
+        </p:spPr>
         <p:txBody>
           <a:bodyPr/>
           <a:lstStyle/>
@@ -29784,7 +31030,12 @@
             <p:ph type="title"/>
           </p:nvPr>
         </p:nvSpPr>
-        <p:spPr/>
+        <p:spPr>
+          <a:xfrm>
+            <a:off x="304800" y="152400"/>
+            <a:ext cx="8534400" cy="1143000"/>
+          </a:xfrm>
+        </p:spPr>
         <p:txBody>
           <a:bodyPr/>
           <a:lstStyle/>
@@ -30434,7 +31685,7 @@
         </p:nvGrpSpPr>
         <p:grpSpPr>
           <a:xfrm>
-            <a:off x="685800" y="5791200"/>
+            <a:off x="685800" y="5638800"/>
             <a:ext cx="7924800" cy="762000"/>
             <a:chOff x="838200" y="5791200"/>
             <a:chExt cx="7620000" cy="762000"/>
@@ -31300,7 +32551,12 @@
             <p:ph type="title"/>
           </p:nvPr>
         </p:nvSpPr>
-        <p:spPr/>
+        <p:spPr>
+          <a:xfrm>
+            <a:off x="304800" y="152400"/>
+            <a:ext cx="8534400" cy="1143000"/>
+          </a:xfrm>
+        </p:spPr>
         <p:txBody>
           <a:bodyPr/>
           <a:lstStyle/>
@@ -31519,7 +32775,12 @@
             <p:ph type="title"/>
           </p:nvPr>
         </p:nvSpPr>
-        <p:spPr/>
+        <p:spPr>
+          <a:xfrm>
+            <a:off x="304800" y="152400"/>
+            <a:ext cx="8534400" cy="1143000"/>
+          </a:xfrm>
+        </p:spPr>
         <p:txBody>
           <a:bodyPr/>
           <a:lstStyle/>
@@ -32047,7 +33308,12 @@
             <p:ph type="title"/>
           </p:nvPr>
         </p:nvSpPr>
-        <p:spPr/>
+        <p:spPr>
+          <a:xfrm>
+            <a:off x="304800" y="152400"/>
+            <a:ext cx="8534400" cy="1143000"/>
+          </a:xfrm>
+        </p:spPr>
         <p:txBody>
           <a:bodyPr/>
           <a:lstStyle/>
@@ -32420,7 +33686,12 @@
             <p:ph type="title"/>
           </p:nvPr>
         </p:nvSpPr>
-        <p:spPr/>
+        <p:spPr>
+          <a:xfrm>
+            <a:off x="304800" y="152400"/>
+            <a:ext cx="8534400" cy="1143000"/>
+          </a:xfrm>
+        </p:spPr>
         <p:txBody>
           <a:bodyPr/>
           <a:lstStyle/>
@@ -33216,7 +34487,12 @@
             <p:ph type="title"/>
           </p:nvPr>
         </p:nvSpPr>
-        <p:spPr/>
+        <p:spPr>
+          <a:xfrm>
+            <a:off x="304800" y="152400"/>
+            <a:ext cx="8534400" cy="1143000"/>
+          </a:xfrm>
+        </p:spPr>
         <p:txBody>
           <a:bodyPr/>
           <a:lstStyle/>
@@ -33390,7 +34666,12 @@
             <p:ph type="title"/>
           </p:nvPr>
         </p:nvSpPr>
-        <p:spPr/>
+        <p:spPr>
+          <a:xfrm>
+            <a:off x="304800" y="152400"/>
+            <a:ext cx="8534400" cy="1143000"/>
+          </a:xfrm>
+        </p:spPr>
         <p:txBody>
           <a:bodyPr/>
           <a:lstStyle/>

--- a/lec/lec9.pptx
+++ b/lec/lec9.pptx
@@ -425,6 +425,43 @@
 </p:handoutMaster>
 </file>
 
+<file path=ppt/ink/ink1.xml><?xml version="1.0" encoding="utf-8"?>
+<inkml:ink xmlns:inkml="http://www.w3.org/2003/InkML">
+  <inkml:definitions>
+    <inkml:context xml:id="ctx0">
+      <inkml:inkSource xml:id="inkSrc0">
+        <inkml:traceFormat>
+          <inkml:channel name="X" type="integer" min="-2.14748E9" max="2.14748E9" units="cm"/>
+          <inkml:channel name="Y" type="integer" min="-2.14748E9" max="2.14748E9" units="cm"/>
+          <inkml:channel name="F" type="integer" max="32767" units="dev"/>
+        </inkml:traceFormat>
+        <inkml:channelProperties>
+          <inkml:channelProperty channel="X" name="resolution" value="1000" units="1/cm"/>
+          <inkml:channelProperty channel="Y" name="resolution" value="1000" units="1/cm"/>
+          <inkml:channelProperty channel="F" name="resolution" value="0" units="1/dev"/>
+        </inkml:channelProperties>
+      </inkml:inkSource>
+      <inkml:timestamp xml:id="ts0" timeString="2023-03-12T14:41:49.114"/>
+    </inkml:context>
+    <inkml:brush xml:id="br0">
+      <inkml:brushProperty name="height" value="0.053" units="cm"/>
+      <inkml:brushProperty name="color" value="#FF0000"/>
+    </inkml:brush>
+  </inkml:definitions>
+  <inkml:trace contextRef="#ctx0" brushRef="#br0">13147 16660 7853,'-11'36'781,"-1"5"1,-1-5 0,-8 6 0,-6 0 0,-3 2 0,-7 2 297,1 0 1,0-16-1799,1-1 0,9-10 90,3-8 0,3-3 0,3-8 629,0 0 0,0-15 0,0-4 0</inkml:trace>
+  <inkml:trace contextRef="#ctx0" brushRef="#br0" timeOffset="1">12803 15646 8073,'0'-35'401,"0"9"1,-2 3 0,-3 6 2089,-7 5-1147,-3 4 0,-2 16-598,-1 4 0,3 10-119,4 7 1,1 4-190,4 1 0,4 6 98,-3 0 0,3 14-95,2-3 1,0 7-164,0-1 0,2 12-290,3 11 0,-3 12 129,1-44 0,0 1 0,-2 1 0,0-1-193,-1 49 0,6-5 153,-1-7 0,3-4-807,-2-7 1,-2-12-308,7-23 13,-7 0-34,11-21 0,-13-9 382,4-16 0,2-22-129,-3-13 1,3-20 327,-2-7 1,-4-13 153,3 1 1,-1 4 244,2 1 0,-4 12 228,4 6 0,-5 3 563,-1 3 0,0 7-280,0 4 1,0 11 954,0 6-532,0 4 2295,0 9-2315,0 3 1,0 9 132,0 3 1,8-1-496,4 8 0,9-7-276,2 7 0,9-6-307,2 5 1,3 2 142,9 10 1,-8-2-16,2 8 1,-4 2 157,-1 9 0,-8 0-503,-4 11 0,-12-1 68,-5 13 1,-14 0-199,-9 6 0,-8 2-284,-9 3 0,-8-9-9,-4 4 1,-2-14-23,2-3 0,-2-10-458,8-13 0,2-14-301,9-15 1,6-25 746,12-21 1,3-21 782,8-19 0,8 0 0,1-7 0</inkml:trace>
+  <inkml:trace contextRef="#ctx0" brushRef="#br0" timeOffset="2">13750 16574 8086,'17'-34'-494,"-8"7"0,5-4 0,-8 7 1483,-3-3 1,-1 4-493,-2-6 0,0 3 0,0-3 1,0-2-199,0 8 1,-5-7-55,-1 1 1,-2 2 269,2-1 1,-1 7 171,-5-2-435,-3 4 0,6 7 128,-9 1 1,1 7-3,0-2 0,0 6-69,-1 6 0,1 4 52,0 7 0,-6 8-86,0 3 0,2 7 220,10 5 0,-5 4-55,5 7 0,-2 1-5,1-1 0,4 1-96,8 0 1,-5 5-109,-1 0 1,0 1-72,6-7 1,6 1 99,0-1 0,7-1-311,-1-4 0,5-10 112,6-7 1,-2-16 33,7-1 0,-7-9-20,2-3 1,2-3-81,-2-9 0,6-5-51,-6-12 0,5-5-68,-5 0 0,0-1-278,-5-5 0,-1 2 187,0-2 0,0 3-166,0-3 0,-5 4 113,-1 2 1,-7 5-182,2 0 1,-4 8 55,-2-2 0,0 4-64,0 2 1,0 6-667,0-1 741,-8 8 1,4-1-141,-7 10 0,7 5 88,-2 7 0,4 6 206,2 0 1,0 7-19,0-1 0,0 4-152,0 1 1,6-5 20,0-1 0,5-1-107,-5 2 0,7 1 99,-1-7 0,1 6 154,-1-6 0,3-6-200,-3-6 1,5-7 73,6 2 1,-4-4 7,4-2 0,2-10 349,-2-7 0,7-8 0,-1-9 0,-4-8 0,0-2 0,-8-8 0</inkml:trace>
+  <inkml:trace contextRef="#ctx0" brushRef="#br0" timeOffset="3">14490 16248 8047,'7'-25'0,"-3"6"-723,8-4 0,-9 9 1006,3 3 1,-6 7 2524,-6-2-981,-3 4 0,-8 2-943,-1 0 1,1 8 990,0 3 0,0 12-929,0 6 0,-1 9-188,1 2 1,6 8-289,-1-2 1,7 4-318,-7 1 1,8 1-347,-1-1 1,5 1-413,5 0 1,7-9-1174,11-2 0,3-9 974,9-9 1,-1-8-1471,1-15 0,1-9 1166,4-8 0,-2-16-214,8-13 0,-7-3 628,1-3 1,-4 0 693,-2 1 0,1-1 0,-1 1 0</inkml:trace>
+  <inkml:trace contextRef="#ctx0" brushRef="#br0" timeOffset="4">15075 15353 7974,'0'-17'837,"-8"2"1563,-3 4 0,1 3-791,-1 8 0,7 8-863,-2 3 1,4 18 961,2 5 1,0 14-816,0 3 1,2 11-416,4 12 0,-2 8-707,1-34 0,1 2 0,-3 2 0,0 3 276,3 7 1,-1 2-1,-2-1 1,-2 0-192,2 0 1,0 0 0,-1-3 0,0-2 122,1-5 1,-1-3-1,0 31-1310,4-13 953,-4-10 1,0-30-2068,4-10 1623,-4-13 0,5-20 224,-7-8 1,0-11 248,0-12 1,0-8-400,0-14 1,0-13 140,0 1 1,0-6 298,0 12 1,0 1 235,0 10 0,0 0-16,0 11 0,0 7 550,0 16 0,0 4-280,0 8 1923,0 7-1021,0 3-730,0 7 0,8 2 275,3 3 1,-1-3-98,1 4 1,1-4-3,5-2 0,2 0-166,4 0 0,-4 0-1110,4 0 0,-4 2 468,-1 4 0,-7-3-399,0 9 0,-1-6 117,1 5 0,-3 6-25,-8 6 1,0 6 89,0-6 0,-2 5 76,-4-5 0,3 6-96,-9-6 1,1 6 124,-6-7 0,5 7-91,1-6 1,-1 8 97,-5-3 0,0-3 354,-1-2 1,1-2 89,0 2 1,6-8 1,-1 8 1,6-13 1456,-5 7-943,7-11 256,-4 9 1,16-13-325,4 4 0,3-5 1295,2-1 1,8 0-871,4 0 0,-3 0-478,3 0 0,5 0-612,7 0 0,-1 0-609,-6 0 1,3 0-1408,3 0 0,-4 0 1147,4 0 0,-9 0 1025,-3 0 0,1 0 0,6 0 0</inkml:trace>
+  <inkml:trace contextRef="#ctx0" brushRef="#br0" timeOffset="5">17209 15886 7974,'0'-34'390,"0"0"0,-6 7 1,-2 2 948,-1 0 0,-1 6 625,-1-4-1262,-5 12 1,13 3 32,-9 8 0,8 10-661,-1 7 0,3 8 82,2 9 0,0 10-242,0 8 0,0 7 107,0 10 1,2-1-196,3 1 0,-1 0-390,8 0 1,-3 5-864,3 1 0,3-3 389,-4-9 1,3-11-1724,-3-12 1421,5-4 1340,-15-17 0,7-11 0,-8-17 0</inkml:trace>
+  <inkml:trace contextRef="#ctx0" brushRef="#br0" timeOffset="6">17002 16282 7974,'-51'-8'0,"7"6"3111,3-3-2249,13 3 1,5 4 2606,11 3-2603,5-3 1,9 6 195,3-8 0,13-2-429,10-4 0,5-9-174,1-8 0,6-2-296,0 2 1,8-2 74,-2-3 0,-2-3-396,2 8 1,-8 0 204,2 6 1,-9 6-452,-2-1 0,-8 8 207,2-1 1,-6 10-617,-6 7 1,-3 11 311,-8 5 0,0 5 140,0 1 1,0 3-576,0 3 0,0-4 356,0 4 0,0-9 479,0-3 1,0-1-23,0 2 0,8 3 483,3-3 0,6-4-288,6-2 1,2-6 826,4-6 0,5 3-264,1-9 0,-3 1-11,3-6 0,-1-13-551,-5-4 1,1-14 109,-1-3 1,-4-3-1043,-8-8 0,-7 4 492,-5-4 0,-3 4-658,-2-4 0,-9 6 401,-9-1 1,-6 12-1164,-11 5 0,-1 5-1444,-4 7 3231,3 3 0,-12 8 0,5 0 0</inkml:trace>
+  <inkml:trace contextRef="#ctx0" brushRef="#br0" timeOffset="7">19239 15474 7974,'-28'0'-45,"-1"0"1,2 0-1,-3 2 1,1 3 1820,-2 7 0,5 7 1071,-3 10-2188,-7-1 1,5 22-1,-2-2 551,7 7 1,-3 8-622,6 12 1,8 1-323,9 4 0,4-5 20,2-12 0,8-4-206,3-7 1,14-3-175,9-3 1,3-11-489,9-12 0,1-12-1054,11-5 1,-5-6 714,5-6 1,1-13-674,-2-15 0,3-5 777,-3-12 0,-2 1-749,9-13 0,-9 2 1565,2-2 0,-5-4 0,-2 4 0,1-4 0,5-2 0</inkml:trace>
+  <inkml:trace contextRef="#ctx0" brushRef="#br0" timeOffset="8">20031 15233 7974,'-2'-11'0,"-4"-1"0,2 1 0,-7-6 0,5 5 0,-5 1 0,-1 7 0,-5-2 0,0 4 0,-2 12 3278,-4 7 1,4 8-1404,-4 9 1,4 8-1297,1 4 1,-1 6-290,-4 5 1,4 4-507,-4 8 0,-2 3-216,2 9 1,1 1 175,12-34 0,2 1 0,-3 33 174,-1-1 1,9-9-1488,-3-3 1,4-8-2312,2-4 3027,8-18 1,1-15-101,8-18 0,1-13 392,-1-11 0,0-14 258,0-14 0,0-6 303,1-5 0,-1-12 0,0-11 0,0 4 0,-3-6 0,-1 3 0,0-5 0,-1-6 0</inkml:trace>
+  <inkml:trace contextRef="#ctx0" brushRef="#br0" timeOffset="9">19910 15353 7974,'0'-42'0,"0"0"0,0-3 0,0 8 1404,0 9 0,0 7 212,0-2 709,0 4-1112,8 9 1,-4 18 474,7 15 0,-1 17-858,1 11 1,5 10-384,-5 14 1,4 5-726,3 12 1,-10-42 0,1 1 287,0 3 0,-1 1 0,0 0 0,-1-1-546,-1-2 0,0-1 0,2 1 0,-1-1 47,-1 1 1,0-1 0,1-1 0,1 0-1196,9 41 1,-2-10 739,-3-24 1,1-7-525,-7-16 434,0-7 1,-6-12 469,0-15 0,0-10-537,0-12 1,-2-11 1100,-4-7 0,4-8 0,-5 4 0</inkml:trace>
+  <inkml:trace contextRef="#ctx0" brushRef="#br0" timeOffset="10">19876 15852 7974,'-42'17'0,"11"6"1920,-3 0 0,13 0-921,4-6 1,7 0 1508,10 1 0,2-7-1267,4 1 0,13-3 220,15 3 0,8-5-1114,10-7 1,7-7-834,4-5 0,2-9-982,-1-2 0,-5 0 1468,-8 6 0,1-15 0,0-5 0</inkml:trace>
+</inkml:ink>
+</file>
+
 <file path=ppt/notesMasters/notesMaster1.xml><?xml version="1.0" encoding="utf-8"?>
 <p:notesMaster xmlns:a="http://schemas.openxmlformats.org/drawingml/2006/main" xmlns:r="http://schemas.openxmlformats.org/officeDocument/2006/relationships" xmlns:p="http://schemas.openxmlformats.org/presentationml/2006/main">
   <p:cSld>
@@ -735,10 +772,10 @@
           </a:ln>
           <a:extLst>
             <a:ext uri="{FAA26D3D-D897-4be2-8F04-BA451C77F1D7}">
-              <ma14:placeholderFlag xmlns:ma14="http://schemas.microsoft.com/office/mac/drawingml/2011/main" xmlns="" val="1"/>
+              <ma14:placeholderFlag xmlns="" xmlns:ma14="http://schemas.microsoft.com/office/mac/drawingml/2011/main" val="1"/>
             </a:ext>
             <a:ext uri="{909E8E84-426E-40dd-AFC4-6F175D3DCCD1}">
-              <a14:hiddenFill xmlns:a14="http://schemas.microsoft.com/office/drawing/2010/main" xmlns="">
+              <a14:hiddenFill xmlns="" xmlns:a14="http://schemas.microsoft.com/office/drawing/2010/main">
                 <a:solidFill>
                   <a:srgbClr val="FFFFFF"/>
                 </a:solidFill>
@@ -913,14 +950,14 @@
           <a:ln/>
           <a:extLst>
             <a:ext uri="{909E8E84-426E-40dd-AFC4-6F175D3DCCD1}">
-              <a14:hiddenFill xmlns:a14="http://schemas.microsoft.com/office/drawing/2010/main" xmlns="">
+              <a14:hiddenFill xmlns="" xmlns:a14="http://schemas.microsoft.com/office/drawing/2010/main">
                 <a:solidFill>
                   <a:srgbClr val="FFFFFF"/>
                 </a:solidFill>
               </a14:hiddenFill>
             </a:ext>
             <a:ext uri="{91240B29-F687-4f45-9708-019B960494DF}">
-              <a14:hiddenLine xmlns:a14="http://schemas.microsoft.com/office/drawing/2010/main" xmlns="" w="9525">
+              <a14:hiddenLine xmlns="" xmlns:a14="http://schemas.microsoft.com/office/drawing/2010/main" w="9525">
                 <a:solidFill>
                   <a:srgbClr val="000000"/>
                 </a:solidFill>
@@ -1141,17 +1178,17 @@
           <a:ln/>
           <a:extLst>
             <a:ext uri="{FAA26D3D-D897-4be2-8F04-BA451C77F1D7}">
-              <ma14:placeholderFlag xmlns="" xmlns:ma14="http://schemas.microsoft.com/office/mac/drawingml/2011/main" val="1"/>
+              <ma14:placeholderFlag xmlns:ma14="http://schemas.microsoft.com/office/mac/drawingml/2011/main" xmlns="" val="1"/>
             </a:ext>
             <a:ext uri="{909E8E84-426E-40dd-AFC4-6F175D3DCCD1}">
-              <a14:hiddenFill xmlns:a14="http://schemas.microsoft.com/office/drawing/2010/main" xmlns="">
+              <a14:hiddenFill xmlns="" xmlns:a14="http://schemas.microsoft.com/office/drawing/2010/main">
                 <a:solidFill>
                   <a:srgbClr val="FFFFFF"/>
                 </a:solidFill>
               </a14:hiddenFill>
             </a:ext>
             <a:ext uri="{91240B29-F687-4f45-9708-019B960494DF}">
-              <a14:hiddenLine xmlns:a14="http://schemas.microsoft.com/office/drawing/2010/main" xmlns="" w="9525">
+              <a14:hiddenLine xmlns="" xmlns:a14="http://schemas.microsoft.com/office/drawing/2010/main" w="9525">
                 <a:solidFill>
                   <a:srgbClr val="000000"/>
                 </a:solidFill>
@@ -1568,14 +1605,14 @@
           <a:ln/>
           <a:extLst>
             <a:ext uri="{909E8E84-426E-40dd-AFC4-6F175D3DCCD1}">
-              <a14:hiddenFill xmlns:a14="http://schemas.microsoft.com/office/drawing/2010/main" xmlns="">
+              <a14:hiddenFill xmlns="" xmlns:a14="http://schemas.microsoft.com/office/drawing/2010/main">
                 <a:solidFill>
                   <a:srgbClr val="FFFFFF"/>
                 </a:solidFill>
               </a14:hiddenFill>
             </a:ext>
             <a:ext uri="{91240B29-F687-4f45-9708-019B960494DF}">
-              <a14:hiddenLine xmlns:a14="http://schemas.microsoft.com/office/drawing/2010/main" xmlns="" w="9525">
+              <a14:hiddenLine xmlns="" xmlns:a14="http://schemas.microsoft.com/office/drawing/2010/main" w="9525">
                 <a:solidFill>
                   <a:srgbClr val="000000"/>
                 </a:solidFill>
@@ -1753,7 +1790,7 @@
           </a:ln>
           <a:extLst>
             <a:ext uri="{FAA26D3D-D897-4be2-8F04-BA451C77F1D7}">
-              <ma14:placeholderFlag xmlns:ma14="http://schemas.microsoft.com/office/mac/drawingml/2011/main" xmlns="" val="1"/>
+              <ma14:placeholderFlag xmlns="" xmlns:ma14="http://schemas.microsoft.com/office/mac/drawingml/2011/main" val="1"/>
             </a:ext>
           </a:extLst>
         </p:spPr>
@@ -5185,17 +5222,17 @@
           </a:ln>
           <a:extLst>
             <a:ext uri="{FAA26D3D-D897-4be2-8F04-BA451C77F1D7}">
-              <ma14:placeholderFlag xmlns:ma14="http://schemas.microsoft.com/office/mac/drawingml/2011/main" xmlns="" val="1"/>
+              <ma14:placeholderFlag xmlns="" xmlns:ma14="http://schemas.microsoft.com/office/mac/drawingml/2011/main" val="1"/>
             </a:ext>
             <a:ext uri="{909E8E84-426E-40dd-AFC4-6F175D3DCCD1}">
-              <a14:hiddenFill xmlns="" xmlns:a14="http://schemas.microsoft.com/office/drawing/2010/main">
+              <a14:hiddenFill xmlns:a14="http://schemas.microsoft.com/office/drawing/2010/main" xmlns="">
                 <a:solidFill>
                   <a:srgbClr val="FFFFFF"/>
                 </a:solidFill>
               </a14:hiddenFill>
             </a:ext>
             <a:ext uri="{91240B29-F687-4f45-9708-019B960494DF}">
-              <a14:hiddenLine xmlns="" xmlns:a14="http://schemas.microsoft.com/office/drawing/2010/main" w="9525">
+              <a14:hiddenLine xmlns:a14="http://schemas.microsoft.com/office/drawing/2010/main" xmlns="" w="9525">
                 <a:solidFill>
                   <a:srgbClr val="000000"/>
                 </a:solidFill>
@@ -8134,6 +8171,57 @@
           </a:p>
         </p:txBody>
       </p:sp>
+      <mc:AlternateContent xmlns:mc="http://schemas.openxmlformats.org/markup-compatibility/2006" xmlns:p14="http://schemas.microsoft.com/office/powerpoint/2010/main">
+        <mc:Choice Requires="p14">
+          <p:contentPart p14:bwMode="auto" r:id="rId2">
+            <p14:nvContentPartPr>
+              <p14:cNvPr id="3" name="Ink 2">
+                <a:extLst>
+                  <a:ext uri="{FF2B5EF4-FFF2-40B4-BE49-F238E27FC236}">
+                    <a16:creationId xmlns:a16="http://schemas.microsoft.com/office/drawing/2014/main" id="{3889E173-B62F-5C01-062F-7B295EA464D7}"/>
+                  </a:ext>
+                </a:extLst>
+              </p14:cNvPr>
+              <p14:cNvContentPartPr/>
+              <p14:nvPr/>
+            </p14:nvContentPartPr>
+            <p14:xfrm>
+              <a:off x="4565880" y="5430960"/>
+              <a:ext cx="2757240" cy="730800"/>
+            </p14:xfrm>
+          </p:contentPart>
+        </mc:Choice>
+        <mc:Fallback xmlns="">
+          <p:pic>
+            <p:nvPicPr>
+              <p:cNvPr id="3" name="Ink 2">
+                <a:extLst>
+                  <a:ext uri="{FF2B5EF4-FFF2-40B4-BE49-F238E27FC236}">
+                    <a16:creationId xmlns:a16="http://schemas.microsoft.com/office/drawing/2014/main" id="{3889E173-B62F-5C01-062F-7B295EA464D7}"/>
+                  </a:ext>
+                </a:extLst>
+              </p:cNvPr>
+              <p:cNvPicPr/>
+              <p:nvPr/>
+            </p:nvPicPr>
+            <p:blipFill>
+              <a:blip r:embed="rId3"/>
+              <a:stretch>
+                <a:fillRect/>
+              </a:stretch>
+            </p:blipFill>
+            <p:spPr>
+              <a:xfrm>
+                <a:off x="4556520" y="5421600"/>
+                <a:ext cx="2775960" cy="749520"/>
+              </a:xfrm>
+              <a:prstGeom prst="rect">
+                <a:avLst/>
+              </a:prstGeom>
+            </p:spPr>
+          </p:pic>
+        </mc:Fallback>
+      </mc:AlternateContent>
     </p:spTree>
     <p:extLst>
       <p:ext uri="{BB962C8B-B14F-4D97-AF65-F5344CB8AC3E}">
@@ -19163,7 +19251,7 @@
           </a:ln>
           <a:extLst>
             <a:ext uri="{909E8E84-426E-40dd-AFC4-6F175D3DCCD1}">
-              <a14:hiddenFill xmlns:a14="http://schemas.microsoft.com/office/drawing/2010/main" xmlns="">
+              <a14:hiddenFill xmlns="" xmlns:a14="http://schemas.microsoft.com/office/drawing/2010/main">
                 <a:solidFill>
                   <a:srgbClr val="FFFFFF"/>
                 </a:solidFill>
@@ -19206,7 +19294,7 @@
           </a:ln>
           <a:extLst>
             <a:ext uri="{909E8E84-426E-40dd-AFC4-6F175D3DCCD1}">
-              <a14:hiddenFill xmlns:a14="http://schemas.microsoft.com/office/drawing/2010/main" xmlns="">
+              <a14:hiddenFill xmlns="" xmlns:a14="http://schemas.microsoft.com/office/drawing/2010/main">
                 <a:noFill/>
               </a14:hiddenFill>
             </a:ext>
@@ -19242,14 +19330,14 @@
           </a:ln>
           <a:extLst>
             <a:ext uri="{909E8E84-426E-40dd-AFC4-6F175D3DCCD1}">
-              <a14:hiddenFill xmlns:a14="http://schemas.microsoft.com/office/drawing/2010/main" xmlns="">
+              <a14:hiddenFill xmlns="" xmlns:a14="http://schemas.microsoft.com/office/drawing/2010/main">
                 <a:solidFill>
                   <a:srgbClr val="FFFFFF"/>
                 </a:solidFill>
               </a14:hiddenFill>
             </a:ext>
             <a:ext uri="{91240B29-F687-4f45-9708-019B960494DF}">
-              <a14:hiddenLine xmlns:a14="http://schemas.microsoft.com/office/drawing/2010/main" xmlns="" w="9525">
+              <a14:hiddenLine xmlns="" xmlns:a14="http://schemas.microsoft.com/office/drawing/2010/main" w="9525">
                 <a:solidFill>
                   <a:srgbClr val="000000"/>
                 </a:solidFill>
@@ -19475,7 +19563,7 @@
           </a:ln>
           <a:extLst>
             <a:ext uri="{909E8E84-426E-40dd-AFC4-6F175D3DCCD1}">
-              <a14:hiddenFill xmlns:a14="http://schemas.microsoft.com/office/drawing/2010/main" xmlns="">
+              <a14:hiddenFill xmlns="" xmlns:a14="http://schemas.microsoft.com/office/drawing/2010/main">
                 <a:solidFill>
                   <a:srgbClr val="FFFFFF"/>
                 </a:solidFill>
@@ -19513,14 +19601,14 @@
           </a:ln>
           <a:extLst>
             <a:ext uri="{909E8E84-426E-40dd-AFC4-6F175D3DCCD1}">
-              <a14:hiddenFill xmlns:a14="http://schemas.microsoft.com/office/drawing/2010/main" xmlns="">
+              <a14:hiddenFill xmlns="" xmlns:a14="http://schemas.microsoft.com/office/drawing/2010/main">
                 <a:solidFill>
                   <a:srgbClr val="FFFFFF"/>
                 </a:solidFill>
               </a14:hiddenFill>
             </a:ext>
             <a:ext uri="{91240B29-F687-4f45-9708-019B960494DF}">
-              <a14:hiddenLine xmlns:a14="http://schemas.microsoft.com/office/drawing/2010/main" xmlns="" w="9525">
+              <a14:hiddenLine xmlns="" xmlns:a14="http://schemas.microsoft.com/office/drawing/2010/main" w="9525">
                 <a:solidFill>
                   <a:srgbClr val="000000"/>
                 </a:solidFill>
@@ -19676,14 +19764,14 @@
           </a:ln>
           <a:extLst>
             <a:ext uri="{909E8E84-426E-40dd-AFC4-6F175D3DCCD1}">
-              <a14:hiddenFill xmlns:a14="http://schemas.microsoft.com/office/drawing/2010/main" xmlns="">
+              <a14:hiddenFill xmlns="" xmlns:a14="http://schemas.microsoft.com/office/drawing/2010/main">
                 <a:solidFill>
                   <a:srgbClr val="FFFFFF"/>
                 </a:solidFill>
               </a14:hiddenFill>
             </a:ext>
             <a:ext uri="{91240B29-F687-4f45-9708-019B960494DF}">
-              <a14:hiddenLine xmlns:a14="http://schemas.microsoft.com/office/drawing/2010/main" xmlns="" w="9525">
+              <a14:hiddenLine xmlns="" xmlns:a14="http://schemas.microsoft.com/office/drawing/2010/main" w="9525">
                 <a:solidFill>
                   <a:srgbClr val="000000"/>
                 </a:solidFill>
@@ -19885,7 +19973,7 @@
           </a:ln>
           <a:extLst>
             <a:ext uri="{909E8E84-426E-40dd-AFC4-6F175D3DCCD1}">
-              <a14:hiddenFill xmlns:a14="http://schemas.microsoft.com/office/drawing/2010/main" xmlns="">
+              <a14:hiddenFill xmlns="" xmlns:a14="http://schemas.microsoft.com/office/drawing/2010/main">
                 <a:solidFill>
                   <a:srgbClr val="FFFFFF"/>
                 </a:solidFill>
@@ -19969,7 +20057,7 @@
           </a:ln>
           <a:extLst>
             <a:ext uri="{909E8E84-426E-40dd-AFC4-6F175D3DCCD1}">
-              <a14:hiddenFill xmlns:a14="http://schemas.microsoft.com/office/drawing/2010/main" xmlns="">
+              <a14:hiddenFill xmlns="" xmlns:a14="http://schemas.microsoft.com/office/drawing/2010/main">
                 <a:solidFill>
                   <a:srgbClr val="FFFFFF"/>
                 </a:solidFill>
@@ -20053,7 +20141,7 @@
           </a:ln>
           <a:extLst>
             <a:ext uri="{909E8E84-426E-40dd-AFC4-6F175D3DCCD1}">
-              <a14:hiddenFill xmlns:a14="http://schemas.microsoft.com/office/drawing/2010/main" xmlns="">
+              <a14:hiddenFill xmlns="" xmlns:a14="http://schemas.microsoft.com/office/drawing/2010/main">
                 <a:solidFill>
                   <a:srgbClr val="FFFFFF"/>
                 </a:solidFill>
@@ -20096,7 +20184,7 @@
           </a:ln>
           <a:extLst>
             <a:ext uri="{909E8E84-426E-40dd-AFC4-6F175D3DCCD1}">
-              <a14:hiddenFill xmlns:a14="http://schemas.microsoft.com/office/drawing/2010/main" xmlns="">
+              <a14:hiddenFill xmlns="" xmlns:a14="http://schemas.microsoft.com/office/drawing/2010/main">
                 <a:noFill/>
               </a14:hiddenFill>
             </a:ext>
@@ -20137,7 +20225,7 @@
           </a:ln>
           <a:extLst>
             <a:ext uri="{909E8E84-426E-40dd-AFC4-6F175D3DCCD1}">
-              <a14:hiddenFill xmlns:a14="http://schemas.microsoft.com/office/drawing/2010/main" xmlns="">
+              <a14:hiddenFill xmlns="" xmlns:a14="http://schemas.microsoft.com/office/drawing/2010/main">
                 <a:noFill/>
               </a14:hiddenFill>
             </a:ext>
@@ -20178,7 +20266,7 @@
           </a:ln>
           <a:extLst>
             <a:ext uri="{909E8E84-426E-40dd-AFC4-6F175D3DCCD1}">
-              <a14:hiddenFill xmlns:a14="http://schemas.microsoft.com/office/drawing/2010/main" xmlns="">
+              <a14:hiddenFill xmlns="" xmlns:a14="http://schemas.microsoft.com/office/drawing/2010/main">
                 <a:noFill/>
               </a14:hiddenFill>
             </a:ext>
@@ -20221,7 +20309,7 @@
           </a:ln>
           <a:extLst>
             <a:ext uri="{909E8E84-426E-40dd-AFC4-6F175D3DCCD1}">
-              <a14:hiddenFill xmlns:a14="http://schemas.microsoft.com/office/drawing/2010/main" xmlns="">
+              <a14:hiddenFill xmlns="" xmlns:a14="http://schemas.microsoft.com/office/drawing/2010/main">
                 <a:noFill/>
               </a14:hiddenFill>
             </a:ext>
@@ -20256,7 +20344,7 @@
           </a:ln>
           <a:extLst>
             <a:ext uri="{909E8E84-426E-40dd-AFC4-6F175D3DCCD1}">
-              <a14:hiddenFill xmlns:a14="http://schemas.microsoft.com/office/drawing/2010/main" xmlns="">
+              <a14:hiddenFill xmlns="" xmlns:a14="http://schemas.microsoft.com/office/drawing/2010/main">
                 <a:noFill/>
               </a14:hiddenFill>
             </a:ext>
@@ -20292,7 +20380,7 @@
           </a:ln>
           <a:extLst>
             <a:ext uri="{909E8E84-426E-40dd-AFC4-6F175D3DCCD1}">
-              <a14:hiddenFill xmlns:a14="http://schemas.microsoft.com/office/drawing/2010/main" xmlns="">
+              <a14:hiddenFill xmlns="" xmlns:a14="http://schemas.microsoft.com/office/drawing/2010/main">
                 <a:noFill/>
               </a14:hiddenFill>
             </a:ext>
@@ -20327,7 +20415,7 @@
           </a:ln>
           <a:extLst>
             <a:ext uri="{909E8E84-426E-40dd-AFC4-6F175D3DCCD1}">
-              <a14:hiddenFill xmlns:a14="http://schemas.microsoft.com/office/drawing/2010/main" xmlns="">
+              <a14:hiddenFill xmlns="" xmlns:a14="http://schemas.microsoft.com/office/drawing/2010/main">
                 <a:noFill/>
               </a14:hiddenFill>
             </a:ext>
@@ -20377,7 +20465,7 @@
             </a:ln>
             <a:extLst>
               <a:ext uri="{909E8E84-426E-40dd-AFC4-6F175D3DCCD1}">
-                <a14:hiddenFill xmlns:a14="http://schemas.microsoft.com/office/drawing/2010/main" xmlns="">
+                <a14:hiddenFill xmlns="" xmlns:a14="http://schemas.microsoft.com/office/drawing/2010/main">
                   <a:solidFill>
                     <a:srgbClr val="FFFFFF"/>
                   </a:solidFill>
@@ -20422,7 +20510,7 @@
             </a:ln>
             <a:extLst>
               <a:ext uri="{909E8E84-426E-40dd-AFC4-6F175D3DCCD1}">
-                <a14:hiddenFill xmlns:a14="http://schemas.microsoft.com/office/drawing/2010/main" xmlns="">
+                <a14:hiddenFill xmlns="" xmlns:a14="http://schemas.microsoft.com/office/drawing/2010/main">
                   <a:noFill/>
                 </a14:hiddenFill>
               </a:ext>
@@ -20567,7 +20655,7 @@
               </a:ln>
               <a:extLst>
                 <a:ext uri="{909E8E84-426E-40dd-AFC4-6F175D3DCCD1}">
-                  <a14:hiddenFill xmlns:a14="http://schemas.microsoft.com/office/drawing/2010/main" xmlns="">
+                  <a14:hiddenFill xmlns="" xmlns:a14="http://schemas.microsoft.com/office/drawing/2010/main">
                     <a:solidFill>
                       <a:srgbClr val="FFFFFF"/>
                     </a:solidFill>
@@ -20669,7 +20757,7 @@
               </a:ln>
               <a:extLst>
                 <a:ext uri="{909E8E84-426E-40dd-AFC4-6F175D3DCCD1}">
-                  <a14:hiddenFill xmlns:a14="http://schemas.microsoft.com/office/drawing/2010/main" xmlns="">
+                  <a14:hiddenFill xmlns="" xmlns:a14="http://schemas.microsoft.com/office/drawing/2010/main">
                     <a:solidFill>
                       <a:srgbClr val="FFFFFF"/>
                     </a:solidFill>
@@ -20771,7 +20859,7 @@
               </a:ln>
               <a:extLst>
                 <a:ext uri="{909E8E84-426E-40dd-AFC4-6F175D3DCCD1}">
-                  <a14:hiddenFill xmlns:a14="http://schemas.microsoft.com/office/drawing/2010/main" xmlns="">
+                  <a14:hiddenFill xmlns="" xmlns:a14="http://schemas.microsoft.com/office/drawing/2010/main">
                     <a:solidFill>
                       <a:srgbClr val="FFFFFF"/>
                     </a:solidFill>
@@ -20873,7 +20961,7 @@
               </a:ln>
               <a:extLst>
                 <a:ext uri="{909E8E84-426E-40dd-AFC4-6F175D3DCCD1}">
-                  <a14:hiddenFill xmlns:a14="http://schemas.microsoft.com/office/drawing/2010/main" xmlns="">
+                  <a14:hiddenFill xmlns="" xmlns:a14="http://schemas.microsoft.com/office/drawing/2010/main">
                     <a:solidFill>
                       <a:srgbClr val="FFFFFF"/>
                     </a:solidFill>
@@ -20911,14 +20999,14 @@
               </a:ln>
               <a:extLst>
                 <a:ext uri="{909E8E84-426E-40dd-AFC4-6F175D3DCCD1}">
-                  <a14:hiddenFill xmlns:a14="http://schemas.microsoft.com/office/drawing/2010/main" xmlns="">
+                  <a14:hiddenFill xmlns="" xmlns:a14="http://schemas.microsoft.com/office/drawing/2010/main">
                     <a:solidFill>
                       <a:srgbClr val="FFFFFF"/>
                     </a:solidFill>
                   </a14:hiddenFill>
                 </a:ext>
                 <a:ext uri="{91240B29-F687-4f45-9708-019B960494DF}">
-                  <a14:hiddenLine xmlns:a14="http://schemas.microsoft.com/office/drawing/2010/main" xmlns="" w="9525">
+                  <a14:hiddenLine xmlns="" xmlns:a14="http://schemas.microsoft.com/office/drawing/2010/main" w="9525">
                     <a:solidFill>
                       <a:srgbClr val="000000"/>
                     </a:solidFill>
@@ -21072,14 +21160,14 @@
               </a:ln>
               <a:extLst>
                 <a:ext uri="{909E8E84-426E-40dd-AFC4-6F175D3DCCD1}">
-                  <a14:hiddenFill xmlns:a14="http://schemas.microsoft.com/office/drawing/2010/main" xmlns="">
+                  <a14:hiddenFill xmlns="" xmlns:a14="http://schemas.microsoft.com/office/drawing/2010/main">
                     <a:solidFill>
                       <a:srgbClr val="FFFFFF"/>
                     </a:solidFill>
                   </a14:hiddenFill>
                 </a:ext>
                 <a:ext uri="{91240B29-F687-4f45-9708-019B960494DF}">
-                  <a14:hiddenLine xmlns:a14="http://schemas.microsoft.com/office/drawing/2010/main" xmlns="" w="9525">
+                  <a14:hiddenLine xmlns="" xmlns:a14="http://schemas.microsoft.com/office/drawing/2010/main" w="9525">
                     <a:solidFill>
                       <a:srgbClr val="000000"/>
                     </a:solidFill>
@@ -21241,7 +21329,7 @@
               </a:ln>
               <a:extLst>
                 <a:ext uri="{909E8E84-426E-40dd-AFC4-6F175D3DCCD1}">
-                  <a14:hiddenFill xmlns:a14="http://schemas.microsoft.com/office/drawing/2010/main" xmlns="">
+                  <a14:hiddenFill xmlns="" xmlns:a14="http://schemas.microsoft.com/office/drawing/2010/main">
                     <a:noFill/>
                   </a14:hiddenFill>
                 </a:ext>
@@ -21275,7 +21363,7 @@
               </a:ln>
               <a:extLst>
                 <a:ext uri="{909E8E84-426E-40dd-AFC4-6F175D3DCCD1}">
-                  <a14:hiddenFill xmlns:a14="http://schemas.microsoft.com/office/drawing/2010/main" xmlns="">
+                  <a14:hiddenFill xmlns="" xmlns:a14="http://schemas.microsoft.com/office/drawing/2010/main">
                     <a:noFill/>
                   </a14:hiddenFill>
                 </a:ext>
@@ -21343,14 +21431,14 @@
                       <a:effectLst/>
                       <a:extLst>
                         <a:ext uri="{909E8E84-426E-40dd-AFC4-6F175D3DCCD1}">
-                          <a14:hiddenFill xmlns:a14="http://schemas.microsoft.com/office/drawing/2010/main" xmlns="">
+                          <a14:hiddenFill xmlns="" xmlns:a14="http://schemas.microsoft.com/office/drawing/2010/main">
                             <a:solidFill>
                               <a:srgbClr val="FFFFFF"/>
                             </a:solidFill>
                           </a14:hiddenFill>
                         </a:ext>
                         <a:ext uri="{91240B29-F687-4f45-9708-019B960494DF}">
-                          <a14:hiddenLine xmlns:a14="http://schemas.microsoft.com/office/drawing/2010/main" xmlns="" w="9525">
+                          <a14:hiddenLine xmlns="" xmlns:a14="http://schemas.microsoft.com/office/drawing/2010/main" w="9525">
                             <a:solidFill>
                               <a:srgbClr val="000000"/>
                             </a:solidFill>
@@ -21360,7 +21448,7 @@
                           </a14:hiddenLine>
                         </a:ext>
                         <a:ext uri="{AF507438-7753-43e0-B8FC-AC1667EBCBE1}">
-                          <a14:hiddenEffects xmlns:a14="http://schemas.microsoft.com/office/drawing/2010/main" xmlns="">
+                          <a14:hiddenEffects xmlns="" xmlns:a14="http://schemas.microsoft.com/office/drawing/2010/main">
                             <a:effectLst>
                               <a:outerShdw blurRad="63500" dist="38099" dir="2700000" algn="ctr" rotWithShape="0">
                                 <a:srgbClr val="000000">
@@ -21438,14 +21526,14 @@
                       <a:effectLst/>
                       <a:extLst>
                         <a:ext uri="{909E8E84-426E-40dd-AFC4-6F175D3DCCD1}">
-                          <a14:hiddenFill xmlns:a14="http://schemas.microsoft.com/office/drawing/2010/main" xmlns="">
+                          <a14:hiddenFill xmlns="" xmlns:a14="http://schemas.microsoft.com/office/drawing/2010/main">
                             <a:solidFill>
                               <a:srgbClr val="FFFFFF"/>
                             </a:solidFill>
                           </a14:hiddenFill>
                         </a:ext>
                         <a:ext uri="{91240B29-F687-4f45-9708-019B960494DF}">
-                          <a14:hiddenLine xmlns:a14="http://schemas.microsoft.com/office/drawing/2010/main" xmlns="" w="9525">
+                          <a14:hiddenLine xmlns="" xmlns:a14="http://schemas.microsoft.com/office/drawing/2010/main" w="9525">
                             <a:solidFill>
                               <a:srgbClr val="000000"/>
                             </a:solidFill>
@@ -21455,7 +21543,7 @@
                           </a14:hiddenLine>
                         </a:ext>
                         <a:ext uri="{AF507438-7753-43e0-B8FC-AC1667EBCBE1}">
-                          <a14:hiddenEffects xmlns:a14="http://schemas.microsoft.com/office/drawing/2010/main" xmlns="">
+                          <a14:hiddenEffects xmlns="" xmlns:a14="http://schemas.microsoft.com/office/drawing/2010/main">
                             <a:effectLst>
                               <a:outerShdw blurRad="63500" dist="38099" dir="2700000" algn="ctr" rotWithShape="0">
                                 <a:srgbClr val="000000">
@@ -22432,7 +22520,7 @@
           </a:ln>
           <a:extLst>
             <a:ext uri="{909E8E84-426E-40dd-AFC4-6F175D3DCCD1}">
-              <a14:hiddenFill xmlns:a14="http://schemas.microsoft.com/office/drawing/2010/main" xmlns="">
+              <a14:hiddenFill xmlns="" xmlns:a14="http://schemas.microsoft.com/office/drawing/2010/main">
                 <a:solidFill>
                   <a:srgbClr val="FFFFFF"/>
                 </a:solidFill>
@@ -22475,7 +22563,7 @@
           </a:ln>
           <a:extLst>
             <a:ext uri="{909E8E84-426E-40dd-AFC4-6F175D3DCCD1}">
-              <a14:hiddenFill xmlns:a14="http://schemas.microsoft.com/office/drawing/2010/main" xmlns="">
+              <a14:hiddenFill xmlns="" xmlns:a14="http://schemas.microsoft.com/office/drawing/2010/main">
                 <a:noFill/>
               </a14:hiddenFill>
             </a:ext>
@@ -22511,14 +22599,14 @@
           </a:ln>
           <a:extLst>
             <a:ext uri="{909E8E84-426E-40dd-AFC4-6F175D3DCCD1}">
-              <a14:hiddenFill xmlns:a14="http://schemas.microsoft.com/office/drawing/2010/main" xmlns="">
+              <a14:hiddenFill xmlns="" xmlns:a14="http://schemas.microsoft.com/office/drawing/2010/main">
                 <a:solidFill>
                   <a:srgbClr val="FFFFFF"/>
                 </a:solidFill>
               </a14:hiddenFill>
             </a:ext>
             <a:ext uri="{91240B29-F687-4f45-9708-019B960494DF}">
-              <a14:hiddenLine xmlns:a14="http://schemas.microsoft.com/office/drawing/2010/main" xmlns="" w="9525">
+              <a14:hiddenLine xmlns="" xmlns:a14="http://schemas.microsoft.com/office/drawing/2010/main" w="9525">
                 <a:solidFill>
                   <a:srgbClr val="000000"/>
                 </a:solidFill>
@@ -22744,7 +22832,7 @@
           </a:ln>
           <a:extLst>
             <a:ext uri="{909E8E84-426E-40dd-AFC4-6F175D3DCCD1}">
-              <a14:hiddenFill xmlns:a14="http://schemas.microsoft.com/office/drawing/2010/main" xmlns="">
+              <a14:hiddenFill xmlns="" xmlns:a14="http://schemas.microsoft.com/office/drawing/2010/main">
                 <a:solidFill>
                   <a:srgbClr val="FFFFFF"/>
                 </a:solidFill>
@@ -22782,14 +22870,14 @@
           </a:ln>
           <a:extLst>
             <a:ext uri="{909E8E84-426E-40dd-AFC4-6F175D3DCCD1}">
-              <a14:hiddenFill xmlns:a14="http://schemas.microsoft.com/office/drawing/2010/main" xmlns="">
+              <a14:hiddenFill xmlns="" xmlns:a14="http://schemas.microsoft.com/office/drawing/2010/main">
                 <a:solidFill>
                   <a:srgbClr val="FFFFFF"/>
                 </a:solidFill>
               </a14:hiddenFill>
             </a:ext>
             <a:ext uri="{91240B29-F687-4f45-9708-019B960494DF}">
-              <a14:hiddenLine xmlns:a14="http://schemas.microsoft.com/office/drawing/2010/main" xmlns="" w="9525">
+              <a14:hiddenLine xmlns="" xmlns:a14="http://schemas.microsoft.com/office/drawing/2010/main" w="9525">
                 <a:solidFill>
                   <a:srgbClr val="000000"/>
                 </a:solidFill>
@@ -22945,14 +23033,14 @@
           </a:ln>
           <a:extLst>
             <a:ext uri="{909E8E84-426E-40dd-AFC4-6F175D3DCCD1}">
-              <a14:hiddenFill xmlns:a14="http://schemas.microsoft.com/office/drawing/2010/main" xmlns="">
+              <a14:hiddenFill xmlns="" xmlns:a14="http://schemas.microsoft.com/office/drawing/2010/main">
                 <a:solidFill>
                   <a:srgbClr val="FFFFFF"/>
                 </a:solidFill>
               </a14:hiddenFill>
             </a:ext>
             <a:ext uri="{91240B29-F687-4f45-9708-019B960494DF}">
-              <a14:hiddenLine xmlns:a14="http://schemas.microsoft.com/office/drawing/2010/main" xmlns="" w="9525">
+              <a14:hiddenLine xmlns="" xmlns:a14="http://schemas.microsoft.com/office/drawing/2010/main" w="9525">
                 <a:solidFill>
                   <a:srgbClr val="000000"/>
                 </a:solidFill>
@@ -23157,7 +23245,7 @@
           </a:ln>
           <a:extLst>
             <a:ext uri="{909E8E84-426E-40dd-AFC4-6F175D3DCCD1}">
-              <a14:hiddenFill xmlns:a14="http://schemas.microsoft.com/office/drawing/2010/main" xmlns="">
+              <a14:hiddenFill xmlns="" xmlns:a14="http://schemas.microsoft.com/office/drawing/2010/main">
                 <a:solidFill>
                   <a:srgbClr val="FFFFFF"/>
                 </a:solidFill>
@@ -23241,7 +23329,7 @@
           </a:ln>
           <a:extLst>
             <a:ext uri="{909E8E84-426E-40dd-AFC4-6F175D3DCCD1}">
-              <a14:hiddenFill xmlns:a14="http://schemas.microsoft.com/office/drawing/2010/main" xmlns="">
+              <a14:hiddenFill xmlns="" xmlns:a14="http://schemas.microsoft.com/office/drawing/2010/main">
                 <a:solidFill>
                   <a:srgbClr val="FFFFFF"/>
                 </a:solidFill>
@@ -23325,7 +23413,7 @@
           </a:ln>
           <a:extLst>
             <a:ext uri="{909E8E84-426E-40dd-AFC4-6F175D3DCCD1}">
-              <a14:hiddenFill xmlns:a14="http://schemas.microsoft.com/office/drawing/2010/main" xmlns="">
+              <a14:hiddenFill xmlns="" xmlns:a14="http://schemas.microsoft.com/office/drawing/2010/main">
                 <a:solidFill>
                   <a:srgbClr val="FFFFFF"/>
                 </a:solidFill>
@@ -23368,7 +23456,7 @@
           </a:ln>
           <a:extLst>
             <a:ext uri="{909E8E84-426E-40dd-AFC4-6F175D3DCCD1}">
-              <a14:hiddenFill xmlns:a14="http://schemas.microsoft.com/office/drawing/2010/main" xmlns="">
+              <a14:hiddenFill xmlns="" xmlns:a14="http://schemas.microsoft.com/office/drawing/2010/main">
                 <a:noFill/>
               </a14:hiddenFill>
             </a:ext>
@@ -23409,7 +23497,7 @@
           </a:ln>
           <a:extLst>
             <a:ext uri="{909E8E84-426E-40dd-AFC4-6F175D3DCCD1}">
-              <a14:hiddenFill xmlns:a14="http://schemas.microsoft.com/office/drawing/2010/main" xmlns="">
+              <a14:hiddenFill xmlns="" xmlns:a14="http://schemas.microsoft.com/office/drawing/2010/main">
                 <a:noFill/>
               </a14:hiddenFill>
             </a:ext>
@@ -23450,7 +23538,7 @@
           </a:ln>
           <a:extLst>
             <a:ext uri="{909E8E84-426E-40dd-AFC4-6F175D3DCCD1}">
-              <a14:hiddenFill xmlns:a14="http://schemas.microsoft.com/office/drawing/2010/main" xmlns="">
+              <a14:hiddenFill xmlns="" xmlns:a14="http://schemas.microsoft.com/office/drawing/2010/main">
                 <a:noFill/>
               </a14:hiddenFill>
             </a:ext>
@@ -23493,7 +23581,7 @@
           </a:ln>
           <a:extLst>
             <a:ext uri="{909E8E84-426E-40dd-AFC4-6F175D3DCCD1}">
-              <a14:hiddenFill xmlns:a14="http://schemas.microsoft.com/office/drawing/2010/main" xmlns="">
+              <a14:hiddenFill xmlns="" xmlns:a14="http://schemas.microsoft.com/office/drawing/2010/main">
                 <a:noFill/>
               </a14:hiddenFill>
             </a:ext>
@@ -23528,7 +23616,7 @@
           </a:ln>
           <a:extLst>
             <a:ext uri="{909E8E84-426E-40dd-AFC4-6F175D3DCCD1}">
-              <a14:hiddenFill xmlns:a14="http://schemas.microsoft.com/office/drawing/2010/main" xmlns="">
+              <a14:hiddenFill xmlns="" xmlns:a14="http://schemas.microsoft.com/office/drawing/2010/main">
                 <a:noFill/>
               </a14:hiddenFill>
             </a:ext>
@@ -23564,7 +23652,7 @@
           </a:ln>
           <a:extLst>
             <a:ext uri="{909E8E84-426E-40dd-AFC4-6F175D3DCCD1}">
-              <a14:hiddenFill xmlns:a14="http://schemas.microsoft.com/office/drawing/2010/main" xmlns="">
+              <a14:hiddenFill xmlns="" xmlns:a14="http://schemas.microsoft.com/office/drawing/2010/main">
                 <a:noFill/>
               </a14:hiddenFill>
             </a:ext>
@@ -23599,7 +23687,7 @@
           </a:ln>
           <a:extLst>
             <a:ext uri="{909E8E84-426E-40dd-AFC4-6F175D3DCCD1}">
-              <a14:hiddenFill xmlns:a14="http://schemas.microsoft.com/office/drawing/2010/main" xmlns="">
+              <a14:hiddenFill xmlns="" xmlns:a14="http://schemas.microsoft.com/office/drawing/2010/main">
                 <a:noFill/>
               </a14:hiddenFill>
             </a:ext>
@@ -23665,14 +23753,14 @@
                       <a:effectLst/>
                       <a:extLst>
                         <a:ext uri="{909E8E84-426E-40dd-AFC4-6F175D3DCCD1}">
-                          <a14:hiddenFill xmlns:a14="http://schemas.microsoft.com/office/drawing/2010/main" xmlns="">
+                          <a14:hiddenFill xmlns="" xmlns:a14="http://schemas.microsoft.com/office/drawing/2010/main">
                             <a:solidFill>
                               <a:srgbClr val="FFFFFF"/>
                             </a:solidFill>
                           </a14:hiddenFill>
                         </a:ext>
                         <a:ext uri="{91240B29-F687-4f45-9708-019B960494DF}">
-                          <a14:hiddenLine xmlns:a14="http://schemas.microsoft.com/office/drawing/2010/main" xmlns="" w="9525">
+                          <a14:hiddenLine xmlns="" xmlns:a14="http://schemas.microsoft.com/office/drawing/2010/main" w="9525">
                             <a:solidFill>
                               <a:srgbClr val="000000"/>
                             </a:solidFill>
@@ -23682,7 +23770,7 @@
                           </a14:hiddenLine>
                         </a:ext>
                         <a:ext uri="{AF507438-7753-43e0-B8FC-AC1667EBCBE1}">
-                          <a14:hiddenEffects xmlns:a14="http://schemas.microsoft.com/office/drawing/2010/main" xmlns="">
+                          <a14:hiddenEffects xmlns="" xmlns:a14="http://schemas.microsoft.com/office/drawing/2010/main">
                             <a:effectLst>
                               <a:outerShdw blurRad="63500" dist="38099" dir="2700000" algn="ctr" rotWithShape="0">
                                 <a:srgbClr val="000000">
@@ -23760,14 +23848,14 @@
                       <a:effectLst/>
                       <a:extLst>
                         <a:ext uri="{909E8E84-426E-40dd-AFC4-6F175D3DCCD1}">
-                          <a14:hiddenFill xmlns:a14="http://schemas.microsoft.com/office/drawing/2010/main" xmlns="">
+                          <a14:hiddenFill xmlns="" xmlns:a14="http://schemas.microsoft.com/office/drawing/2010/main">
                             <a:solidFill>
                               <a:srgbClr val="FFFFFF"/>
                             </a:solidFill>
                           </a14:hiddenFill>
                         </a:ext>
                         <a:ext uri="{91240B29-F687-4f45-9708-019B960494DF}">
-                          <a14:hiddenLine xmlns:a14="http://schemas.microsoft.com/office/drawing/2010/main" xmlns="" w="9525">
+                          <a14:hiddenLine xmlns="" xmlns:a14="http://schemas.microsoft.com/office/drawing/2010/main" w="9525">
                             <a:solidFill>
                               <a:srgbClr val="000000"/>
                             </a:solidFill>
@@ -23777,7 +23865,7 @@
                           </a14:hiddenLine>
                         </a:ext>
                         <a:ext uri="{AF507438-7753-43e0-B8FC-AC1667EBCBE1}">
-                          <a14:hiddenEffects xmlns:a14="http://schemas.microsoft.com/office/drawing/2010/main" xmlns="">
+                          <a14:hiddenEffects xmlns="" xmlns:a14="http://schemas.microsoft.com/office/drawing/2010/main">
                             <a:effectLst>
                               <a:outerShdw blurRad="63500" dist="38099" dir="2700000" algn="ctr" rotWithShape="0">
                                 <a:srgbClr val="000000">
@@ -24449,12 +24537,12 @@
             <a:effectLst/>
             <a:extLst>
               <a:ext uri="{909E8E84-426E-40dd-AFC4-6F175D3DCCD1}">
-                <a14:hiddenFill xmlns:a14="http://schemas.microsoft.com/office/drawing/2010/main" xmlns="">
+                <a14:hiddenFill xmlns="" xmlns:a14="http://schemas.microsoft.com/office/drawing/2010/main">
                   <a:noFill/>
                 </a14:hiddenFill>
               </a:ext>
               <a:ext uri="{AF507438-7753-43e0-B8FC-AC1667EBCBE1}">
-                <a14:hiddenEffects xmlns:a14="http://schemas.microsoft.com/office/drawing/2010/main" xmlns="">
+                <a14:hiddenEffects xmlns="" xmlns:a14="http://schemas.microsoft.com/office/drawing/2010/main">
                   <a:effectLst>
                     <a:outerShdw blurRad="63500" dist="38099" dir="2700000" algn="ctr" rotWithShape="0">
                       <a:schemeClr val="bg2">
@@ -24497,14 +24585,14 @@
             <a:effectLst/>
             <a:extLst>
               <a:ext uri="{909E8E84-426E-40dd-AFC4-6F175D3DCCD1}">
-                <a14:hiddenFill xmlns:a14="http://schemas.microsoft.com/office/drawing/2010/main" xmlns="">
+                <a14:hiddenFill xmlns="" xmlns:a14="http://schemas.microsoft.com/office/drawing/2010/main">
                   <a:solidFill>
                     <a:schemeClr val="accent1"/>
                   </a:solidFill>
                 </a14:hiddenFill>
               </a:ext>
               <a:ext uri="{91240B29-F687-4f45-9708-019B960494DF}">
-                <a14:hiddenLine xmlns:a14="http://schemas.microsoft.com/office/drawing/2010/main" xmlns="" w="9525">
+                <a14:hiddenLine xmlns="" xmlns:a14="http://schemas.microsoft.com/office/drawing/2010/main" w="9525">
                   <a:solidFill>
                     <a:schemeClr val="tx1"/>
                   </a:solidFill>
@@ -24514,7 +24602,7 @@
                 </a14:hiddenLine>
               </a:ext>
               <a:ext uri="{AF507438-7753-43e0-B8FC-AC1667EBCBE1}">
-                <a14:hiddenEffects xmlns:a14="http://schemas.microsoft.com/office/drawing/2010/main" xmlns="">
+                <a14:hiddenEffects xmlns="" xmlns:a14="http://schemas.microsoft.com/office/drawing/2010/main">
                   <a:effectLst>
                     <a:outerShdw blurRad="63500" dist="38099" dir="2700000" algn="ctr" rotWithShape="0">
                       <a:schemeClr val="bg2">
@@ -24567,7 +24655,7 @@
             <a:effectLst/>
             <a:extLst>
               <a:ext uri="{AF507438-7753-43e0-B8FC-AC1667EBCBE1}">
-                <a14:hiddenEffects xmlns:a14="http://schemas.microsoft.com/office/drawing/2010/main" xmlns="">
+                <a14:hiddenEffects xmlns="" xmlns:a14="http://schemas.microsoft.com/office/drawing/2010/main">
                   <a:effectLst>
                     <a:outerShdw blurRad="63500" dist="38099" dir="2700000" algn="ctr" rotWithShape="0">
                       <a:schemeClr val="bg2">
@@ -24623,7 +24711,7 @@
             <a:effectLst/>
             <a:extLst>
               <a:ext uri="{AF507438-7753-43e0-B8FC-AC1667EBCBE1}">
-                <a14:hiddenEffects xmlns:a14="http://schemas.microsoft.com/office/drawing/2010/main" xmlns="">
+                <a14:hiddenEffects xmlns="" xmlns:a14="http://schemas.microsoft.com/office/drawing/2010/main">
                   <a:effectLst>
                     <a:outerShdw blurRad="63500" dist="38099" dir="2700000" algn="ctr" rotWithShape="0">
                       <a:schemeClr val="bg2">
@@ -24679,7 +24767,7 @@
             <a:effectLst/>
             <a:extLst>
               <a:ext uri="{AF507438-7753-43e0-B8FC-AC1667EBCBE1}">
-                <a14:hiddenEffects xmlns:a14="http://schemas.microsoft.com/office/drawing/2010/main" xmlns="">
+                <a14:hiddenEffects xmlns="" xmlns:a14="http://schemas.microsoft.com/office/drawing/2010/main">
                   <a:effectLst>
                     <a:outerShdw blurRad="63500" dist="38099" dir="2700000" algn="ctr" rotWithShape="0">
                       <a:schemeClr val="bg2">
@@ -24735,7 +24823,7 @@
             <a:effectLst/>
             <a:extLst>
               <a:ext uri="{AF507438-7753-43e0-B8FC-AC1667EBCBE1}">
-                <a14:hiddenEffects xmlns:a14="http://schemas.microsoft.com/office/drawing/2010/main" xmlns="">
+                <a14:hiddenEffects xmlns="" xmlns:a14="http://schemas.microsoft.com/office/drawing/2010/main">
                   <a:effectLst>
                     <a:outerShdw blurRad="63500" dist="38099" dir="2700000" algn="ctr" rotWithShape="0">
                       <a:schemeClr val="bg2">
@@ -24790,12 +24878,12 @@
             <a:effectLst/>
             <a:extLst>
               <a:ext uri="{909E8E84-426E-40dd-AFC4-6F175D3DCCD1}">
-                <a14:hiddenFill xmlns:a14="http://schemas.microsoft.com/office/drawing/2010/main" xmlns="">
+                <a14:hiddenFill xmlns="" xmlns:a14="http://schemas.microsoft.com/office/drawing/2010/main">
                   <a:noFill/>
                 </a14:hiddenFill>
               </a:ext>
               <a:ext uri="{AF507438-7753-43e0-B8FC-AC1667EBCBE1}">
-                <a14:hiddenEffects xmlns:a14="http://schemas.microsoft.com/office/drawing/2010/main" xmlns="">
+                <a14:hiddenEffects xmlns="" xmlns:a14="http://schemas.microsoft.com/office/drawing/2010/main">
                   <a:effectLst>
                     <a:outerShdw blurRad="63500" dist="38099" dir="2700000" algn="ctr" rotWithShape="0">
                       <a:schemeClr val="bg2">
@@ -24852,14 +24940,14 @@
           <a:effectLst/>
           <a:extLst>
             <a:ext uri="{909E8E84-426E-40dd-AFC4-6F175D3DCCD1}">
-              <a14:hiddenFill xmlns:a14="http://schemas.microsoft.com/office/drawing/2010/main" xmlns="">
+              <a14:hiddenFill xmlns="" xmlns:a14="http://schemas.microsoft.com/office/drawing/2010/main">
                 <a:solidFill>
                   <a:schemeClr val="accent1"/>
                 </a:solidFill>
               </a14:hiddenFill>
             </a:ext>
             <a:ext uri="{91240B29-F687-4f45-9708-019B960494DF}">
-              <a14:hiddenLine xmlns:a14="http://schemas.microsoft.com/office/drawing/2010/main" xmlns="" w="9525">
+              <a14:hiddenLine xmlns="" xmlns:a14="http://schemas.microsoft.com/office/drawing/2010/main" w="9525">
                 <a:solidFill>
                   <a:schemeClr val="tx1"/>
                 </a:solidFill>
@@ -24869,7 +24957,7 @@
               </a14:hiddenLine>
             </a:ext>
             <a:ext uri="{AF507438-7753-43e0-B8FC-AC1667EBCBE1}">
-              <a14:hiddenEffects xmlns:a14="http://schemas.microsoft.com/office/drawing/2010/main" xmlns="">
+              <a14:hiddenEffects xmlns="" xmlns:a14="http://schemas.microsoft.com/office/drawing/2010/main">
                 <a:effectLst>
                   <a:outerShdw blurRad="63500" dist="38099" dir="2700000" algn="ctr" rotWithShape="0">
                     <a:schemeClr val="bg2">
@@ -24918,14 +25006,14 @@
           <a:effectLst/>
           <a:extLst>
             <a:ext uri="{909E8E84-426E-40dd-AFC4-6F175D3DCCD1}">
-              <a14:hiddenFill xmlns:a14="http://schemas.microsoft.com/office/drawing/2010/main" xmlns="">
+              <a14:hiddenFill xmlns="" xmlns:a14="http://schemas.microsoft.com/office/drawing/2010/main">
                 <a:solidFill>
                   <a:schemeClr val="accent1"/>
                 </a:solidFill>
               </a14:hiddenFill>
             </a:ext>
             <a:ext uri="{91240B29-F687-4f45-9708-019B960494DF}">
-              <a14:hiddenLine xmlns:a14="http://schemas.microsoft.com/office/drawing/2010/main" xmlns="" w="9525">
+              <a14:hiddenLine xmlns="" xmlns:a14="http://schemas.microsoft.com/office/drawing/2010/main" w="9525">
                 <a:solidFill>
                   <a:schemeClr val="tx1"/>
                 </a:solidFill>
@@ -24935,7 +25023,7 @@
               </a14:hiddenLine>
             </a:ext>
             <a:ext uri="{AF507438-7753-43e0-B8FC-AC1667EBCBE1}">
-              <a14:hiddenEffects xmlns:a14="http://schemas.microsoft.com/office/drawing/2010/main" xmlns="">
+              <a14:hiddenEffects xmlns="" xmlns:a14="http://schemas.microsoft.com/office/drawing/2010/main">
                 <a:effectLst>
                   <a:outerShdw blurRad="63500" dist="38099" dir="2700000" algn="ctr" rotWithShape="0">
                     <a:schemeClr val="bg2">
@@ -27728,66 +27816,78 @@
           <a:lstStyle/>
           <a:p>
             <a:r>
-              <a:rPr lang="en-US"/>
+              <a:rPr lang="en-US" dirty="0"/>
               <a:t>50% of flows have &lt; 1500B to send; 80% &lt; 100KB</a:t>
             </a:r>
           </a:p>
           <a:p>
+            <a:r>
+              <a:rPr lang="en-US" dirty="0">
+                <a:sym typeface="Wingdings"/>
+              </a:rPr>
+              <a:t>Implications </a:t>
+            </a:r>
+          </a:p>
+          <a:p>
+            <a:pPr lvl="1"/>
+            <a:r>
+              <a:rPr lang="en-US" dirty="0">
+                <a:sym typeface="Wingdings"/>
+              </a:rPr>
+              <a:t>Short flows never leave slow start!</a:t>
+            </a:r>
+          </a:p>
+          <a:p>
+            <a:pPr lvl="2"/>
+            <a:r>
+              <a:rPr lang="en-US" dirty="0">
+                <a:sym typeface="Wingdings"/>
+              </a:rPr>
+              <a:t>They never attain their fair share</a:t>
+            </a:r>
+          </a:p>
+          <a:p>
+            <a:pPr lvl="1"/>
+            <a:r>
+              <a:rPr lang="en-US" dirty="0">
+                <a:sym typeface="Wingdings"/>
+              </a:rPr>
+              <a:t>Too few packets to trigger </a:t>
+            </a:r>
+            <a:r>
+              <a:rPr lang="en-US" dirty="0" err="1">
+                <a:sym typeface="Wingdings"/>
+              </a:rPr>
+              <a:t>dupACKs</a:t>
+            </a:r>
+            <a:r>
+              <a:rPr lang="en-US" dirty="0">
+                <a:sym typeface="Wingdings"/>
+              </a:rPr>
+              <a:t> </a:t>
+            </a:r>
+          </a:p>
+          <a:p>
+            <a:pPr lvl="2"/>
+            <a:r>
+              <a:rPr lang="en-US" dirty="0">
+                <a:sym typeface="Wingdings"/>
+              </a:rPr>
+              <a:t>Isolated loss may lead to timeouts</a:t>
+            </a:r>
+          </a:p>
+          <a:p>
+            <a:pPr lvl="2"/>
             <a:r>
               <a:rPr lang="en-US">
                 <a:sym typeface="Wingdings"/>
               </a:rPr>
-              <a:t>Implications </a:t>
+              <a:t>At typical timeout values of ~500ms, might severely impact flow completion time</a:t>
             </a:r>
           </a:p>
           <a:p>
             <a:pPr lvl="1"/>
-            <a:r>
-              <a:rPr lang="en-US">
-                <a:sym typeface="Wingdings"/>
-              </a:rPr>
-              <a:t>Short flows never leave slow start!</a:t>
-            </a:r>
-          </a:p>
-          <a:p>
-            <a:pPr lvl="2"/>
-            <a:r>
-              <a:rPr lang="en-US">
-                <a:sym typeface="Wingdings"/>
-              </a:rPr>
-              <a:t>They never attain their fair share</a:t>
-            </a:r>
-          </a:p>
-          <a:p>
-            <a:pPr lvl="1"/>
-            <a:r>
-              <a:rPr lang="en-US">
-                <a:sym typeface="Wingdings"/>
-              </a:rPr>
-              <a:t>Too few packets to trigger dupACKs </a:t>
-            </a:r>
-          </a:p>
-          <a:p>
-            <a:pPr lvl="2"/>
-            <a:r>
-              <a:rPr lang="en-US">
-                <a:sym typeface="Wingdings"/>
-              </a:rPr>
-              <a:t>Isolated loss may lead to timeouts</a:t>
-            </a:r>
-          </a:p>
-          <a:p>
-            <a:pPr lvl="2"/>
-            <a:r>
-              <a:rPr lang="en-US">
-                <a:sym typeface="Wingdings"/>
-              </a:rPr>
-              <a:t>At  typical timeout values of ~500ms, might severely impact flow completion time</a:t>
-            </a:r>
-          </a:p>
-          <a:p>
-            <a:pPr lvl="1"/>
-            <a:endParaRPr lang="en-US">
+            <a:endParaRPr lang="en-US" dirty="0">
               <a:sym typeface="Wingdings"/>
             </a:endParaRPr>
           </a:p>
@@ -29140,14 +29240,14 @@
           </a:ln>
           <a:extLst>
             <a:ext uri="{909E8E84-426E-40dd-AFC4-6F175D3DCCD1}">
-              <a14:hiddenFill xmlns:a14="http://schemas.microsoft.com/office/drawing/2010/main" xmlns="">
+              <a14:hiddenFill xmlns="" xmlns:a14="http://schemas.microsoft.com/office/drawing/2010/main">
                 <a:solidFill>
                   <a:srgbClr val="FFFFFF"/>
                 </a:solidFill>
               </a14:hiddenFill>
             </a:ext>
             <a:ext uri="{91240B29-F687-4f45-9708-019B960494DF}">
-              <a14:hiddenLine xmlns:a14="http://schemas.microsoft.com/office/drawing/2010/main" xmlns="" w="9525">
+              <a14:hiddenLine xmlns="" xmlns:a14="http://schemas.microsoft.com/office/drawing/2010/main" w="9525">
                 <a:solidFill>
                   <a:srgbClr val="000000"/>
                 </a:solidFill>
@@ -29212,7 +29312,7 @@
             <a:effectLst/>
             <a:extLst>
               <a:ext uri="{AF507438-7753-43e0-B8FC-AC1667EBCBE1}">
-                <a14:hiddenEffects xmlns:a14="http://schemas.microsoft.com/office/drawing/2010/main" xmlns="">
+                <a14:hiddenEffects xmlns="" xmlns:a14="http://schemas.microsoft.com/office/drawing/2010/main">
                   <a:effectLst>
                     <a:outerShdw blurRad="63500" dist="38099" dir="2700000" algn="ctr" rotWithShape="0">
                       <a:schemeClr val="bg2">
@@ -29271,7 +29371,7 @@
             <a:effectLst/>
             <a:extLst>
               <a:ext uri="{AF507438-7753-43e0-B8FC-AC1667EBCBE1}">
-                <a14:hiddenEffects xmlns:a14="http://schemas.microsoft.com/office/drawing/2010/main" xmlns="">
+                <a14:hiddenEffects xmlns="" xmlns:a14="http://schemas.microsoft.com/office/drawing/2010/main">
                   <a:effectLst>
                     <a:outerShdw blurRad="63500" dist="38099" dir="2700000" algn="ctr" rotWithShape="0">
                       <a:schemeClr val="bg2">
@@ -29326,7 +29426,7 @@
             <a:effectLst/>
             <a:extLst>
               <a:ext uri="{AF507438-7753-43e0-B8FC-AC1667EBCBE1}">
-                <a14:hiddenEffects xmlns:a14="http://schemas.microsoft.com/office/drawing/2010/main" xmlns="">
+                <a14:hiddenEffects xmlns="" xmlns:a14="http://schemas.microsoft.com/office/drawing/2010/main">
                   <a:effectLst>
                     <a:outerShdw blurRad="63500" dist="38099" dir="2700000" algn="ctr" rotWithShape="0">
                       <a:schemeClr val="bg2">
@@ -29383,12 +29483,12 @@
             <a:effectLst/>
             <a:extLst>
               <a:ext uri="{909E8E84-426E-40dd-AFC4-6F175D3DCCD1}">
-                <a14:hiddenFill xmlns:a14="http://schemas.microsoft.com/office/drawing/2010/main" xmlns="">
+                <a14:hiddenFill xmlns="" xmlns:a14="http://schemas.microsoft.com/office/drawing/2010/main">
                   <a:noFill/>
                 </a14:hiddenFill>
               </a:ext>
               <a:ext uri="{AF507438-7753-43e0-B8FC-AC1667EBCBE1}">
-                <a14:hiddenEffects xmlns:a14="http://schemas.microsoft.com/office/drawing/2010/main" xmlns="">
+                <a14:hiddenEffects xmlns="" xmlns:a14="http://schemas.microsoft.com/office/drawing/2010/main">
                   <a:effectLst>
                     <a:outerShdw blurRad="63500" dist="38099" dir="2700000" algn="ctr" rotWithShape="0">
                       <a:schemeClr val="bg2">
@@ -29441,12 +29541,12 @@
             <a:effectLst/>
             <a:extLst>
               <a:ext uri="{909E8E84-426E-40dd-AFC4-6F175D3DCCD1}">
-                <a14:hiddenFill xmlns:a14="http://schemas.microsoft.com/office/drawing/2010/main" xmlns="">
+                <a14:hiddenFill xmlns="" xmlns:a14="http://schemas.microsoft.com/office/drawing/2010/main">
                   <a:noFill/>
                 </a14:hiddenFill>
               </a:ext>
               <a:ext uri="{AF507438-7753-43e0-B8FC-AC1667EBCBE1}">
-                <a14:hiddenEffects xmlns:a14="http://schemas.microsoft.com/office/drawing/2010/main" xmlns="">
+                <a14:hiddenEffects xmlns="" xmlns:a14="http://schemas.microsoft.com/office/drawing/2010/main">
                   <a:effectLst>
                     <a:outerShdw blurRad="63500" dist="38099" dir="2700000" algn="ctr" rotWithShape="0">
                       <a:schemeClr val="bg2">
@@ -29494,14 +29594,14 @@
             <a:effectLst/>
             <a:extLst>
               <a:ext uri="{909E8E84-426E-40dd-AFC4-6F175D3DCCD1}">
-                <a14:hiddenFill xmlns:a14="http://schemas.microsoft.com/office/drawing/2010/main" xmlns="">
+                <a14:hiddenFill xmlns="" xmlns:a14="http://schemas.microsoft.com/office/drawing/2010/main">
                   <a:solidFill>
                     <a:schemeClr val="accent1"/>
                   </a:solidFill>
                 </a14:hiddenFill>
               </a:ext>
               <a:ext uri="{91240B29-F687-4f45-9708-019B960494DF}">
-                <a14:hiddenLine xmlns:a14="http://schemas.microsoft.com/office/drawing/2010/main" xmlns="" w="9525">
+                <a14:hiddenLine xmlns="" xmlns:a14="http://schemas.microsoft.com/office/drawing/2010/main" w="9525">
                   <a:solidFill>
                     <a:schemeClr val="tx1"/>
                   </a:solidFill>
@@ -29511,7 +29611,7 @@
                 </a14:hiddenLine>
               </a:ext>
               <a:ext uri="{AF507438-7753-43e0-B8FC-AC1667EBCBE1}">
-                <a14:hiddenEffects xmlns:a14="http://schemas.microsoft.com/office/drawing/2010/main" xmlns="">
+                <a14:hiddenEffects xmlns="" xmlns:a14="http://schemas.microsoft.com/office/drawing/2010/main">
                   <a:effectLst>
                     <a:outerShdw blurRad="63500" dist="38099" dir="2700000" algn="ctr" rotWithShape="0">
                       <a:schemeClr val="bg2">
@@ -29666,14 +29766,14 @@
             <a:effectLst/>
             <a:extLst>
               <a:ext uri="{909E8E84-426E-40dd-AFC4-6F175D3DCCD1}">
-                <a14:hiddenFill xmlns:a14="http://schemas.microsoft.com/office/drawing/2010/main" xmlns="">
+                <a14:hiddenFill xmlns="" xmlns:a14="http://schemas.microsoft.com/office/drawing/2010/main">
                   <a:solidFill>
                     <a:schemeClr val="accent1"/>
                   </a:solidFill>
                 </a14:hiddenFill>
               </a:ext>
               <a:ext uri="{91240B29-F687-4f45-9708-019B960494DF}">
-                <a14:hiddenLine xmlns:a14="http://schemas.microsoft.com/office/drawing/2010/main" xmlns="" w="9525">
+                <a14:hiddenLine xmlns="" xmlns:a14="http://schemas.microsoft.com/office/drawing/2010/main" w="9525">
                   <a:solidFill>
                     <a:schemeClr val="tx1"/>
                   </a:solidFill>
@@ -29683,7 +29783,7 @@
                 </a14:hiddenLine>
               </a:ext>
               <a:ext uri="{AF507438-7753-43e0-B8FC-AC1667EBCBE1}">
-                <a14:hiddenEffects xmlns:a14="http://schemas.microsoft.com/office/drawing/2010/main" xmlns="">
+                <a14:hiddenEffects xmlns="" xmlns:a14="http://schemas.microsoft.com/office/drawing/2010/main">
                   <a:effectLst>
                     <a:outerShdw blurRad="63500" dist="38099" dir="2700000" algn="ctr" rotWithShape="0">
                       <a:schemeClr val="bg2">
@@ -29851,7 +29951,7 @@
             <a:effectLst/>
             <a:extLst>
               <a:ext uri="{AF507438-7753-43e0-B8FC-AC1667EBCBE1}">
-                <a14:hiddenEffects xmlns:a14="http://schemas.microsoft.com/office/drawing/2010/main" xmlns="">
+                <a14:hiddenEffects xmlns="" xmlns:a14="http://schemas.microsoft.com/office/drawing/2010/main">
                   <a:effectLst>
                     <a:outerShdw blurRad="63500" dist="38099" dir="2700000" algn="ctr" rotWithShape="0">
                       <a:schemeClr val="bg2">
@@ -29910,7 +30010,7 @@
             <a:effectLst/>
             <a:extLst>
               <a:ext uri="{AF507438-7753-43e0-B8FC-AC1667EBCBE1}">
-                <a14:hiddenEffects xmlns:a14="http://schemas.microsoft.com/office/drawing/2010/main" xmlns="">
+                <a14:hiddenEffects xmlns="" xmlns:a14="http://schemas.microsoft.com/office/drawing/2010/main">
                   <a:effectLst>
                     <a:outerShdw blurRad="63500" dist="38099" dir="2700000" algn="ctr" rotWithShape="0">
                       <a:schemeClr val="bg2">
@@ -29967,12 +30067,12 @@
             <a:effectLst/>
             <a:extLst>
               <a:ext uri="{909E8E84-426E-40dd-AFC4-6F175D3DCCD1}">
-                <a14:hiddenFill xmlns:a14="http://schemas.microsoft.com/office/drawing/2010/main" xmlns="">
+                <a14:hiddenFill xmlns="" xmlns:a14="http://schemas.microsoft.com/office/drawing/2010/main">
                   <a:noFill/>
                 </a14:hiddenFill>
               </a:ext>
               <a:ext uri="{AF507438-7753-43e0-B8FC-AC1667EBCBE1}">
-                <a14:hiddenEffects xmlns:a14="http://schemas.microsoft.com/office/drawing/2010/main" xmlns="">
+                <a14:hiddenEffects xmlns="" xmlns:a14="http://schemas.microsoft.com/office/drawing/2010/main">
                   <a:effectLst>
                     <a:outerShdw blurRad="63500" dist="38099" dir="2700000" algn="ctr" rotWithShape="0">
                       <a:schemeClr val="bg2">
@@ -30025,12 +30125,12 @@
             <a:effectLst/>
             <a:extLst>
               <a:ext uri="{909E8E84-426E-40dd-AFC4-6F175D3DCCD1}">
-                <a14:hiddenFill xmlns:a14="http://schemas.microsoft.com/office/drawing/2010/main" xmlns="">
+                <a14:hiddenFill xmlns="" xmlns:a14="http://schemas.microsoft.com/office/drawing/2010/main">
                   <a:noFill/>
                 </a14:hiddenFill>
               </a:ext>
               <a:ext uri="{AF507438-7753-43e0-B8FC-AC1667EBCBE1}">
-                <a14:hiddenEffects xmlns:a14="http://schemas.microsoft.com/office/drawing/2010/main" xmlns="">
+                <a14:hiddenEffects xmlns="" xmlns:a14="http://schemas.microsoft.com/office/drawing/2010/main">
                   <a:effectLst>
                     <a:outerShdw blurRad="63500" dist="38099" dir="2700000" algn="ctr" rotWithShape="0">
                       <a:schemeClr val="bg2">
@@ -30078,14 +30178,14 @@
             <a:effectLst/>
             <a:extLst>
               <a:ext uri="{909E8E84-426E-40dd-AFC4-6F175D3DCCD1}">
-                <a14:hiddenFill xmlns:a14="http://schemas.microsoft.com/office/drawing/2010/main" xmlns="">
+                <a14:hiddenFill xmlns="" xmlns:a14="http://schemas.microsoft.com/office/drawing/2010/main">
                   <a:solidFill>
                     <a:schemeClr val="accent1"/>
                   </a:solidFill>
                 </a14:hiddenFill>
               </a:ext>
               <a:ext uri="{91240B29-F687-4f45-9708-019B960494DF}">
-                <a14:hiddenLine xmlns:a14="http://schemas.microsoft.com/office/drawing/2010/main" xmlns="" w="9525">
+                <a14:hiddenLine xmlns="" xmlns:a14="http://schemas.microsoft.com/office/drawing/2010/main" w="9525">
                   <a:solidFill>
                     <a:schemeClr val="tx1"/>
                   </a:solidFill>
@@ -30095,7 +30195,7 @@
                 </a14:hiddenLine>
               </a:ext>
               <a:ext uri="{AF507438-7753-43e0-B8FC-AC1667EBCBE1}">
-                <a14:hiddenEffects xmlns:a14="http://schemas.microsoft.com/office/drawing/2010/main" xmlns="">
+                <a14:hiddenEffects xmlns="" xmlns:a14="http://schemas.microsoft.com/office/drawing/2010/main">
                   <a:effectLst>
                     <a:outerShdw blurRad="63500" dist="38099" dir="2700000" algn="ctr" rotWithShape="0">
                       <a:schemeClr val="bg2">
@@ -30250,14 +30350,14 @@
             <a:effectLst/>
             <a:extLst>
               <a:ext uri="{909E8E84-426E-40dd-AFC4-6F175D3DCCD1}">
-                <a14:hiddenFill xmlns:a14="http://schemas.microsoft.com/office/drawing/2010/main" xmlns="">
+                <a14:hiddenFill xmlns="" xmlns:a14="http://schemas.microsoft.com/office/drawing/2010/main">
                   <a:solidFill>
                     <a:schemeClr val="accent1"/>
                   </a:solidFill>
                 </a14:hiddenFill>
               </a:ext>
               <a:ext uri="{91240B29-F687-4f45-9708-019B960494DF}">
-                <a14:hiddenLine xmlns:a14="http://schemas.microsoft.com/office/drawing/2010/main" xmlns="" w="9525">
+                <a14:hiddenLine xmlns="" xmlns:a14="http://schemas.microsoft.com/office/drawing/2010/main" w="9525">
                   <a:solidFill>
                     <a:schemeClr val="tx1"/>
                   </a:solidFill>
@@ -30267,7 +30367,7 @@
                 </a14:hiddenLine>
               </a:ext>
               <a:ext uri="{AF507438-7753-43e0-B8FC-AC1667EBCBE1}">
-                <a14:hiddenEffects xmlns:a14="http://schemas.microsoft.com/office/drawing/2010/main" xmlns="">
+                <a14:hiddenEffects xmlns="" xmlns:a14="http://schemas.microsoft.com/office/drawing/2010/main">
                   <a:effectLst>
                     <a:outerShdw blurRad="63500" dist="38099" dir="2700000" algn="ctr" rotWithShape="0">
                       <a:schemeClr val="bg2">
@@ -32599,20 +32699,12 @@
           </a:p>
           <a:p>
             <a:r>
-              <a:rPr lang="en-US">
-                <a:solidFill>
-                  <a:srgbClr val="0000FF"/>
-                </a:solidFill>
-              </a:rPr>
-              <a:t>Next: </a:t>
-            </a:r>
-            <a:r>
               <a:rPr lang="en-US" dirty="0">
                 <a:solidFill>
                   <a:srgbClr val="0000FF"/>
                 </a:solidFill>
               </a:rPr>
-              <a:t>The Network Layer</a:t>
+              <a:t>Next: The Network Layer</a:t>
             </a:r>
           </a:p>
           <a:p>
@@ -35098,7 +35190,7 @@
           </a:ln>
           <a:extLst>
             <a:ext uri="{909E8E84-426E-40dd-AFC4-6F175D3DCCD1}">
-              <a14:hiddenFill xmlns:a14="http://schemas.microsoft.com/office/drawing/2010/main" xmlns="">
+              <a14:hiddenFill xmlns="" xmlns:a14="http://schemas.microsoft.com/office/drawing/2010/main">
                 <a:solidFill>
                   <a:srgbClr val="FFFFFF"/>
                 </a:solidFill>
@@ -35208,7 +35300,7 @@
           </a:ln>
           <a:extLst>
             <a:ext uri="{909E8E84-426E-40dd-AFC4-6F175D3DCCD1}">
-              <a14:hiddenFill xmlns:a14="http://schemas.microsoft.com/office/drawing/2010/main" xmlns="">
+              <a14:hiddenFill xmlns="" xmlns:a14="http://schemas.microsoft.com/office/drawing/2010/main">
                 <a:solidFill>
                   <a:srgbClr val="FFFFFF"/>
                 </a:solidFill>
@@ -35246,14 +35338,14 @@
           </a:ln>
           <a:extLst>
             <a:ext uri="{909E8E84-426E-40dd-AFC4-6F175D3DCCD1}">
-              <a14:hiddenFill xmlns:a14="http://schemas.microsoft.com/office/drawing/2010/main" xmlns="">
+              <a14:hiddenFill xmlns="" xmlns:a14="http://schemas.microsoft.com/office/drawing/2010/main">
                 <a:solidFill>
                   <a:srgbClr val="FFFFFF"/>
                 </a:solidFill>
               </a14:hiddenFill>
             </a:ext>
             <a:ext uri="{91240B29-F687-4f45-9708-019B960494DF}">
-              <a14:hiddenLine xmlns:a14="http://schemas.microsoft.com/office/drawing/2010/main" xmlns="" w="9525">
+              <a14:hiddenLine xmlns="" xmlns:a14="http://schemas.microsoft.com/office/drawing/2010/main" w="9525">
                 <a:solidFill>
                   <a:srgbClr val="000000"/>
                 </a:solidFill>
@@ -35409,14 +35501,14 @@
           </a:ln>
           <a:extLst>
             <a:ext uri="{909E8E84-426E-40dd-AFC4-6F175D3DCCD1}">
-              <a14:hiddenFill xmlns:a14="http://schemas.microsoft.com/office/drawing/2010/main" xmlns="">
+              <a14:hiddenFill xmlns="" xmlns:a14="http://schemas.microsoft.com/office/drawing/2010/main">
                 <a:solidFill>
                   <a:srgbClr val="FFFFFF"/>
                 </a:solidFill>
               </a14:hiddenFill>
             </a:ext>
             <a:ext uri="{91240B29-F687-4f45-9708-019B960494DF}">
-              <a14:hiddenLine xmlns:a14="http://schemas.microsoft.com/office/drawing/2010/main" xmlns="" w="9525">
+              <a14:hiddenLine xmlns="" xmlns:a14="http://schemas.microsoft.com/office/drawing/2010/main" w="9525">
                 <a:solidFill>
                   <a:srgbClr val="000000"/>
                 </a:solidFill>
@@ -35572,14 +35664,14 @@
           </a:ln>
           <a:extLst>
             <a:ext uri="{909E8E84-426E-40dd-AFC4-6F175D3DCCD1}">
-              <a14:hiddenFill xmlns:a14="http://schemas.microsoft.com/office/drawing/2010/main" xmlns="">
+              <a14:hiddenFill xmlns="" xmlns:a14="http://schemas.microsoft.com/office/drawing/2010/main">
                 <a:solidFill>
                   <a:srgbClr val="FFFFFF"/>
                 </a:solidFill>
               </a14:hiddenFill>
             </a:ext>
             <a:ext uri="{91240B29-F687-4f45-9708-019B960494DF}">
-              <a14:hiddenLine xmlns:a14="http://schemas.microsoft.com/office/drawing/2010/main" xmlns="" w="9525">
+              <a14:hiddenLine xmlns="" xmlns:a14="http://schemas.microsoft.com/office/drawing/2010/main" w="9525">
                 <a:solidFill>
                   <a:srgbClr val="000000"/>
                 </a:solidFill>
@@ -35808,7 +35900,7 @@
           </a:ln>
           <a:extLst>
             <a:ext uri="{909E8E84-426E-40dd-AFC4-6F175D3DCCD1}">
-              <a14:hiddenFill xmlns:a14="http://schemas.microsoft.com/office/drawing/2010/main" xmlns="">
+              <a14:hiddenFill xmlns="" xmlns:a14="http://schemas.microsoft.com/office/drawing/2010/main">
                 <a:solidFill>
                   <a:srgbClr val="FFFFFF"/>
                 </a:solidFill>
@@ -35851,7 +35943,7 @@
           </a:ln>
           <a:extLst>
             <a:ext uri="{909E8E84-426E-40dd-AFC4-6F175D3DCCD1}">
-              <a14:hiddenFill xmlns:a14="http://schemas.microsoft.com/office/drawing/2010/main" xmlns="">
+              <a14:hiddenFill xmlns="" xmlns:a14="http://schemas.microsoft.com/office/drawing/2010/main">
                 <a:noFill/>
               </a14:hiddenFill>
             </a:ext>
@@ -35975,7 +36067,7 @@
             </a:ln>
             <a:extLst>
               <a:ext uri="{909E8E84-426E-40dd-AFC4-6F175D3DCCD1}">
-                <a14:hiddenFill xmlns:a14="http://schemas.microsoft.com/office/drawing/2010/main" xmlns="">
+                <a14:hiddenFill xmlns="" xmlns:a14="http://schemas.microsoft.com/office/drawing/2010/main">
                   <a:solidFill>
                     <a:srgbClr val="FFFFFF"/>
                   </a:solidFill>
@@ -36154,7 +36246,7 @@
             </a:ln>
             <a:extLst>
               <a:ext uri="{909E8E84-426E-40dd-AFC4-6F175D3DCCD1}">
-                <a14:hiddenFill xmlns:a14="http://schemas.microsoft.com/office/drawing/2010/main" xmlns="">
+                <a14:hiddenFill xmlns="" xmlns:a14="http://schemas.microsoft.com/office/drawing/2010/main">
                   <a:solidFill>
                     <a:srgbClr val="FFFFFF"/>
                   </a:solidFill>
@@ -36197,7 +36289,7 @@
             </a:ln>
             <a:extLst>
               <a:ext uri="{909E8E84-426E-40dd-AFC4-6F175D3DCCD1}">
-                <a14:hiddenFill xmlns:a14="http://schemas.microsoft.com/office/drawing/2010/main" xmlns="">
+                <a14:hiddenFill xmlns="" xmlns:a14="http://schemas.microsoft.com/office/drawing/2010/main">
                   <a:noFill/>
                 </a14:hiddenFill>
               </a:ext>
@@ -36238,7 +36330,7 @@
             </a:ln>
             <a:extLst>
               <a:ext uri="{909E8E84-426E-40dd-AFC4-6F175D3DCCD1}">
-                <a14:hiddenFill xmlns:a14="http://schemas.microsoft.com/office/drawing/2010/main" xmlns="">
+                <a14:hiddenFill xmlns="" xmlns:a14="http://schemas.microsoft.com/office/drawing/2010/main">
                   <a:noFill/>
                 </a14:hiddenFill>
               </a:ext>
@@ -36296,7 +36388,7 @@
             </a:ln>
             <a:extLst>
               <a:ext uri="{909E8E84-426E-40dd-AFC4-6F175D3DCCD1}">
-                <a14:hiddenFill xmlns:a14="http://schemas.microsoft.com/office/drawing/2010/main" xmlns="">
+                <a14:hiddenFill xmlns="" xmlns:a14="http://schemas.microsoft.com/office/drawing/2010/main">
                   <a:noFill/>
                 </a14:hiddenFill>
               </a:ext>
@@ -36332,14 +36424,14 @@
             </a:ln>
             <a:extLst>
               <a:ext uri="{909E8E84-426E-40dd-AFC4-6F175D3DCCD1}">
-                <a14:hiddenFill xmlns:a14="http://schemas.microsoft.com/office/drawing/2010/main" xmlns="">
+                <a14:hiddenFill xmlns="" xmlns:a14="http://schemas.microsoft.com/office/drawing/2010/main">
                   <a:solidFill>
                     <a:srgbClr val="FFFFFF"/>
                   </a:solidFill>
                 </a14:hiddenFill>
               </a:ext>
               <a:ext uri="{91240B29-F687-4f45-9708-019B960494DF}">
-                <a14:hiddenLine xmlns:a14="http://schemas.microsoft.com/office/drawing/2010/main" xmlns="" w="38100">
+                <a14:hiddenLine xmlns="" xmlns:a14="http://schemas.microsoft.com/office/drawing/2010/main" w="38100">
                   <a:solidFill>
                     <a:srgbClr val="000000"/>
                   </a:solidFill>
@@ -36500,7 +36592,7 @@
             </a:ln>
             <a:extLst>
               <a:ext uri="{909E8E84-426E-40dd-AFC4-6F175D3DCCD1}">
-                <a14:hiddenFill xmlns:a14="http://schemas.microsoft.com/office/drawing/2010/main" xmlns="">
+                <a14:hiddenFill xmlns="" xmlns:a14="http://schemas.microsoft.com/office/drawing/2010/main">
                   <a:noFill/>
                 </a14:hiddenFill>
               </a:ext>
@@ -36553,14 +36645,14 @@
             </a:ln>
             <a:extLst>
               <a:ext uri="{909E8E84-426E-40dd-AFC4-6F175D3DCCD1}">
-                <a14:hiddenFill xmlns:a14="http://schemas.microsoft.com/office/drawing/2010/main" xmlns="">
+                <a14:hiddenFill xmlns="" xmlns:a14="http://schemas.microsoft.com/office/drawing/2010/main">
                   <a:solidFill>
                     <a:srgbClr val="FFFFFF"/>
                   </a:solidFill>
                 </a14:hiddenFill>
               </a:ext>
               <a:ext uri="{91240B29-F687-4f45-9708-019B960494DF}">
-                <a14:hiddenLine xmlns:a14="http://schemas.microsoft.com/office/drawing/2010/main" xmlns="" w="38100">
+                <a14:hiddenLine xmlns="" xmlns:a14="http://schemas.microsoft.com/office/drawing/2010/main" w="38100">
                   <a:solidFill>
                     <a:srgbClr val="000000"/>
                   </a:solidFill>
@@ -36723,7 +36815,7 @@
             </a:ln>
             <a:extLst>
               <a:ext uri="{909E8E84-426E-40dd-AFC4-6F175D3DCCD1}">
-                <a14:hiddenFill xmlns:a14="http://schemas.microsoft.com/office/drawing/2010/main" xmlns="">
+                <a14:hiddenFill xmlns="" xmlns:a14="http://schemas.microsoft.com/office/drawing/2010/main">
                   <a:noFill/>
                 </a14:hiddenFill>
               </a:ext>
@@ -36759,7 +36851,7 @@
             </a:ln>
             <a:extLst>
               <a:ext uri="{909E8E84-426E-40dd-AFC4-6F175D3DCCD1}">
-                <a14:hiddenFill xmlns:a14="http://schemas.microsoft.com/office/drawing/2010/main" xmlns="">
+                <a14:hiddenFill xmlns="" xmlns:a14="http://schemas.microsoft.com/office/drawing/2010/main">
                   <a:noFill/>
                 </a14:hiddenFill>
               </a:ext>
@@ -36810,7 +36902,7 @@
             </a:ln>
             <a:extLst>
               <a:ext uri="{909E8E84-426E-40dd-AFC4-6F175D3DCCD1}">
-                <a14:hiddenFill xmlns:a14="http://schemas.microsoft.com/office/drawing/2010/main" xmlns="">
+                <a14:hiddenFill xmlns="" xmlns:a14="http://schemas.microsoft.com/office/drawing/2010/main">
                   <a:noFill/>
                 </a14:hiddenFill>
               </a:ext>
@@ -36846,14 +36938,14 @@
             </a:ln>
             <a:extLst>
               <a:ext uri="{909E8E84-426E-40dd-AFC4-6F175D3DCCD1}">
-                <a14:hiddenFill xmlns:a14="http://schemas.microsoft.com/office/drawing/2010/main" xmlns="">
+                <a14:hiddenFill xmlns="" xmlns:a14="http://schemas.microsoft.com/office/drawing/2010/main">
                   <a:solidFill>
                     <a:srgbClr val="FFFFFF"/>
                   </a:solidFill>
                 </a14:hiddenFill>
               </a:ext>
               <a:ext uri="{91240B29-F687-4f45-9708-019B960494DF}">
-                <a14:hiddenLine xmlns:a14="http://schemas.microsoft.com/office/drawing/2010/main" xmlns="" w="38100">
+                <a14:hiddenLine xmlns="" xmlns:a14="http://schemas.microsoft.com/office/drawing/2010/main" w="38100">
                   <a:solidFill>
                     <a:srgbClr val="000000"/>
                   </a:solidFill>

--- a/lec/lec9.pptx
+++ b/lec/lec9.pptx
@@ -425,43 +425,6 @@
 </p:handoutMaster>
 </file>
 
-<file path=ppt/ink/ink1.xml><?xml version="1.0" encoding="utf-8"?>
-<inkml:ink xmlns:inkml="http://www.w3.org/2003/InkML">
-  <inkml:definitions>
-    <inkml:context xml:id="ctx0">
-      <inkml:inkSource xml:id="inkSrc0">
-        <inkml:traceFormat>
-          <inkml:channel name="X" type="integer" min="-2.14748E9" max="2.14748E9" units="cm"/>
-          <inkml:channel name="Y" type="integer" min="-2.14748E9" max="2.14748E9" units="cm"/>
-          <inkml:channel name="F" type="integer" max="32767" units="dev"/>
-        </inkml:traceFormat>
-        <inkml:channelProperties>
-          <inkml:channelProperty channel="X" name="resolution" value="1000" units="1/cm"/>
-          <inkml:channelProperty channel="Y" name="resolution" value="1000" units="1/cm"/>
-          <inkml:channelProperty channel="F" name="resolution" value="0" units="1/dev"/>
-        </inkml:channelProperties>
-      </inkml:inkSource>
-      <inkml:timestamp xml:id="ts0" timeString="2023-03-12T14:41:49.114"/>
-    </inkml:context>
-    <inkml:brush xml:id="br0">
-      <inkml:brushProperty name="height" value="0.053" units="cm"/>
-      <inkml:brushProperty name="color" value="#FF0000"/>
-    </inkml:brush>
-  </inkml:definitions>
-  <inkml:trace contextRef="#ctx0" brushRef="#br0">13147 16660 7853,'-11'36'781,"-1"5"1,-1-5 0,-8 6 0,-6 0 0,-3 2 0,-7 2 297,1 0 1,0-16-1799,1-1 0,9-10 90,3-8 0,3-3 0,3-8 629,0 0 0,0-15 0,0-4 0</inkml:trace>
-  <inkml:trace contextRef="#ctx0" brushRef="#br0" timeOffset="1">12803 15646 8073,'0'-35'401,"0"9"1,-2 3 0,-3 6 2089,-7 5-1147,-3 4 0,-2 16-598,-1 4 0,3 10-119,4 7 1,1 4-190,4 1 0,4 6 98,-3 0 0,3 14-95,2-3 1,0 7-164,0-1 0,2 12-290,3 11 0,-3 12 129,1-44 0,0 1 0,-2 1 0,0-1-193,-1 49 0,6-5 153,-1-7 0,3-4-807,-2-7 1,-2-12-308,7-23 13,-7 0-34,11-21 0,-13-9 382,4-16 0,2-22-129,-3-13 1,3-20 327,-2-7 1,-4-13 153,3 1 1,-1 4 244,2 1 0,-4 12 228,4 6 0,-5 3 563,-1 3 0,0 7-280,0 4 1,0 11 954,0 6-532,0 4 2295,0 9-2315,0 3 1,0 9 132,0 3 1,8-1-496,4 8 0,9-7-276,2 7 0,9-6-307,2 5 1,3 2 142,9 10 1,-8-2-16,2 8 1,-4 2 157,-1 9 0,-8 0-503,-4 11 0,-12-1 68,-5 13 1,-14 0-199,-9 6 0,-8 2-284,-9 3 0,-8-9-9,-4 4 1,-2-14-23,2-3 0,-2-10-458,8-13 0,2-14-301,9-15 1,6-25 746,12-21 1,3-21 782,8-19 0,8 0 0,1-7 0</inkml:trace>
-  <inkml:trace contextRef="#ctx0" brushRef="#br0" timeOffset="2">13750 16574 8086,'17'-34'-494,"-8"7"0,5-4 0,-8 7 1483,-3-3 1,-1 4-493,-2-6 0,0 3 0,0-3 1,0-2-199,0 8 1,-5-7-55,-1 1 1,-2 2 269,2-1 1,-1 7 171,-5-2-435,-3 4 0,6 7 128,-9 1 1,1 7-3,0-2 0,0 6-69,-1 6 0,1 4 52,0 7 0,-6 8-86,0 3 0,2 7 220,10 5 0,-5 4-55,5 7 0,-2 1-5,1-1 0,4 1-96,8 0 1,-5 5-109,-1 0 1,0 1-72,6-7 1,6 1 99,0-1 0,7-1-311,-1-4 0,5-10 112,6-7 1,-2-16 33,7-1 0,-7-9-20,2-3 1,2-3-81,-2-9 0,6-5-51,-6-12 0,5-5-68,-5 0 0,0-1-278,-5-5 0,-1 2 187,0-2 0,0 3-166,0-3 0,-5 4 113,-1 2 1,-7 5-182,2 0 1,-4 8 55,-2-2 0,0 4-64,0 2 1,0 6-667,0-1 741,-8 8 1,4-1-141,-7 10 0,7 5 88,-2 7 0,4 6 206,2 0 1,0 7-19,0-1 0,0 4-152,0 1 1,6-5 20,0-1 0,5-1-107,-5 2 0,7 1 99,-1-7 0,1 6 154,-1-6 0,3-6-200,-3-6 1,5-7 73,6 2 1,-4-4 7,4-2 0,2-10 349,-2-7 0,7-8 0,-1-9 0,-4-8 0,0-2 0,-8-8 0</inkml:trace>
-  <inkml:trace contextRef="#ctx0" brushRef="#br0" timeOffset="3">14490 16248 8047,'7'-25'0,"-3"6"-723,8-4 0,-9 9 1006,3 3 1,-6 7 2524,-6-2-981,-3 4 0,-8 2-943,-1 0 1,1 8 990,0 3 0,0 12-929,0 6 0,-1 9-188,1 2 1,6 8-289,-1-2 1,7 4-318,-7 1 1,8 1-347,-1-1 1,5 1-413,5 0 1,7-9-1174,11-2 0,3-9 974,9-9 1,-1-8-1471,1-15 0,1-9 1166,4-8 0,-2-16-214,8-13 0,-7-3 628,1-3 1,-4 0 693,-2 1 0,1-1 0,-1 1 0</inkml:trace>
-  <inkml:trace contextRef="#ctx0" brushRef="#br0" timeOffset="4">15075 15353 7974,'0'-17'837,"-8"2"1563,-3 4 0,1 3-791,-1 8 0,7 8-863,-2 3 1,4 18 961,2 5 1,0 14-816,0 3 1,2 11-416,4 12 0,-2 8-707,1-34 0,1 2 0,-3 2 0,0 3 276,3 7 1,-1 2-1,-2-1 1,-2 0-192,2 0 1,0 0 0,-1-3 0,0-2 122,1-5 1,-1-3-1,0 31-1310,4-13 953,-4-10 1,0-30-2068,4-10 1623,-4-13 0,5-20 224,-7-8 1,0-11 248,0-12 1,0-8-400,0-14 1,0-13 140,0 1 1,0-6 298,0 12 1,0 1 235,0 10 0,0 0-16,0 11 0,0 7 550,0 16 0,0 4-280,0 8 1923,0 7-1021,0 3-730,0 7 0,8 2 275,3 3 1,-1-3-98,1 4 1,1-4-3,5-2 0,2 0-166,4 0 0,-4 0-1110,4 0 0,-4 2 468,-1 4 0,-7-3-399,0 9 0,-1-6 117,1 5 0,-3 6-25,-8 6 1,0 6 89,0-6 0,-2 5 76,-4-5 0,3 6-96,-9-6 1,1 6 124,-6-7 0,5 7-91,1-6 1,-1 8 97,-5-3 0,0-3 354,-1-2 1,1-2 89,0 2 1,6-8 1,-1 8 1,6-13 1456,-5 7-943,7-11 256,-4 9 1,16-13-325,4 4 0,3-5 1295,2-1 1,8 0-871,4 0 0,-3 0-478,3 0 0,5 0-612,7 0 0,-1 0-609,-6 0 1,3 0-1408,3 0 0,-4 0 1147,4 0 0,-9 0 1025,-3 0 0,1 0 0,6 0 0</inkml:trace>
-  <inkml:trace contextRef="#ctx0" brushRef="#br0" timeOffset="5">17209 15886 7974,'0'-34'390,"0"0"0,-6 7 1,-2 2 948,-1 0 0,-1 6 625,-1-4-1262,-5 12 1,13 3 32,-9 8 0,8 10-661,-1 7 0,3 8 82,2 9 0,0 10-242,0 8 0,0 7 107,0 10 1,2-1-196,3 1 0,-1 0-390,8 0 1,-3 5-864,3 1 0,3-3 389,-4-9 1,3-11-1724,-3-12 1421,5-4 1340,-15-17 0,7-11 0,-8-17 0</inkml:trace>
-  <inkml:trace contextRef="#ctx0" brushRef="#br0" timeOffset="6">17002 16282 7974,'-51'-8'0,"7"6"3111,3-3-2249,13 3 1,5 4 2606,11 3-2603,5-3 1,9 6 195,3-8 0,13-2-429,10-4 0,5-9-174,1-8 0,6-2-296,0 2 1,8-2 74,-2-3 0,-2-3-396,2 8 1,-8 0 204,2 6 1,-9 6-452,-2-1 0,-8 8 207,2-1 1,-6 10-617,-6 7 1,-3 11 311,-8 5 0,0 5 140,0 1 1,0 3-576,0 3 0,0-4 356,0 4 0,0-9 479,0-3 1,0-1-23,0 2 0,8 3 483,3-3 0,6-4-288,6-2 1,2-6 826,4-6 0,5 3-264,1-9 0,-3 1-11,3-6 0,-1-13-551,-5-4 1,1-14 109,-1-3 1,-4-3-1043,-8-8 0,-7 4 492,-5-4 0,-3 4-658,-2-4 0,-9 6 401,-9-1 1,-6 12-1164,-11 5 0,-1 5-1444,-4 7 3231,3 3 0,-12 8 0,5 0 0</inkml:trace>
-  <inkml:trace contextRef="#ctx0" brushRef="#br0" timeOffset="7">19239 15474 7974,'-28'0'-45,"-1"0"1,2 0-1,-3 2 1,1 3 1820,-2 7 0,5 7 1071,-3 10-2188,-7-1 1,5 22-1,-2-2 551,7 7 1,-3 8-622,6 12 1,8 1-323,9 4 0,4-5 20,2-12 0,8-4-206,3-7 1,14-3-175,9-3 1,3-11-489,9-12 0,1-12-1054,11-5 1,-5-6 714,5-6 1,1-13-674,-2-15 0,3-5 777,-3-12 0,-2 1-749,9-13 0,-9 2 1565,2-2 0,-5-4 0,-2 4 0,1-4 0,5-2 0</inkml:trace>
-  <inkml:trace contextRef="#ctx0" brushRef="#br0" timeOffset="8">20031 15233 7974,'-2'-11'0,"-4"-1"0,2 1 0,-7-6 0,5 5 0,-5 1 0,-1 7 0,-5-2 0,0 4 0,-2 12 3278,-4 7 1,4 8-1404,-4 9 1,4 8-1297,1 4 1,-1 6-290,-4 5 1,4 4-507,-4 8 0,-2 3-216,2 9 1,1 1 175,12-34 0,2 1 0,-3 33 174,-1-1 1,9-9-1488,-3-3 1,4-8-2312,2-4 3027,8-18 1,1-15-101,8-18 0,1-13 392,-1-11 0,0-14 258,0-14 0,0-6 303,1-5 0,-1-12 0,0-11 0,0 4 0,-3-6 0,-1 3 0,0-5 0,-1-6 0</inkml:trace>
-  <inkml:trace contextRef="#ctx0" brushRef="#br0" timeOffset="9">19910 15353 7974,'0'-42'0,"0"0"0,0-3 0,0 8 1404,0 9 0,0 7 212,0-2 709,0 4-1112,8 9 1,-4 18 474,7 15 0,-1 17-858,1 11 1,5 10-384,-5 14 1,4 5-726,3 12 1,-10-42 0,1 1 287,0 3 0,-1 1 0,0 0 0,-1-1-546,-1-2 0,0-1 0,2 1 0,-1-1 47,-1 1 1,0-1 0,1-1 0,1 0-1196,9 41 1,-2-10 739,-3-24 1,1-7-525,-7-16 434,0-7 1,-6-12 469,0-15 0,0-10-537,0-12 1,-2-11 1100,-4-7 0,4-8 0,-5 4 0</inkml:trace>
-  <inkml:trace contextRef="#ctx0" brushRef="#br0" timeOffset="10">19876 15852 7974,'-42'17'0,"11"6"1920,-3 0 0,13 0-921,4-6 1,7 0 1508,10 1 0,2-7-1267,4 1 0,13-3 220,15 3 0,8-5-1114,10-7 1,7-7-834,4-5 0,2-9-982,-1-2 0,-5 0 1468,-8 6 0,1-15 0,0-5 0</inkml:trace>
-</inkml:ink>
-</file>
-
 <file path=ppt/notesMasters/notesMaster1.xml><?xml version="1.0" encoding="utf-8"?>
 <p:notesMaster xmlns:a="http://schemas.openxmlformats.org/drawingml/2006/main" xmlns:r="http://schemas.openxmlformats.org/officeDocument/2006/relationships" xmlns:p="http://schemas.openxmlformats.org/presentationml/2006/main">
   <p:cSld>
@@ -772,10 +735,10 @@
           </a:ln>
           <a:extLst>
             <a:ext uri="{FAA26D3D-D897-4be2-8F04-BA451C77F1D7}">
-              <ma14:placeholderFlag xmlns:ma14="http://schemas.microsoft.com/office/mac/drawingml/2011/main" xmlns="" val="1"/>
+              <ma14:placeholderFlag xmlns="" xmlns:ma14="http://schemas.microsoft.com/office/mac/drawingml/2011/main" val="1"/>
             </a:ext>
             <a:ext uri="{909E8E84-426E-40dd-AFC4-6F175D3DCCD1}">
-              <a14:hiddenFill xmlns:a14="http://schemas.microsoft.com/office/drawing/2010/main" xmlns="">
+              <a14:hiddenFill xmlns="" xmlns:a14="http://schemas.microsoft.com/office/drawing/2010/main">
                 <a:solidFill>
                   <a:srgbClr val="FFFFFF"/>
                 </a:solidFill>
@@ -950,14 +913,14 @@
           <a:ln/>
           <a:extLst>
             <a:ext uri="{909E8E84-426E-40dd-AFC4-6F175D3DCCD1}">
-              <a14:hiddenFill xmlns:a14="http://schemas.microsoft.com/office/drawing/2010/main" xmlns="">
+              <a14:hiddenFill xmlns="" xmlns:a14="http://schemas.microsoft.com/office/drawing/2010/main">
                 <a:solidFill>
                   <a:srgbClr val="FFFFFF"/>
                 </a:solidFill>
               </a14:hiddenFill>
             </a:ext>
             <a:ext uri="{91240B29-F687-4f45-9708-019B960494DF}">
-              <a14:hiddenLine xmlns:a14="http://schemas.microsoft.com/office/drawing/2010/main" xmlns="" w="9525">
+              <a14:hiddenLine xmlns="" xmlns:a14="http://schemas.microsoft.com/office/drawing/2010/main" w="9525">
                 <a:solidFill>
                   <a:srgbClr val="000000"/>
                 </a:solidFill>
@@ -1178,17 +1141,17 @@
           <a:ln/>
           <a:extLst>
             <a:ext uri="{FAA26D3D-D897-4be2-8F04-BA451C77F1D7}">
-              <ma14:placeholderFlag xmlns="" xmlns:ma14="http://schemas.microsoft.com/office/mac/drawingml/2011/main" val="1"/>
+              <ma14:placeholderFlag xmlns:ma14="http://schemas.microsoft.com/office/mac/drawingml/2011/main" xmlns="" val="1"/>
             </a:ext>
             <a:ext uri="{909E8E84-426E-40dd-AFC4-6F175D3DCCD1}">
-              <a14:hiddenFill xmlns:a14="http://schemas.microsoft.com/office/drawing/2010/main" xmlns="">
+              <a14:hiddenFill xmlns="" xmlns:a14="http://schemas.microsoft.com/office/drawing/2010/main">
                 <a:solidFill>
                   <a:srgbClr val="FFFFFF"/>
                 </a:solidFill>
               </a14:hiddenFill>
             </a:ext>
             <a:ext uri="{91240B29-F687-4f45-9708-019B960494DF}">
-              <a14:hiddenLine xmlns:a14="http://schemas.microsoft.com/office/drawing/2010/main" xmlns="" w="9525">
+              <a14:hiddenLine xmlns="" xmlns:a14="http://schemas.microsoft.com/office/drawing/2010/main" w="9525">
                 <a:solidFill>
                   <a:srgbClr val="000000"/>
                 </a:solidFill>
@@ -1605,14 +1568,14 @@
           <a:ln/>
           <a:extLst>
             <a:ext uri="{909E8E84-426E-40dd-AFC4-6F175D3DCCD1}">
-              <a14:hiddenFill xmlns:a14="http://schemas.microsoft.com/office/drawing/2010/main" xmlns="">
+              <a14:hiddenFill xmlns="" xmlns:a14="http://schemas.microsoft.com/office/drawing/2010/main">
                 <a:solidFill>
                   <a:srgbClr val="FFFFFF"/>
                 </a:solidFill>
               </a14:hiddenFill>
             </a:ext>
             <a:ext uri="{91240B29-F687-4f45-9708-019B960494DF}">
-              <a14:hiddenLine xmlns:a14="http://schemas.microsoft.com/office/drawing/2010/main" xmlns="" w="9525">
+              <a14:hiddenLine xmlns="" xmlns:a14="http://schemas.microsoft.com/office/drawing/2010/main" w="9525">
                 <a:solidFill>
                   <a:srgbClr val="000000"/>
                 </a:solidFill>
@@ -1790,7 +1753,7 @@
           </a:ln>
           <a:extLst>
             <a:ext uri="{FAA26D3D-D897-4be2-8F04-BA451C77F1D7}">
-              <ma14:placeholderFlag xmlns:ma14="http://schemas.microsoft.com/office/mac/drawingml/2011/main" xmlns="" val="1"/>
+              <ma14:placeholderFlag xmlns="" xmlns:ma14="http://schemas.microsoft.com/office/mac/drawingml/2011/main" val="1"/>
             </a:ext>
           </a:extLst>
         </p:spPr>
@@ -5222,17 +5185,17 @@
           </a:ln>
           <a:extLst>
             <a:ext uri="{FAA26D3D-D897-4be2-8F04-BA451C77F1D7}">
-              <ma14:placeholderFlag xmlns:ma14="http://schemas.microsoft.com/office/mac/drawingml/2011/main" xmlns="" val="1"/>
+              <ma14:placeholderFlag xmlns="" xmlns:ma14="http://schemas.microsoft.com/office/mac/drawingml/2011/main" val="1"/>
             </a:ext>
             <a:ext uri="{909E8E84-426E-40dd-AFC4-6F175D3DCCD1}">
-              <a14:hiddenFill xmlns="" xmlns:a14="http://schemas.microsoft.com/office/drawing/2010/main">
+              <a14:hiddenFill xmlns:a14="http://schemas.microsoft.com/office/drawing/2010/main" xmlns="">
                 <a:solidFill>
                   <a:srgbClr val="FFFFFF"/>
                 </a:solidFill>
               </a14:hiddenFill>
             </a:ext>
             <a:ext uri="{91240B29-F687-4f45-9708-019B960494DF}">
-              <a14:hiddenLine xmlns="" xmlns:a14="http://schemas.microsoft.com/office/drawing/2010/main" w="9525">
+              <a14:hiddenLine xmlns:a14="http://schemas.microsoft.com/office/drawing/2010/main" xmlns="" w="9525">
                 <a:solidFill>
                   <a:srgbClr val="000000"/>
                 </a:solidFill>
@@ -8171,57 +8134,6 @@
           </a:p>
         </p:txBody>
       </p:sp>
-      <mc:AlternateContent xmlns:mc="http://schemas.openxmlformats.org/markup-compatibility/2006" xmlns:p14="http://schemas.microsoft.com/office/powerpoint/2010/main">
-        <mc:Choice Requires="p14">
-          <p:contentPart p14:bwMode="auto" r:id="rId2">
-            <p14:nvContentPartPr>
-              <p14:cNvPr id="3" name="Ink 2">
-                <a:extLst>
-                  <a:ext uri="{FF2B5EF4-FFF2-40B4-BE49-F238E27FC236}">
-                    <a16:creationId xmlns:a16="http://schemas.microsoft.com/office/drawing/2014/main" id="{3889E173-B62F-5C01-062F-7B295EA464D7}"/>
-                  </a:ext>
-                </a:extLst>
-              </p14:cNvPr>
-              <p14:cNvContentPartPr/>
-              <p14:nvPr/>
-            </p14:nvContentPartPr>
-            <p14:xfrm>
-              <a:off x="4565880" y="5430960"/>
-              <a:ext cx="2757240" cy="730800"/>
-            </p14:xfrm>
-          </p:contentPart>
-        </mc:Choice>
-        <mc:Fallback xmlns="">
-          <p:pic>
-            <p:nvPicPr>
-              <p:cNvPr id="3" name="Ink 2">
-                <a:extLst>
-                  <a:ext uri="{FF2B5EF4-FFF2-40B4-BE49-F238E27FC236}">
-                    <a16:creationId xmlns:a16="http://schemas.microsoft.com/office/drawing/2014/main" id="{3889E173-B62F-5C01-062F-7B295EA464D7}"/>
-                  </a:ext>
-                </a:extLst>
-              </p:cNvPr>
-              <p:cNvPicPr/>
-              <p:nvPr/>
-            </p:nvPicPr>
-            <p:blipFill>
-              <a:blip r:embed="rId3"/>
-              <a:stretch>
-                <a:fillRect/>
-              </a:stretch>
-            </p:blipFill>
-            <p:spPr>
-              <a:xfrm>
-                <a:off x="4556520" y="5421600"/>
-                <a:ext cx="2775960" cy="749520"/>
-              </a:xfrm>
-              <a:prstGeom prst="rect">
-                <a:avLst/>
-              </a:prstGeom>
-            </p:spPr>
-          </p:pic>
-        </mc:Fallback>
-      </mc:AlternateContent>
     </p:spTree>
     <p:extLst>
       <p:ext uri="{BB962C8B-B14F-4D97-AF65-F5344CB8AC3E}">
@@ -19251,7 +19163,7 @@
           </a:ln>
           <a:extLst>
             <a:ext uri="{909E8E84-426E-40dd-AFC4-6F175D3DCCD1}">
-              <a14:hiddenFill xmlns:a14="http://schemas.microsoft.com/office/drawing/2010/main" xmlns="">
+              <a14:hiddenFill xmlns="" xmlns:a14="http://schemas.microsoft.com/office/drawing/2010/main">
                 <a:solidFill>
                   <a:srgbClr val="FFFFFF"/>
                 </a:solidFill>
@@ -19294,7 +19206,7 @@
           </a:ln>
           <a:extLst>
             <a:ext uri="{909E8E84-426E-40dd-AFC4-6F175D3DCCD1}">
-              <a14:hiddenFill xmlns:a14="http://schemas.microsoft.com/office/drawing/2010/main" xmlns="">
+              <a14:hiddenFill xmlns="" xmlns:a14="http://schemas.microsoft.com/office/drawing/2010/main">
                 <a:noFill/>
               </a14:hiddenFill>
             </a:ext>
@@ -19330,14 +19242,14 @@
           </a:ln>
           <a:extLst>
             <a:ext uri="{909E8E84-426E-40dd-AFC4-6F175D3DCCD1}">
-              <a14:hiddenFill xmlns:a14="http://schemas.microsoft.com/office/drawing/2010/main" xmlns="">
+              <a14:hiddenFill xmlns="" xmlns:a14="http://schemas.microsoft.com/office/drawing/2010/main">
                 <a:solidFill>
                   <a:srgbClr val="FFFFFF"/>
                 </a:solidFill>
               </a14:hiddenFill>
             </a:ext>
             <a:ext uri="{91240B29-F687-4f45-9708-019B960494DF}">
-              <a14:hiddenLine xmlns:a14="http://schemas.microsoft.com/office/drawing/2010/main" xmlns="" w="9525">
+              <a14:hiddenLine xmlns="" xmlns:a14="http://schemas.microsoft.com/office/drawing/2010/main" w="9525">
                 <a:solidFill>
                   <a:srgbClr val="000000"/>
                 </a:solidFill>
@@ -19563,7 +19475,7 @@
           </a:ln>
           <a:extLst>
             <a:ext uri="{909E8E84-426E-40dd-AFC4-6F175D3DCCD1}">
-              <a14:hiddenFill xmlns:a14="http://schemas.microsoft.com/office/drawing/2010/main" xmlns="">
+              <a14:hiddenFill xmlns="" xmlns:a14="http://schemas.microsoft.com/office/drawing/2010/main">
                 <a:solidFill>
                   <a:srgbClr val="FFFFFF"/>
                 </a:solidFill>
@@ -19601,14 +19513,14 @@
           </a:ln>
           <a:extLst>
             <a:ext uri="{909E8E84-426E-40dd-AFC4-6F175D3DCCD1}">
-              <a14:hiddenFill xmlns:a14="http://schemas.microsoft.com/office/drawing/2010/main" xmlns="">
+              <a14:hiddenFill xmlns="" xmlns:a14="http://schemas.microsoft.com/office/drawing/2010/main">
                 <a:solidFill>
                   <a:srgbClr val="FFFFFF"/>
                 </a:solidFill>
               </a14:hiddenFill>
             </a:ext>
             <a:ext uri="{91240B29-F687-4f45-9708-019B960494DF}">
-              <a14:hiddenLine xmlns:a14="http://schemas.microsoft.com/office/drawing/2010/main" xmlns="" w="9525">
+              <a14:hiddenLine xmlns="" xmlns:a14="http://schemas.microsoft.com/office/drawing/2010/main" w="9525">
                 <a:solidFill>
                   <a:srgbClr val="000000"/>
                 </a:solidFill>
@@ -19764,14 +19676,14 @@
           </a:ln>
           <a:extLst>
             <a:ext uri="{909E8E84-426E-40dd-AFC4-6F175D3DCCD1}">
-              <a14:hiddenFill xmlns:a14="http://schemas.microsoft.com/office/drawing/2010/main" xmlns="">
+              <a14:hiddenFill xmlns="" xmlns:a14="http://schemas.microsoft.com/office/drawing/2010/main">
                 <a:solidFill>
                   <a:srgbClr val="FFFFFF"/>
                 </a:solidFill>
               </a14:hiddenFill>
             </a:ext>
             <a:ext uri="{91240B29-F687-4f45-9708-019B960494DF}">
-              <a14:hiddenLine xmlns:a14="http://schemas.microsoft.com/office/drawing/2010/main" xmlns="" w="9525">
+              <a14:hiddenLine xmlns="" xmlns:a14="http://schemas.microsoft.com/office/drawing/2010/main" w="9525">
                 <a:solidFill>
                   <a:srgbClr val="000000"/>
                 </a:solidFill>
@@ -19973,7 +19885,7 @@
           </a:ln>
           <a:extLst>
             <a:ext uri="{909E8E84-426E-40dd-AFC4-6F175D3DCCD1}">
-              <a14:hiddenFill xmlns:a14="http://schemas.microsoft.com/office/drawing/2010/main" xmlns="">
+              <a14:hiddenFill xmlns="" xmlns:a14="http://schemas.microsoft.com/office/drawing/2010/main">
                 <a:solidFill>
                   <a:srgbClr val="FFFFFF"/>
                 </a:solidFill>
@@ -20057,7 +19969,7 @@
           </a:ln>
           <a:extLst>
             <a:ext uri="{909E8E84-426E-40dd-AFC4-6F175D3DCCD1}">
-              <a14:hiddenFill xmlns:a14="http://schemas.microsoft.com/office/drawing/2010/main" xmlns="">
+              <a14:hiddenFill xmlns="" xmlns:a14="http://schemas.microsoft.com/office/drawing/2010/main">
                 <a:solidFill>
                   <a:srgbClr val="FFFFFF"/>
                 </a:solidFill>
@@ -20141,7 +20053,7 @@
           </a:ln>
           <a:extLst>
             <a:ext uri="{909E8E84-426E-40dd-AFC4-6F175D3DCCD1}">
-              <a14:hiddenFill xmlns:a14="http://schemas.microsoft.com/office/drawing/2010/main" xmlns="">
+              <a14:hiddenFill xmlns="" xmlns:a14="http://schemas.microsoft.com/office/drawing/2010/main">
                 <a:solidFill>
                   <a:srgbClr val="FFFFFF"/>
                 </a:solidFill>
@@ -20184,7 +20096,7 @@
           </a:ln>
           <a:extLst>
             <a:ext uri="{909E8E84-426E-40dd-AFC4-6F175D3DCCD1}">
-              <a14:hiddenFill xmlns:a14="http://schemas.microsoft.com/office/drawing/2010/main" xmlns="">
+              <a14:hiddenFill xmlns="" xmlns:a14="http://schemas.microsoft.com/office/drawing/2010/main">
                 <a:noFill/>
               </a14:hiddenFill>
             </a:ext>
@@ -20225,7 +20137,7 @@
           </a:ln>
           <a:extLst>
             <a:ext uri="{909E8E84-426E-40dd-AFC4-6F175D3DCCD1}">
-              <a14:hiddenFill xmlns:a14="http://schemas.microsoft.com/office/drawing/2010/main" xmlns="">
+              <a14:hiddenFill xmlns="" xmlns:a14="http://schemas.microsoft.com/office/drawing/2010/main">
                 <a:noFill/>
               </a14:hiddenFill>
             </a:ext>
@@ -20266,7 +20178,7 @@
           </a:ln>
           <a:extLst>
             <a:ext uri="{909E8E84-426E-40dd-AFC4-6F175D3DCCD1}">
-              <a14:hiddenFill xmlns:a14="http://schemas.microsoft.com/office/drawing/2010/main" xmlns="">
+              <a14:hiddenFill xmlns="" xmlns:a14="http://schemas.microsoft.com/office/drawing/2010/main">
                 <a:noFill/>
               </a14:hiddenFill>
             </a:ext>
@@ -20309,7 +20221,7 @@
           </a:ln>
           <a:extLst>
             <a:ext uri="{909E8E84-426E-40dd-AFC4-6F175D3DCCD1}">
-              <a14:hiddenFill xmlns:a14="http://schemas.microsoft.com/office/drawing/2010/main" xmlns="">
+              <a14:hiddenFill xmlns="" xmlns:a14="http://schemas.microsoft.com/office/drawing/2010/main">
                 <a:noFill/>
               </a14:hiddenFill>
             </a:ext>
@@ -20344,7 +20256,7 @@
           </a:ln>
           <a:extLst>
             <a:ext uri="{909E8E84-426E-40dd-AFC4-6F175D3DCCD1}">
-              <a14:hiddenFill xmlns:a14="http://schemas.microsoft.com/office/drawing/2010/main" xmlns="">
+              <a14:hiddenFill xmlns="" xmlns:a14="http://schemas.microsoft.com/office/drawing/2010/main">
                 <a:noFill/>
               </a14:hiddenFill>
             </a:ext>
@@ -20380,7 +20292,7 @@
           </a:ln>
           <a:extLst>
             <a:ext uri="{909E8E84-426E-40dd-AFC4-6F175D3DCCD1}">
-              <a14:hiddenFill xmlns:a14="http://schemas.microsoft.com/office/drawing/2010/main" xmlns="">
+              <a14:hiddenFill xmlns="" xmlns:a14="http://schemas.microsoft.com/office/drawing/2010/main">
                 <a:noFill/>
               </a14:hiddenFill>
             </a:ext>
@@ -20415,7 +20327,7 @@
           </a:ln>
           <a:extLst>
             <a:ext uri="{909E8E84-426E-40dd-AFC4-6F175D3DCCD1}">
-              <a14:hiddenFill xmlns:a14="http://schemas.microsoft.com/office/drawing/2010/main" xmlns="">
+              <a14:hiddenFill xmlns="" xmlns:a14="http://schemas.microsoft.com/office/drawing/2010/main">
                 <a:noFill/>
               </a14:hiddenFill>
             </a:ext>
@@ -20465,7 +20377,7 @@
             </a:ln>
             <a:extLst>
               <a:ext uri="{909E8E84-426E-40dd-AFC4-6F175D3DCCD1}">
-                <a14:hiddenFill xmlns:a14="http://schemas.microsoft.com/office/drawing/2010/main" xmlns="">
+                <a14:hiddenFill xmlns="" xmlns:a14="http://schemas.microsoft.com/office/drawing/2010/main">
                   <a:solidFill>
                     <a:srgbClr val="FFFFFF"/>
                   </a:solidFill>
@@ -20510,7 +20422,7 @@
             </a:ln>
             <a:extLst>
               <a:ext uri="{909E8E84-426E-40dd-AFC4-6F175D3DCCD1}">
-                <a14:hiddenFill xmlns:a14="http://schemas.microsoft.com/office/drawing/2010/main" xmlns="">
+                <a14:hiddenFill xmlns="" xmlns:a14="http://schemas.microsoft.com/office/drawing/2010/main">
                   <a:noFill/>
                 </a14:hiddenFill>
               </a:ext>
@@ -20655,7 +20567,7 @@
               </a:ln>
               <a:extLst>
                 <a:ext uri="{909E8E84-426E-40dd-AFC4-6F175D3DCCD1}">
-                  <a14:hiddenFill xmlns:a14="http://schemas.microsoft.com/office/drawing/2010/main" xmlns="">
+                  <a14:hiddenFill xmlns="" xmlns:a14="http://schemas.microsoft.com/office/drawing/2010/main">
                     <a:solidFill>
                       <a:srgbClr val="FFFFFF"/>
                     </a:solidFill>
@@ -20757,7 +20669,7 @@
               </a:ln>
               <a:extLst>
                 <a:ext uri="{909E8E84-426E-40dd-AFC4-6F175D3DCCD1}">
-                  <a14:hiddenFill xmlns:a14="http://schemas.microsoft.com/office/drawing/2010/main" xmlns="">
+                  <a14:hiddenFill xmlns="" xmlns:a14="http://schemas.microsoft.com/office/drawing/2010/main">
                     <a:solidFill>
                       <a:srgbClr val="FFFFFF"/>
                     </a:solidFill>
@@ -20859,7 +20771,7 @@
               </a:ln>
               <a:extLst>
                 <a:ext uri="{909E8E84-426E-40dd-AFC4-6F175D3DCCD1}">
-                  <a14:hiddenFill xmlns:a14="http://schemas.microsoft.com/office/drawing/2010/main" xmlns="">
+                  <a14:hiddenFill xmlns="" xmlns:a14="http://schemas.microsoft.com/office/drawing/2010/main">
                     <a:solidFill>
                       <a:srgbClr val="FFFFFF"/>
                     </a:solidFill>
@@ -20961,7 +20873,7 @@
               </a:ln>
               <a:extLst>
                 <a:ext uri="{909E8E84-426E-40dd-AFC4-6F175D3DCCD1}">
-                  <a14:hiddenFill xmlns:a14="http://schemas.microsoft.com/office/drawing/2010/main" xmlns="">
+                  <a14:hiddenFill xmlns="" xmlns:a14="http://schemas.microsoft.com/office/drawing/2010/main">
                     <a:solidFill>
                       <a:srgbClr val="FFFFFF"/>
                     </a:solidFill>
@@ -20999,14 +20911,14 @@
               </a:ln>
               <a:extLst>
                 <a:ext uri="{909E8E84-426E-40dd-AFC4-6F175D3DCCD1}">
-                  <a14:hiddenFill xmlns:a14="http://schemas.microsoft.com/office/drawing/2010/main" xmlns="">
+                  <a14:hiddenFill xmlns="" xmlns:a14="http://schemas.microsoft.com/office/drawing/2010/main">
                     <a:solidFill>
                       <a:srgbClr val="FFFFFF"/>
                     </a:solidFill>
                   </a14:hiddenFill>
                 </a:ext>
                 <a:ext uri="{91240B29-F687-4f45-9708-019B960494DF}">
-                  <a14:hiddenLine xmlns:a14="http://schemas.microsoft.com/office/drawing/2010/main" xmlns="" w="9525">
+                  <a14:hiddenLine xmlns="" xmlns:a14="http://schemas.microsoft.com/office/drawing/2010/main" w="9525">
                     <a:solidFill>
                       <a:srgbClr val="000000"/>
                     </a:solidFill>
@@ -21160,14 +21072,14 @@
               </a:ln>
               <a:extLst>
                 <a:ext uri="{909E8E84-426E-40dd-AFC4-6F175D3DCCD1}">
-                  <a14:hiddenFill xmlns:a14="http://schemas.microsoft.com/office/drawing/2010/main" xmlns="">
+                  <a14:hiddenFill xmlns="" xmlns:a14="http://schemas.microsoft.com/office/drawing/2010/main">
                     <a:solidFill>
                       <a:srgbClr val="FFFFFF"/>
                     </a:solidFill>
                   </a14:hiddenFill>
                 </a:ext>
                 <a:ext uri="{91240B29-F687-4f45-9708-019B960494DF}">
-                  <a14:hiddenLine xmlns:a14="http://schemas.microsoft.com/office/drawing/2010/main" xmlns="" w="9525">
+                  <a14:hiddenLine xmlns="" xmlns:a14="http://schemas.microsoft.com/office/drawing/2010/main" w="9525">
                     <a:solidFill>
                       <a:srgbClr val="000000"/>
                     </a:solidFill>
@@ -21329,7 +21241,7 @@
               </a:ln>
               <a:extLst>
                 <a:ext uri="{909E8E84-426E-40dd-AFC4-6F175D3DCCD1}">
-                  <a14:hiddenFill xmlns:a14="http://schemas.microsoft.com/office/drawing/2010/main" xmlns="">
+                  <a14:hiddenFill xmlns="" xmlns:a14="http://schemas.microsoft.com/office/drawing/2010/main">
                     <a:noFill/>
                   </a14:hiddenFill>
                 </a:ext>
@@ -21363,7 +21275,7 @@
               </a:ln>
               <a:extLst>
                 <a:ext uri="{909E8E84-426E-40dd-AFC4-6F175D3DCCD1}">
-                  <a14:hiddenFill xmlns:a14="http://schemas.microsoft.com/office/drawing/2010/main" xmlns="">
+                  <a14:hiddenFill xmlns="" xmlns:a14="http://schemas.microsoft.com/office/drawing/2010/main">
                     <a:noFill/>
                   </a14:hiddenFill>
                 </a:ext>
@@ -21431,14 +21343,14 @@
                       <a:effectLst/>
                       <a:extLst>
                         <a:ext uri="{909E8E84-426E-40dd-AFC4-6F175D3DCCD1}">
-                          <a14:hiddenFill xmlns:a14="http://schemas.microsoft.com/office/drawing/2010/main" xmlns="">
+                          <a14:hiddenFill xmlns="" xmlns:a14="http://schemas.microsoft.com/office/drawing/2010/main">
                             <a:solidFill>
                               <a:srgbClr val="FFFFFF"/>
                             </a:solidFill>
                           </a14:hiddenFill>
                         </a:ext>
                         <a:ext uri="{91240B29-F687-4f45-9708-019B960494DF}">
-                          <a14:hiddenLine xmlns:a14="http://schemas.microsoft.com/office/drawing/2010/main" xmlns="" w="9525">
+                          <a14:hiddenLine xmlns="" xmlns:a14="http://schemas.microsoft.com/office/drawing/2010/main" w="9525">
                             <a:solidFill>
                               <a:srgbClr val="000000"/>
                             </a:solidFill>
@@ -21448,7 +21360,7 @@
                           </a14:hiddenLine>
                         </a:ext>
                         <a:ext uri="{AF507438-7753-43e0-B8FC-AC1667EBCBE1}">
-                          <a14:hiddenEffects xmlns:a14="http://schemas.microsoft.com/office/drawing/2010/main" xmlns="">
+                          <a14:hiddenEffects xmlns="" xmlns:a14="http://schemas.microsoft.com/office/drawing/2010/main">
                             <a:effectLst>
                               <a:outerShdw blurRad="63500" dist="38099" dir="2700000" algn="ctr" rotWithShape="0">
                                 <a:srgbClr val="000000">
@@ -21526,14 +21438,14 @@
                       <a:effectLst/>
                       <a:extLst>
                         <a:ext uri="{909E8E84-426E-40dd-AFC4-6F175D3DCCD1}">
-                          <a14:hiddenFill xmlns:a14="http://schemas.microsoft.com/office/drawing/2010/main" xmlns="">
+                          <a14:hiddenFill xmlns="" xmlns:a14="http://schemas.microsoft.com/office/drawing/2010/main">
                             <a:solidFill>
                               <a:srgbClr val="FFFFFF"/>
                             </a:solidFill>
                           </a14:hiddenFill>
                         </a:ext>
                         <a:ext uri="{91240B29-F687-4f45-9708-019B960494DF}">
-                          <a14:hiddenLine xmlns:a14="http://schemas.microsoft.com/office/drawing/2010/main" xmlns="" w="9525">
+                          <a14:hiddenLine xmlns="" xmlns:a14="http://schemas.microsoft.com/office/drawing/2010/main" w="9525">
                             <a:solidFill>
                               <a:srgbClr val="000000"/>
                             </a:solidFill>
@@ -21543,7 +21455,7 @@
                           </a14:hiddenLine>
                         </a:ext>
                         <a:ext uri="{AF507438-7753-43e0-B8FC-AC1667EBCBE1}">
-                          <a14:hiddenEffects xmlns:a14="http://schemas.microsoft.com/office/drawing/2010/main" xmlns="">
+                          <a14:hiddenEffects xmlns="" xmlns:a14="http://schemas.microsoft.com/office/drawing/2010/main">
                             <a:effectLst>
                               <a:outerShdw blurRad="63500" dist="38099" dir="2700000" algn="ctr" rotWithShape="0">
                                 <a:srgbClr val="000000">
@@ -22520,7 +22432,7 @@
           </a:ln>
           <a:extLst>
             <a:ext uri="{909E8E84-426E-40dd-AFC4-6F175D3DCCD1}">
-              <a14:hiddenFill xmlns:a14="http://schemas.microsoft.com/office/drawing/2010/main" xmlns="">
+              <a14:hiddenFill xmlns="" xmlns:a14="http://schemas.microsoft.com/office/drawing/2010/main">
                 <a:solidFill>
                   <a:srgbClr val="FFFFFF"/>
                 </a:solidFill>
@@ -22563,7 +22475,7 @@
           </a:ln>
           <a:extLst>
             <a:ext uri="{909E8E84-426E-40dd-AFC4-6F175D3DCCD1}">
-              <a14:hiddenFill xmlns:a14="http://schemas.microsoft.com/office/drawing/2010/main" xmlns="">
+              <a14:hiddenFill xmlns="" xmlns:a14="http://schemas.microsoft.com/office/drawing/2010/main">
                 <a:noFill/>
               </a14:hiddenFill>
             </a:ext>
@@ -22599,14 +22511,14 @@
           </a:ln>
           <a:extLst>
             <a:ext uri="{909E8E84-426E-40dd-AFC4-6F175D3DCCD1}">
-              <a14:hiddenFill xmlns:a14="http://schemas.microsoft.com/office/drawing/2010/main" xmlns="">
+              <a14:hiddenFill xmlns="" xmlns:a14="http://schemas.microsoft.com/office/drawing/2010/main">
                 <a:solidFill>
                   <a:srgbClr val="FFFFFF"/>
                 </a:solidFill>
               </a14:hiddenFill>
             </a:ext>
             <a:ext uri="{91240B29-F687-4f45-9708-019B960494DF}">
-              <a14:hiddenLine xmlns:a14="http://schemas.microsoft.com/office/drawing/2010/main" xmlns="" w="9525">
+              <a14:hiddenLine xmlns="" xmlns:a14="http://schemas.microsoft.com/office/drawing/2010/main" w="9525">
                 <a:solidFill>
                   <a:srgbClr val="000000"/>
                 </a:solidFill>
@@ -22832,7 +22744,7 @@
           </a:ln>
           <a:extLst>
             <a:ext uri="{909E8E84-426E-40dd-AFC4-6F175D3DCCD1}">
-              <a14:hiddenFill xmlns:a14="http://schemas.microsoft.com/office/drawing/2010/main" xmlns="">
+              <a14:hiddenFill xmlns="" xmlns:a14="http://schemas.microsoft.com/office/drawing/2010/main">
                 <a:solidFill>
                   <a:srgbClr val="FFFFFF"/>
                 </a:solidFill>
@@ -22870,14 +22782,14 @@
           </a:ln>
           <a:extLst>
             <a:ext uri="{909E8E84-426E-40dd-AFC4-6F175D3DCCD1}">
-              <a14:hiddenFill xmlns:a14="http://schemas.microsoft.com/office/drawing/2010/main" xmlns="">
+              <a14:hiddenFill xmlns="" xmlns:a14="http://schemas.microsoft.com/office/drawing/2010/main">
                 <a:solidFill>
                   <a:srgbClr val="FFFFFF"/>
                 </a:solidFill>
               </a14:hiddenFill>
             </a:ext>
             <a:ext uri="{91240B29-F687-4f45-9708-019B960494DF}">
-              <a14:hiddenLine xmlns:a14="http://schemas.microsoft.com/office/drawing/2010/main" xmlns="" w="9525">
+              <a14:hiddenLine xmlns="" xmlns:a14="http://schemas.microsoft.com/office/drawing/2010/main" w="9525">
                 <a:solidFill>
                   <a:srgbClr val="000000"/>
                 </a:solidFill>
@@ -23033,14 +22945,14 @@
           </a:ln>
           <a:extLst>
             <a:ext uri="{909E8E84-426E-40dd-AFC4-6F175D3DCCD1}">
-              <a14:hiddenFill xmlns:a14="http://schemas.microsoft.com/office/drawing/2010/main" xmlns="">
+              <a14:hiddenFill xmlns="" xmlns:a14="http://schemas.microsoft.com/office/drawing/2010/main">
                 <a:solidFill>
                   <a:srgbClr val="FFFFFF"/>
                 </a:solidFill>
               </a14:hiddenFill>
             </a:ext>
             <a:ext uri="{91240B29-F687-4f45-9708-019B960494DF}">
-              <a14:hiddenLine xmlns:a14="http://schemas.microsoft.com/office/drawing/2010/main" xmlns="" w="9525">
+              <a14:hiddenLine xmlns="" xmlns:a14="http://schemas.microsoft.com/office/drawing/2010/main" w="9525">
                 <a:solidFill>
                   <a:srgbClr val="000000"/>
                 </a:solidFill>
@@ -23245,7 +23157,7 @@
           </a:ln>
           <a:extLst>
             <a:ext uri="{909E8E84-426E-40dd-AFC4-6F175D3DCCD1}">
-              <a14:hiddenFill xmlns:a14="http://schemas.microsoft.com/office/drawing/2010/main" xmlns="">
+              <a14:hiddenFill xmlns="" xmlns:a14="http://schemas.microsoft.com/office/drawing/2010/main">
                 <a:solidFill>
                   <a:srgbClr val="FFFFFF"/>
                 </a:solidFill>
@@ -23329,7 +23241,7 @@
           </a:ln>
           <a:extLst>
             <a:ext uri="{909E8E84-426E-40dd-AFC4-6F175D3DCCD1}">
-              <a14:hiddenFill xmlns:a14="http://schemas.microsoft.com/office/drawing/2010/main" xmlns="">
+              <a14:hiddenFill xmlns="" xmlns:a14="http://schemas.microsoft.com/office/drawing/2010/main">
                 <a:solidFill>
                   <a:srgbClr val="FFFFFF"/>
                 </a:solidFill>
@@ -23413,7 +23325,7 @@
           </a:ln>
           <a:extLst>
             <a:ext uri="{909E8E84-426E-40dd-AFC4-6F175D3DCCD1}">
-              <a14:hiddenFill xmlns:a14="http://schemas.microsoft.com/office/drawing/2010/main" xmlns="">
+              <a14:hiddenFill xmlns="" xmlns:a14="http://schemas.microsoft.com/office/drawing/2010/main">
                 <a:solidFill>
                   <a:srgbClr val="FFFFFF"/>
                 </a:solidFill>
@@ -23456,7 +23368,7 @@
           </a:ln>
           <a:extLst>
             <a:ext uri="{909E8E84-426E-40dd-AFC4-6F175D3DCCD1}">
-              <a14:hiddenFill xmlns:a14="http://schemas.microsoft.com/office/drawing/2010/main" xmlns="">
+              <a14:hiddenFill xmlns="" xmlns:a14="http://schemas.microsoft.com/office/drawing/2010/main">
                 <a:noFill/>
               </a14:hiddenFill>
             </a:ext>
@@ -23497,7 +23409,7 @@
           </a:ln>
           <a:extLst>
             <a:ext uri="{909E8E84-426E-40dd-AFC4-6F175D3DCCD1}">
-              <a14:hiddenFill xmlns:a14="http://schemas.microsoft.com/office/drawing/2010/main" xmlns="">
+              <a14:hiddenFill xmlns="" xmlns:a14="http://schemas.microsoft.com/office/drawing/2010/main">
                 <a:noFill/>
               </a14:hiddenFill>
             </a:ext>
@@ -23538,7 +23450,7 @@
           </a:ln>
           <a:extLst>
             <a:ext uri="{909E8E84-426E-40dd-AFC4-6F175D3DCCD1}">
-              <a14:hiddenFill xmlns:a14="http://schemas.microsoft.com/office/drawing/2010/main" xmlns="">
+              <a14:hiddenFill xmlns="" xmlns:a14="http://schemas.microsoft.com/office/drawing/2010/main">
                 <a:noFill/>
               </a14:hiddenFill>
             </a:ext>
@@ -23581,7 +23493,7 @@
           </a:ln>
           <a:extLst>
             <a:ext uri="{909E8E84-426E-40dd-AFC4-6F175D3DCCD1}">
-              <a14:hiddenFill xmlns:a14="http://schemas.microsoft.com/office/drawing/2010/main" xmlns="">
+              <a14:hiddenFill xmlns="" xmlns:a14="http://schemas.microsoft.com/office/drawing/2010/main">
                 <a:noFill/>
               </a14:hiddenFill>
             </a:ext>
@@ -23616,7 +23528,7 @@
           </a:ln>
           <a:extLst>
             <a:ext uri="{909E8E84-426E-40dd-AFC4-6F175D3DCCD1}">
-              <a14:hiddenFill xmlns:a14="http://schemas.microsoft.com/office/drawing/2010/main" xmlns="">
+              <a14:hiddenFill xmlns="" xmlns:a14="http://schemas.microsoft.com/office/drawing/2010/main">
                 <a:noFill/>
               </a14:hiddenFill>
             </a:ext>
@@ -23652,7 +23564,7 @@
           </a:ln>
           <a:extLst>
             <a:ext uri="{909E8E84-426E-40dd-AFC4-6F175D3DCCD1}">
-              <a14:hiddenFill xmlns:a14="http://schemas.microsoft.com/office/drawing/2010/main" xmlns="">
+              <a14:hiddenFill xmlns="" xmlns:a14="http://schemas.microsoft.com/office/drawing/2010/main">
                 <a:noFill/>
               </a14:hiddenFill>
             </a:ext>
@@ -23687,7 +23599,7 @@
           </a:ln>
           <a:extLst>
             <a:ext uri="{909E8E84-426E-40dd-AFC4-6F175D3DCCD1}">
-              <a14:hiddenFill xmlns:a14="http://schemas.microsoft.com/office/drawing/2010/main" xmlns="">
+              <a14:hiddenFill xmlns="" xmlns:a14="http://schemas.microsoft.com/office/drawing/2010/main">
                 <a:noFill/>
               </a14:hiddenFill>
             </a:ext>
@@ -23753,14 +23665,14 @@
                       <a:effectLst/>
                       <a:extLst>
                         <a:ext uri="{909E8E84-426E-40dd-AFC4-6F175D3DCCD1}">
-                          <a14:hiddenFill xmlns:a14="http://schemas.microsoft.com/office/drawing/2010/main" xmlns="">
+                          <a14:hiddenFill xmlns="" xmlns:a14="http://schemas.microsoft.com/office/drawing/2010/main">
                             <a:solidFill>
                               <a:srgbClr val="FFFFFF"/>
                             </a:solidFill>
                           </a14:hiddenFill>
                         </a:ext>
                         <a:ext uri="{91240B29-F687-4f45-9708-019B960494DF}">
-                          <a14:hiddenLine xmlns:a14="http://schemas.microsoft.com/office/drawing/2010/main" xmlns="" w="9525">
+                          <a14:hiddenLine xmlns="" xmlns:a14="http://schemas.microsoft.com/office/drawing/2010/main" w="9525">
                             <a:solidFill>
                               <a:srgbClr val="000000"/>
                             </a:solidFill>
@@ -23770,7 +23682,7 @@
                           </a14:hiddenLine>
                         </a:ext>
                         <a:ext uri="{AF507438-7753-43e0-B8FC-AC1667EBCBE1}">
-                          <a14:hiddenEffects xmlns:a14="http://schemas.microsoft.com/office/drawing/2010/main" xmlns="">
+                          <a14:hiddenEffects xmlns="" xmlns:a14="http://schemas.microsoft.com/office/drawing/2010/main">
                             <a:effectLst>
                               <a:outerShdw blurRad="63500" dist="38099" dir="2700000" algn="ctr" rotWithShape="0">
                                 <a:srgbClr val="000000">
@@ -23848,14 +23760,14 @@
                       <a:effectLst/>
                       <a:extLst>
                         <a:ext uri="{909E8E84-426E-40dd-AFC4-6F175D3DCCD1}">
-                          <a14:hiddenFill xmlns:a14="http://schemas.microsoft.com/office/drawing/2010/main" xmlns="">
+                          <a14:hiddenFill xmlns="" xmlns:a14="http://schemas.microsoft.com/office/drawing/2010/main">
                             <a:solidFill>
                               <a:srgbClr val="FFFFFF"/>
                             </a:solidFill>
                           </a14:hiddenFill>
                         </a:ext>
                         <a:ext uri="{91240B29-F687-4f45-9708-019B960494DF}">
-                          <a14:hiddenLine xmlns:a14="http://schemas.microsoft.com/office/drawing/2010/main" xmlns="" w="9525">
+                          <a14:hiddenLine xmlns="" xmlns:a14="http://schemas.microsoft.com/office/drawing/2010/main" w="9525">
                             <a:solidFill>
                               <a:srgbClr val="000000"/>
                             </a:solidFill>
@@ -23865,7 +23777,7 @@
                           </a14:hiddenLine>
                         </a:ext>
                         <a:ext uri="{AF507438-7753-43e0-B8FC-AC1667EBCBE1}">
-                          <a14:hiddenEffects xmlns:a14="http://schemas.microsoft.com/office/drawing/2010/main" xmlns="">
+                          <a14:hiddenEffects xmlns="" xmlns:a14="http://schemas.microsoft.com/office/drawing/2010/main">
                             <a:effectLst>
                               <a:outerShdw blurRad="63500" dist="38099" dir="2700000" algn="ctr" rotWithShape="0">
                                 <a:srgbClr val="000000">
@@ -24537,12 +24449,12 @@
             <a:effectLst/>
             <a:extLst>
               <a:ext uri="{909E8E84-426E-40dd-AFC4-6F175D3DCCD1}">
-                <a14:hiddenFill xmlns:a14="http://schemas.microsoft.com/office/drawing/2010/main" xmlns="">
+                <a14:hiddenFill xmlns="" xmlns:a14="http://schemas.microsoft.com/office/drawing/2010/main">
                   <a:noFill/>
                 </a14:hiddenFill>
               </a:ext>
               <a:ext uri="{AF507438-7753-43e0-B8FC-AC1667EBCBE1}">
-                <a14:hiddenEffects xmlns:a14="http://schemas.microsoft.com/office/drawing/2010/main" xmlns="">
+                <a14:hiddenEffects xmlns="" xmlns:a14="http://schemas.microsoft.com/office/drawing/2010/main">
                   <a:effectLst>
                     <a:outerShdw blurRad="63500" dist="38099" dir="2700000" algn="ctr" rotWithShape="0">
                       <a:schemeClr val="bg2">
@@ -24585,14 +24497,14 @@
             <a:effectLst/>
             <a:extLst>
               <a:ext uri="{909E8E84-426E-40dd-AFC4-6F175D3DCCD1}">
-                <a14:hiddenFill xmlns:a14="http://schemas.microsoft.com/office/drawing/2010/main" xmlns="">
+                <a14:hiddenFill xmlns="" xmlns:a14="http://schemas.microsoft.com/office/drawing/2010/main">
                   <a:solidFill>
                     <a:schemeClr val="accent1"/>
                   </a:solidFill>
                 </a14:hiddenFill>
               </a:ext>
               <a:ext uri="{91240B29-F687-4f45-9708-019B960494DF}">
-                <a14:hiddenLine xmlns:a14="http://schemas.microsoft.com/office/drawing/2010/main" xmlns="" w="9525">
+                <a14:hiddenLine xmlns="" xmlns:a14="http://schemas.microsoft.com/office/drawing/2010/main" w="9525">
                   <a:solidFill>
                     <a:schemeClr val="tx1"/>
                   </a:solidFill>
@@ -24602,7 +24514,7 @@
                 </a14:hiddenLine>
               </a:ext>
               <a:ext uri="{AF507438-7753-43e0-B8FC-AC1667EBCBE1}">
-                <a14:hiddenEffects xmlns:a14="http://schemas.microsoft.com/office/drawing/2010/main" xmlns="">
+                <a14:hiddenEffects xmlns="" xmlns:a14="http://schemas.microsoft.com/office/drawing/2010/main">
                   <a:effectLst>
                     <a:outerShdw blurRad="63500" dist="38099" dir="2700000" algn="ctr" rotWithShape="0">
                       <a:schemeClr val="bg2">
@@ -24655,7 +24567,7 @@
             <a:effectLst/>
             <a:extLst>
               <a:ext uri="{AF507438-7753-43e0-B8FC-AC1667EBCBE1}">
-                <a14:hiddenEffects xmlns:a14="http://schemas.microsoft.com/office/drawing/2010/main" xmlns="">
+                <a14:hiddenEffects xmlns="" xmlns:a14="http://schemas.microsoft.com/office/drawing/2010/main">
                   <a:effectLst>
                     <a:outerShdw blurRad="63500" dist="38099" dir="2700000" algn="ctr" rotWithShape="0">
                       <a:schemeClr val="bg2">
@@ -24711,7 +24623,7 @@
             <a:effectLst/>
             <a:extLst>
               <a:ext uri="{AF507438-7753-43e0-B8FC-AC1667EBCBE1}">
-                <a14:hiddenEffects xmlns:a14="http://schemas.microsoft.com/office/drawing/2010/main" xmlns="">
+                <a14:hiddenEffects xmlns="" xmlns:a14="http://schemas.microsoft.com/office/drawing/2010/main">
                   <a:effectLst>
                     <a:outerShdw blurRad="63500" dist="38099" dir="2700000" algn="ctr" rotWithShape="0">
                       <a:schemeClr val="bg2">
@@ -24767,7 +24679,7 @@
             <a:effectLst/>
             <a:extLst>
               <a:ext uri="{AF507438-7753-43e0-B8FC-AC1667EBCBE1}">
-                <a14:hiddenEffects xmlns:a14="http://schemas.microsoft.com/office/drawing/2010/main" xmlns="">
+                <a14:hiddenEffects xmlns="" xmlns:a14="http://schemas.microsoft.com/office/drawing/2010/main">
                   <a:effectLst>
                     <a:outerShdw blurRad="63500" dist="38099" dir="2700000" algn="ctr" rotWithShape="0">
                       <a:schemeClr val="bg2">
@@ -24823,7 +24735,7 @@
             <a:effectLst/>
             <a:extLst>
               <a:ext uri="{AF507438-7753-43e0-B8FC-AC1667EBCBE1}">
-                <a14:hiddenEffects xmlns:a14="http://schemas.microsoft.com/office/drawing/2010/main" xmlns="">
+                <a14:hiddenEffects xmlns="" xmlns:a14="http://schemas.microsoft.com/office/drawing/2010/main">
                   <a:effectLst>
                     <a:outerShdw blurRad="63500" dist="38099" dir="2700000" algn="ctr" rotWithShape="0">
                       <a:schemeClr val="bg2">
@@ -24878,12 +24790,12 @@
             <a:effectLst/>
             <a:extLst>
               <a:ext uri="{909E8E84-426E-40dd-AFC4-6F175D3DCCD1}">
-                <a14:hiddenFill xmlns:a14="http://schemas.microsoft.com/office/drawing/2010/main" xmlns="">
+                <a14:hiddenFill xmlns="" xmlns:a14="http://schemas.microsoft.com/office/drawing/2010/main">
                   <a:noFill/>
                 </a14:hiddenFill>
               </a:ext>
               <a:ext uri="{AF507438-7753-43e0-B8FC-AC1667EBCBE1}">
-                <a14:hiddenEffects xmlns:a14="http://schemas.microsoft.com/office/drawing/2010/main" xmlns="">
+                <a14:hiddenEffects xmlns="" xmlns:a14="http://schemas.microsoft.com/office/drawing/2010/main">
                   <a:effectLst>
                     <a:outerShdw blurRad="63500" dist="38099" dir="2700000" algn="ctr" rotWithShape="0">
                       <a:schemeClr val="bg2">
@@ -24940,14 +24852,14 @@
           <a:effectLst/>
           <a:extLst>
             <a:ext uri="{909E8E84-426E-40dd-AFC4-6F175D3DCCD1}">
-              <a14:hiddenFill xmlns:a14="http://schemas.microsoft.com/office/drawing/2010/main" xmlns="">
+              <a14:hiddenFill xmlns="" xmlns:a14="http://schemas.microsoft.com/office/drawing/2010/main">
                 <a:solidFill>
                   <a:schemeClr val="accent1"/>
                 </a:solidFill>
               </a14:hiddenFill>
             </a:ext>
             <a:ext uri="{91240B29-F687-4f45-9708-019B960494DF}">
-              <a14:hiddenLine xmlns:a14="http://schemas.microsoft.com/office/drawing/2010/main" xmlns="" w="9525">
+              <a14:hiddenLine xmlns="" xmlns:a14="http://schemas.microsoft.com/office/drawing/2010/main" w="9525">
                 <a:solidFill>
                   <a:schemeClr val="tx1"/>
                 </a:solidFill>
@@ -24957,7 +24869,7 @@
               </a14:hiddenLine>
             </a:ext>
             <a:ext uri="{AF507438-7753-43e0-B8FC-AC1667EBCBE1}">
-              <a14:hiddenEffects xmlns:a14="http://schemas.microsoft.com/office/drawing/2010/main" xmlns="">
+              <a14:hiddenEffects xmlns="" xmlns:a14="http://schemas.microsoft.com/office/drawing/2010/main">
                 <a:effectLst>
                   <a:outerShdw blurRad="63500" dist="38099" dir="2700000" algn="ctr" rotWithShape="0">
                     <a:schemeClr val="bg2">
@@ -25006,14 +24918,14 @@
           <a:effectLst/>
           <a:extLst>
             <a:ext uri="{909E8E84-426E-40dd-AFC4-6F175D3DCCD1}">
-              <a14:hiddenFill xmlns:a14="http://schemas.microsoft.com/office/drawing/2010/main" xmlns="">
+              <a14:hiddenFill xmlns="" xmlns:a14="http://schemas.microsoft.com/office/drawing/2010/main">
                 <a:solidFill>
                   <a:schemeClr val="accent1"/>
                 </a:solidFill>
               </a14:hiddenFill>
             </a:ext>
             <a:ext uri="{91240B29-F687-4f45-9708-019B960494DF}">
-              <a14:hiddenLine xmlns:a14="http://schemas.microsoft.com/office/drawing/2010/main" xmlns="" w="9525">
+              <a14:hiddenLine xmlns="" xmlns:a14="http://schemas.microsoft.com/office/drawing/2010/main" w="9525">
                 <a:solidFill>
                   <a:schemeClr val="tx1"/>
                 </a:solidFill>
@@ -25023,7 +24935,7 @@
               </a14:hiddenLine>
             </a:ext>
             <a:ext uri="{AF507438-7753-43e0-B8FC-AC1667EBCBE1}">
-              <a14:hiddenEffects xmlns:a14="http://schemas.microsoft.com/office/drawing/2010/main" xmlns="">
+              <a14:hiddenEffects xmlns="" xmlns:a14="http://schemas.microsoft.com/office/drawing/2010/main">
                 <a:effectLst>
                   <a:outerShdw blurRad="63500" dist="38099" dir="2700000" algn="ctr" rotWithShape="0">
                     <a:schemeClr val="bg2">
@@ -29240,14 +29152,14 @@
           </a:ln>
           <a:extLst>
             <a:ext uri="{909E8E84-426E-40dd-AFC4-6F175D3DCCD1}">
-              <a14:hiddenFill xmlns:a14="http://schemas.microsoft.com/office/drawing/2010/main" xmlns="">
+              <a14:hiddenFill xmlns="" xmlns:a14="http://schemas.microsoft.com/office/drawing/2010/main">
                 <a:solidFill>
                   <a:srgbClr val="FFFFFF"/>
                 </a:solidFill>
               </a14:hiddenFill>
             </a:ext>
             <a:ext uri="{91240B29-F687-4f45-9708-019B960494DF}">
-              <a14:hiddenLine xmlns:a14="http://schemas.microsoft.com/office/drawing/2010/main" xmlns="" w="9525">
+              <a14:hiddenLine xmlns="" xmlns:a14="http://schemas.microsoft.com/office/drawing/2010/main" w="9525">
                 <a:solidFill>
                   <a:srgbClr val="000000"/>
                 </a:solidFill>
@@ -29312,7 +29224,7 @@
             <a:effectLst/>
             <a:extLst>
               <a:ext uri="{AF507438-7753-43e0-B8FC-AC1667EBCBE1}">
-                <a14:hiddenEffects xmlns:a14="http://schemas.microsoft.com/office/drawing/2010/main" xmlns="">
+                <a14:hiddenEffects xmlns="" xmlns:a14="http://schemas.microsoft.com/office/drawing/2010/main">
                   <a:effectLst>
                     <a:outerShdw blurRad="63500" dist="38099" dir="2700000" algn="ctr" rotWithShape="0">
                       <a:schemeClr val="bg2">
@@ -29371,7 +29283,7 @@
             <a:effectLst/>
             <a:extLst>
               <a:ext uri="{AF507438-7753-43e0-B8FC-AC1667EBCBE1}">
-                <a14:hiddenEffects xmlns:a14="http://schemas.microsoft.com/office/drawing/2010/main" xmlns="">
+                <a14:hiddenEffects xmlns="" xmlns:a14="http://schemas.microsoft.com/office/drawing/2010/main">
                   <a:effectLst>
                     <a:outerShdw blurRad="63500" dist="38099" dir="2700000" algn="ctr" rotWithShape="0">
                       <a:schemeClr val="bg2">
@@ -29426,7 +29338,7 @@
             <a:effectLst/>
             <a:extLst>
               <a:ext uri="{AF507438-7753-43e0-B8FC-AC1667EBCBE1}">
-                <a14:hiddenEffects xmlns:a14="http://schemas.microsoft.com/office/drawing/2010/main" xmlns="">
+                <a14:hiddenEffects xmlns="" xmlns:a14="http://schemas.microsoft.com/office/drawing/2010/main">
                   <a:effectLst>
                     <a:outerShdw blurRad="63500" dist="38099" dir="2700000" algn="ctr" rotWithShape="0">
                       <a:schemeClr val="bg2">
@@ -29483,12 +29395,12 @@
             <a:effectLst/>
             <a:extLst>
               <a:ext uri="{909E8E84-426E-40dd-AFC4-6F175D3DCCD1}">
-                <a14:hiddenFill xmlns:a14="http://schemas.microsoft.com/office/drawing/2010/main" xmlns="">
+                <a14:hiddenFill xmlns="" xmlns:a14="http://schemas.microsoft.com/office/drawing/2010/main">
                   <a:noFill/>
                 </a14:hiddenFill>
               </a:ext>
               <a:ext uri="{AF507438-7753-43e0-B8FC-AC1667EBCBE1}">
-                <a14:hiddenEffects xmlns:a14="http://schemas.microsoft.com/office/drawing/2010/main" xmlns="">
+                <a14:hiddenEffects xmlns="" xmlns:a14="http://schemas.microsoft.com/office/drawing/2010/main">
                   <a:effectLst>
                     <a:outerShdw blurRad="63500" dist="38099" dir="2700000" algn="ctr" rotWithShape="0">
                       <a:schemeClr val="bg2">
@@ -29541,12 +29453,12 @@
             <a:effectLst/>
             <a:extLst>
               <a:ext uri="{909E8E84-426E-40dd-AFC4-6F175D3DCCD1}">
-                <a14:hiddenFill xmlns:a14="http://schemas.microsoft.com/office/drawing/2010/main" xmlns="">
+                <a14:hiddenFill xmlns="" xmlns:a14="http://schemas.microsoft.com/office/drawing/2010/main">
                   <a:noFill/>
                 </a14:hiddenFill>
               </a:ext>
               <a:ext uri="{AF507438-7753-43e0-B8FC-AC1667EBCBE1}">
-                <a14:hiddenEffects xmlns:a14="http://schemas.microsoft.com/office/drawing/2010/main" xmlns="">
+                <a14:hiddenEffects xmlns="" xmlns:a14="http://schemas.microsoft.com/office/drawing/2010/main">
                   <a:effectLst>
                     <a:outerShdw blurRad="63500" dist="38099" dir="2700000" algn="ctr" rotWithShape="0">
                       <a:schemeClr val="bg2">
@@ -29594,14 +29506,14 @@
             <a:effectLst/>
             <a:extLst>
               <a:ext uri="{909E8E84-426E-40dd-AFC4-6F175D3DCCD1}">
-                <a14:hiddenFill xmlns:a14="http://schemas.microsoft.com/office/drawing/2010/main" xmlns="">
+                <a14:hiddenFill xmlns="" xmlns:a14="http://schemas.microsoft.com/office/drawing/2010/main">
                   <a:solidFill>
                     <a:schemeClr val="accent1"/>
                   </a:solidFill>
                 </a14:hiddenFill>
               </a:ext>
               <a:ext uri="{91240B29-F687-4f45-9708-019B960494DF}">
-                <a14:hiddenLine xmlns:a14="http://schemas.microsoft.com/office/drawing/2010/main" xmlns="" w="9525">
+                <a14:hiddenLine xmlns="" xmlns:a14="http://schemas.microsoft.com/office/drawing/2010/main" w="9525">
                   <a:solidFill>
                     <a:schemeClr val="tx1"/>
                   </a:solidFill>
@@ -29611,7 +29523,7 @@
                 </a14:hiddenLine>
               </a:ext>
               <a:ext uri="{AF507438-7753-43e0-B8FC-AC1667EBCBE1}">
-                <a14:hiddenEffects xmlns:a14="http://schemas.microsoft.com/office/drawing/2010/main" xmlns="">
+                <a14:hiddenEffects xmlns="" xmlns:a14="http://schemas.microsoft.com/office/drawing/2010/main">
                   <a:effectLst>
                     <a:outerShdw blurRad="63500" dist="38099" dir="2700000" algn="ctr" rotWithShape="0">
                       <a:schemeClr val="bg2">
@@ -29766,14 +29678,14 @@
             <a:effectLst/>
             <a:extLst>
               <a:ext uri="{909E8E84-426E-40dd-AFC4-6F175D3DCCD1}">
-                <a14:hiddenFill xmlns:a14="http://schemas.microsoft.com/office/drawing/2010/main" xmlns="">
+                <a14:hiddenFill xmlns="" xmlns:a14="http://schemas.microsoft.com/office/drawing/2010/main">
                   <a:solidFill>
                     <a:schemeClr val="accent1"/>
                   </a:solidFill>
                 </a14:hiddenFill>
               </a:ext>
               <a:ext uri="{91240B29-F687-4f45-9708-019B960494DF}">
-                <a14:hiddenLine xmlns:a14="http://schemas.microsoft.com/office/drawing/2010/main" xmlns="" w="9525">
+                <a14:hiddenLine xmlns="" xmlns:a14="http://schemas.microsoft.com/office/drawing/2010/main" w="9525">
                   <a:solidFill>
                     <a:schemeClr val="tx1"/>
                   </a:solidFill>
@@ -29783,7 +29695,7 @@
                 </a14:hiddenLine>
               </a:ext>
               <a:ext uri="{AF507438-7753-43e0-B8FC-AC1667EBCBE1}">
-                <a14:hiddenEffects xmlns:a14="http://schemas.microsoft.com/office/drawing/2010/main" xmlns="">
+                <a14:hiddenEffects xmlns="" xmlns:a14="http://schemas.microsoft.com/office/drawing/2010/main">
                   <a:effectLst>
                     <a:outerShdw blurRad="63500" dist="38099" dir="2700000" algn="ctr" rotWithShape="0">
                       <a:schemeClr val="bg2">
@@ -29951,7 +29863,7 @@
             <a:effectLst/>
             <a:extLst>
               <a:ext uri="{AF507438-7753-43e0-B8FC-AC1667EBCBE1}">
-                <a14:hiddenEffects xmlns:a14="http://schemas.microsoft.com/office/drawing/2010/main" xmlns="">
+                <a14:hiddenEffects xmlns="" xmlns:a14="http://schemas.microsoft.com/office/drawing/2010/main">
                   <a:effectLst>
                     <a:outerShdw blurRad="63500" dist="38099" dir="2700000" algn="ctr" rotWithShape="0">
                       <a:schemeClr val="bg2">
@@ -30010,7 +29922,7 @@
             <a:effectLst/>
             <a:extLst>
               <a:ext uri="{AF507438-7753-43e0-B8FC-AC1667EBCBE1}">
-                <a14:hiddenEffects xmlns:a14="http://schemas.microsoft.com/office/drawing/2010/main" xmlns="">
+                <a14:hiddenEffects xmlns="" xmlns:a14="http://schemas.microsoft.com/office/drawing/2010/main">
                   <a:effectLst>
                     <a:outerShdw blurRad="63500" dist="38099" dir="2700000" algn="ctr" rotWithShape="0">
                       <a:schemeClr val="bg2">
@@ -30067,12 +29979,12 @@
             <a:effectLst/>
             <a:extLst>
               <a:ext uri="{909E8E84-426E-40dd-AFC4-6F175D3DCCD1}">
-                <a14:hiddenFill xmlns:a14="http://schemas.microsoft.com/office/drawing/2010/main" xmlns="">
+                <a14:hiddenFill xmlns="" xmlns:a14="http://schemas.microsoft.com/office/drawing/2010/main">
                   <a:noFill/>
                 </a14:hiddenFill>
               </a:ext>
               <a:ext uri="{AF507438-7753-43e0-B8FC-AC1667EBCBE1}">
-                <a14:hiddenEffects xmlns:a14="http://schemas.microsoft.com/office/drawing/2010/main" xmlns="">
+                <a14:hiddenEffects xmlns="" xmlns:a14="http://schemas.microsoft.com/office/drawing/2010/main">
                   <a:effectLst>
                     <a:outerShdw blurRad="63500" dist="38099" dir="2700000" algn="ctr" rotWithShape="0">
                       <a:schemeClr val="bg2">
@@ -30125,12 +30037,12 @@
             <a:effectLst/>
             <a:extLst>
               <a:ext uri="{909E8E84-426E-40dd-AFC4-6F175D3DCCD1}">
-                <a14:hiddenFill xmlns:a14="http://schemas.microsoft.com/office/drawing/2010/main" xmlns="">
+                <a14:hiddenFill xmlns="" xmlns:a14="http://schemas.microsoft.com/office/drawing/2010/main">
                   <a:noFill/>
                 </a14:hiddenFill>
               </a:ext>
               <a:ext uri="{AF507438-7753-43e0-B8FC-AC1667EBCBE1}">
-                <a14:hiddenEffects xmlns:a14="http://schemas.microsoft.com/office/drawing/2010/main" xmlns="">
+                <a14:hiddenEffects xmlns="" xmlns:a14="http://schemas.microsoft.com/office/drawing/2010/main">
                   <a:effectLst>
                     <a:outerShdw blurRad="63500" dist="38099" dir="2700000" algn="ctr" rotWithShape="0">
                       <a:schemeClr val="bg2">
@@ -30178,14 +30090,14 @@
             <a:effectLst/>
             <a:extLst>
               <a:ext uri="{909E8E84-426E-40dd-AFC4-6F175D3DCCD1}">
-                <a14:hiddenFill xmlns:a14="http://schemas.microsoft.com/office/drawing/2010/main" xmlns="">
+                <a14:hiddenFill xmlns="" xmlns:a14="http://schemas.microsoft.com/office/drawing/2010/main">
                   <a:solidFill>
                     <a:schemeClr val="accent1"/>
                   </a:solidFill>
                 </a14:hiddenFill>
               </a:ext>
               <a:ext uri="{91240B29-F687-4f45-9708-019B960494DF}">
-                <a14:hiddenLine xmlns:a14="http://schemas.microsoft.com/office/drawing/2010/main" xmlns="" w="9525">
+                <a14:hiddenLine xmlns="" xmlns:a14="http://schemas.microsoft.com/office/drawing/2010/main" w="9525">
                   <a:solidFill>
                     <a:schemeClr val="tx1"/>
                   </a:solidFill>
@@ -30195,7 +30107,7 @@
                 </a14:hiddenLine>
               </a:ext>
               <a:ext uri="{AF507438-7753-43e0-B8FC-AC1667EBCBE1}">
-                <a14:hiddenEffects xmlns:a14="http://schemas.microsoft.com/office/drawing/2010/main" xmlns="">
+                <a14:hiddenEffects xmlns="" xmlns:a14="http://schemas.microsoft.com/office/drawing/2010/main">
                   <a:effectLst>
                     <a:outerShdw blurRad="63500" dist="38099" dir="2700000" algn="ctr" rotWithShape="0">
                       <a:schemeClr val="bg2">
@@ -30350,14 +30262,14 @@
             <a:effectLst/>
             <a:extLst>
               <a:ext uri="{909E8E84-426E-40dd-AFC4-6F175D3DCCD1}">
-                <a14:hiddenFill xmlns:a14="http://schemas.microsoft.com/office/drawing/2010/main" xmlns="">
+                <a14:hiddenFill xmlns="" xmlns:a14="http://schemas.microsoft.com/office/drawing/2010/main">
                   <a:solidFill>
                     <a:schemeClr val="accent1"/>
                   </a:solidFill>
                 </a14:hiddenFill>
               </a:ext>
               <a:ext uri="{91240B29-F687-4f45-9708-019B960494DF}">
-                <a14:hiddenLine xmlns:a14="http://schemas.microsoft.com/office/drawing/2010/main" xmlns="" w="9525">
+                <a14:hiddenLine xmlns="" xmlns:a14="http://schemas.microsoft.com/office/drawing/2010/main" w="9525">
                   <a:solidFill>
                     <a:schemeClr val="tx1"/>
                   </a:solidFill>
@@ -30367,7 +30279,7 @@
                 </a14:hiddenLine>
               </a:ext>
               <a:ext uri="{AF507438-7753-43e0-B8FC-AC1667EBCBE1}">
-                <a14:hiddenEffects xmlns:a14="http://schemas.microsoft.com/office/drawing/2010/main" xmlns="">
+                <a14:hiddenEffects xmlns="" xmlns:a14="http://schemas.microsoft.com/office/drawing/2010/main">
                   <a:effectLst>
                     <a:outerShdw blurRad="63500" dist="38099" dir="2700000" algn="ctr" rotWithShape="0">
                       <a:schemeClr val="bg2">
@@ -35190,7 +35102,7 @@
           </a:ln>
           <a:extLst>
             <a:ext uri="{909E8E84-426E-40dd-AFC4-6F175D3DCCD1}">
-              <a14:hiddenFill xmlns:a14="http://schemas.microsoft.com/office/drawing/2010/main" xmlns="">
+              <a14:hiddenFill xmlns="" xmlns:a14="http://schemas.microsoft.com/office/drawing/2010/main">
                 <a:solidFill>
                   <a:srgbClr val="FFFFFF"/>
                 </a:solidFill>
@@ -35300,7 +35212,7 @@
           </a:ln>
           <a:extLst>
             <a:ext uri="{909E8E84-426E-40dd-AFC4-6F175D3DCCD1}">
-              <a14:hiddenFill xmlns:a14="http://schemas.microsoft.com/office/drawing/2010/main" xmlns="">
+              <a14:hiddenFill xmlns="" xmlns:a14="http://schemas.microsoft.com/office/drawing/2010/main">
                 <a:solidFill>
                   <a:srgbClr val="FFFFFF"/>
                 </a:solidFill>
@@ -35338,14 +35250,14 @@
           </a:ln>
           <a:extLst>
             <a:ext uri="{909E8E84-426E-40dd-AFC4-6F175D3DCCD1}">
-              <a14:hiddenFill xmlns:a14="http://schemas.microsoft.com/office/drawing/2010/main" xmlns="">
+              <a14:hiddenFill xmlns="" xmlns:a14="http://schemas.microsoft.com/office/drawing/2010/main">
                 <a:solidFill>
                   <a:srgbClr val="FFFFFF"/>
                 </a:solidFill>
               </a14:hiddenFill>
             </a:ext>
             <a:ext uri="{91240B29-F687-4f45-9708-019B960494DF}">
-              <a14:hiddenLine xmlns:a14="http://schemas.microsoft.com/office/drawing/2010/main" xmlns="" w="9525">
+              <a14:hiddenLine xmlns="" xmlns:a14="http://schemas.microsoft.com/office/drawing/2010/main" w="9525">
                 <a:solidFill>
                   <a:srgbClr val="000000"/>
                 </a:solidFill>
@@ -35501,14 +35413,14 @@
           </a:ln>
           <a:extLst>
             <a:ext uri="{909E8E84-426E-40dd-AFC4-6F175D3DCCD1}">
-              <a14:hiddenFill xmlns:a14="http://schemas.microsoft.com/office/drawing/2010/main" xmlns="">
+              <a14:hiddenFill xmlns="" xmlns:a14="http://schemas.microsoft.com/office/drawing/2010/main">
                 <a:solidFill>
                   <a:srgbClr val="FFFFFF"/>
                 </a:solidFill>
               </a14:hiddenFill>
             </a:ext>
             <a:ext uri="{91240B29-F687-4f45-9708-019B960494DF}">
-              <a14:hiddenLine xmlns:a14="http://schemas.microsoft.com/office/drawing/2010/main" xmlns="" w="9525">
+              <a14:hiddenLine xmlns="" xmlns:a14="http://schemas.microsoft.com/office/drawing/2010/main" w="9525">
                 <a:solidFill>
                   <a:srgbClr val="000000"/>
                 </a:solidFill>
@@ -35664,14 +35576,14 @@
           </a:ln>
           <a:extLst>
             <a:ext uri="{909E8E84-426E-40dd-AFC4-6F175D3DCCD1}">
-              <a14:hiddenFill xmlns:a14="http://schemas.microsoft.com/office/drawing/2010/main" xmlns="">
+              <a14:hiddenFill xmlns="" xmlns:a14="http://schemas.microsoft.com/office/drawing/2010/main">
                 <a:solidFill>
                   <a:srgbClr val="FFFFFF"/>
                 </a:solidFill>
               </a14:hiddenFill>
             </a:ext>
             <a:ext uri="{91240B29-F687-4f45-9708-019B960494DF}">
-              <a14:hiddenLine xmlns:a14="http://schemas.microsoft.com/office/drawing/2010/main" xmlns="" w="9525">
+              <a14:hiddenLine xmlns="" xmlns:a14="http://schemas.microsoft.com/office/drawing/2010/main" w="9525">
                 <a:solidFill>
                   <a:srgbClr val="000000"/>
                 </a:solidFill>
@@ -35900,7 +35812,7 @@
           </a:ln>
           <a:extLst>
             <a:ext uri="{909E8E84-426E-40dd-AFC4-6F175D3DCCD1}">
-              <a14:hiddenFill xmlns:a14="http://schemas.microsoft.com/office/drawing/2010/main" xmlns="">
+              <a14:hiddenFill xmlns="" xmlns:a14="http://schemas.microsoft.com/office/drawing/2010/main">
                 <a:solidFill>
                   <a:srgbClr val="FFFFFF"/>
                 </a:solidFill>
@@ -35943,7 +35855,7 @@
           </a:ln>
           <a:extLst>
             <a:ext uri="{909E8E84-426E-40dd-AFC4-6F175D3DCCD1}">
-              <a14:hiddenFill xmlns:a14="http://schemas.microsoft.com/office/drawing/2010/main" xmlns="">
+              <a14:hiddenFill xmlns="" xmlns:a14="http://schemas.microsoft.com/office/drawing/2010/main">
                 <a:noFill/>
               </a14:hiddenFill>
             </a:ext>
@@ -36067,7 +35979,7 @@
             </a:ln>
             <a:extLst>
               <a:ext uri="{909E8E84-426E-40dd-AFC4-6F175D3DCCD1}">
-                <a14:hiddenFill xmlns:a14="http://schemas.microsoft.com/office/drawing/2010/main" xmlns="">
+                <a14:hiddenFill xmlns="" xmlns:a14="http://schemas.microsoft.com/office/drawing/2010/main">
                   <a:solidFill>
                     <a:srgbClr val="FFFFFF"/>
                   </a:solidFill>
@@ -36246,7 +36158,7 @@
             </a:ln>
             <a:extLst>
               <a:ext uri="{909E8E84-426E-40dd-AFC4-6F175D3DCCD1}">
-                <a14:hiddenFill xmlns:a14="http://schemas.microsoft.com/office/drawing/2010/main" xmlns="">
+                <a14:hiddenFill xmlns="" xmlns:a14="http://schemas.microsoft.com/office/drawing/2010/main">
                   <a:solidFill>
                     <a:srgbClr val="FFFFFF"/>
                   </a:solidFill>
@@ -36289,7 +36201,7 @@
             </a:ln>
             <a:extLst>
               <a:ext uri="{909E8E84-426E-40dd-AFC4-6F175D3DCCD1}">
-                <a14:hiddenFill xmlns:a14="http://schemas.microsoft.com/office/drawing/2010/main" xmlns="">
+                <a14:hiddenFill xmlns="" xmlns:a14="http://schemas.microsoft.com/office/drawing/2010/main">
                   <a:noFill/>
                 </a14:hiddenFill>
               </a:ext>
@@ -36330,7 +36242,7 @@
             </a:ln>
             <a:extLst>
               <a:ext uri="{909E8E84-426E-40dd-AFC4-6F175D3DCCD1}">
-                <a14:hiddenFill xmlns:a14="http://schemas.microsoft.com/office/drawing/2010/main" xmlns="">
+                <a14:hiddenFill xmlns="" xmlns:a14="http://schemas.microsoft.com/office/drawing/2010/main">
                   <a:noFill/>
                 </a14:hiddenFill>
               </a:ext>
@@ -36388,7 +36300,7 @@
             </a:ln>
             <a:extLst>
               <a:ext uri="{909E8E84-426E-40dd-AFC4-6F175D3DCCD1}">
-                <a14:hiddenFill xmlns:a14="http://schemas.microsoft.com/office/drawing/2010/main" xmlns="">
+                <a14:hiddenFill xmlns="" xmlns:a14="http://schemas.microsoft.com/office/drawing/2010/main">
                   <a:noFill/>
                 </a14:hiddenFill>
               </a:ext>
@@ -36424,14 +36336,14 @@
             </a:ln>
             <a:extLst>
               <a:ext uri="{909E8E84-426E-40dd-AFC4-6F175D3DCCD1}">
-                <a14:hiddenFill xmlns:a14="http://schemas.microsoft.com/office/drawing/2010/main" xmlns="">
+                <a14:hiddenFill xmlns="" xmlns:a14="http://schemas.microsoft.com/office/drawing/2010/main">
                   <a:solidFill>
                     <a:srgbClr val="FFFFFF"/>
                   </a:solidFill>
                 </a14:hiddenFill>
               </a:ext>
               <a:ext uri="{91240B29-F687-4f45-9708-019B960494DF}">
-                <a14:hiddenLine xmlns:a14="http://schemas.microsoft.com/office/drawing/2010/main" xmlns="" w="38100">
+                <a14:hiddenLine xmlns="" xmlns:a14="http://schemas.microsoft.com/office/drawing/2010/main" w="38100">
                   <a:solidFill>
                     <a:srgbClr val="000000"/>
                   </a:solidFill>
@@ -36592,7 +36504,7 @@
             </a:ln>
             <a:extLst>
               <a:ext uri="{909E8E84-426E-40dd-AFC4-6F175D3DCCD1}">
-                <a14:hiddenFill xmlns:a14="http://schemas.microsoft.com/office/drawing/2010/main" xmlns="">
+                <a14:hiddenFill xmlns="" xmlns:a14="http://schemas.microsoft.com/office/drawing/2010/main">
                   <a:noFill/>
                 </a14:hiddenFill>
               </a:ext>
@@ -36645,14 +36557,14 @@
             </a:ln>
             <a:extLst>
               <a:ext uri="{909E8E84-426E-40dd-AFC4-6F175D3DCCD1}">
-                <a14:hiddenFill xmlns:a14="http://schemas.microsoft.com/office/drawing/2010/main" xmlns="">
+                <a14:hiddenFill xmlns="" xmlns:a14="http://schemas.microsoft.com/office/drawing/2010/main">
                   <a:solidFill>
                     <a:srgbClr val="FFFFFF"/>
                   </a:solidFill>
                 </a14:hiddenFill>
               </a:ext>
               <a:ext uri="{91240B29-F687-4f45-9708-019B960494DF}">
-                <a14:hiddenLine xmlns:a14="http://schemas.microsoft.com/office/drawing/2010/main" xmlns="" w="38100">
+                <a14:hiddenLine xmlns="" xmlns:a14="http://schemas.microsoft.com/office/drawing/2010/main" w="38100">
                   <a:solidFill>
                     <a:srgbClr val="000000"/>
                   </a:solidFill>
@@ -36815,7 +36727,7 @@
             </a:ln>
             <a:extLst>
               <a:ext uri="{909E8E84-426E-40dd-AFC4-6F175D3DCCD1}">
-                <a14:hiddenFill xmlns:a14="http://schemas.microsoft.com/office/drawing/2010/main" xmlns="">
+                <a14:hiddenFill xmlns="" xmlns:a14="http://schemas.microsoft.com/office/drawing/2010/main">
                   <a:noFill/>
                 </a14:hiddenFill>
               </a:ext>
@@ -36851,7 +36763,7 @@
             </a:ln>
             <a:extLst>
               <a:ext uri="{909E8E84-426E-40dd-AFC4-6F175D3DCCD1}">
-                <a14:hiddenFill xmlns:a14="http://schemas.microsoft.com/office/drawing/2010/main" xmlns="">
+                <a14:hiddenFill xmlns="" xmlns:a14="http://schemas.microsoft.com/office/drawing/2010/main">
                   <a:noFill/>
                 </a14:hiddenFill>
               </a:ext>
@@ -36902,7 +36814,7 @@
             </a:ln>
             <a:extLst>
               <a:ext uri="{909E8E84-426E-40dd-AFC4-6F175D3DCCD1}">
-                <a14:hiddenFill xmlns:a14="http://schemas.microsoft.com/office/drawing/2010/main" xmlns="">
+                <a14:hiddenFill xmlns="" xmlns:a14="http://schemas.microsoft.com/office/drawing/2010/main">
                   <a:noFill/>
                 </a14:hiddenFill>
               </a:ext>
@@ -36938,14 +36850,14 @@
             </a:ln>
             <a:extLst>
               <a:ext uri="{909E8E84-426E-40dd-AFC4-6F175D3DCCD1}">
-                <a14:hiddenFill xmlns:a14="http://schemas.microsoft.com/office/drawing/2010/main" xmlns="">
+                <a14:hiddenFill xmlns="" xmlns:a14="http://schemas.microsoft.com/office/drawing/2010/main">
                   <a:solidFill>
                     <a:srgbClr val="FFFFFF"/>
                   </a:solidFill>
                 </a14:hiddenFill>
               </a:ext>
               <a:ext uri="{91240B29-F687-4f45-9708-019B960494DF}">
-                <a14:hiddenLine xmlns:a14="http://schemas.microsoft.com/office/drawing/2010/main" xmlns="" w="38100">
+                <a14:hiddenLine xmlns="" xmlns:a14="http://schemas.microsoft.com/office/drawing/2010/main" w="38100">
                   <a:solidFill>
                     <a:srgbClr val="000000"/>
                   </a:solidFill>
